--- a/documentation/Telco.Solution.Packaging.Design&ERD.pptx
+++ b/documentation/Telco.Solution.Packaging.Design&ERD.pptx
@@ -5,7 +5,7 @@
     <p:sldMasterId id="2147483648" r:id="rId4"/>
   </p:sldMasterIdLst>
   <p:notesMasterIdLst>
-    <p:notesMasterId r:id="rId15"/>
+    <p:notesMasterId r:id="rId20"/>
   </p:notesMasterIdLst>
   <p:sldIdLst>
     <p:sldId id="332" r:id="rId5"/>
@@ -15,9 +15,14 @@
     <p:sldId id="319" r:id="rId9"/>
     <p:sldId id="339" r:id="rId10"/>
     <p:sldId id="299" r:id="rId11"/>
-    <p:sldId id="283" r:id="rId12"/>
-    <p:sldId id="335" r:id="rId13"/>
-    <p:sldId id="336" r:id="rId14"/>
+    <p:sldId id="340" r:id="rId12"/>
+    <p:sldId id="341" r:id="rId13"/>
+    <p:sldId id="342" r:id="rId14"/>
+    <p:sldId id="343" r:id="rId15"/>
+    <p:sldId id="283" r:id="rId16"/>
+    <p:sldId id="335" r:id="rId17"/>
+    <p:sldId id="336" r:id="rId18"/>
+    <p:sldId id="344" r:id="rId19"/>
   </p:sldIdLst>
   <p:sldSz cx="12192000" cy="6858000"/>
   <p:notesSz cx="7315200" cy="9601200"/>
@@ -128,6 +133,10 @@
             <p14:sldId id="319"/>
             <p14:sldId id="339"/>
             <p14:sldId id="299"/>
+            <p14:sldId id="340"/>
+            <p14:sldId id="341"/>
+            <p14:sldId id="342"/>
+            <p14:sldId id="343"/>
           </p14:sldIdLst>
         </p14:section>
         <p14:section name="ERD" id="{5043519E-EF8E-4131-B87D-520F8B404A5D}">
@@ -135,6 +144,7 @@
             <p14:sldId id="283"/>
             <p14:sldId id="335"/>
             <p14:sldId id="336"/>
+            <p14:sldId id="344"/>
           </p14:sldIdLst>
         </p14:section>
       </p14:sectionLst>
@@ -149,7 +159,7 @@
 <file path=ppt/revisionInfo.xml><?xml version="1.0" encoding="utf-8"?>
 <p1510:revInfo xmlns:a="http://schemas.openxmlformats.org/drawingml/2006/main" xmlns:r="http://schemas.openxmlformats.org/officeDocument/2006/relationships" xmlns:p1510="http://schemas.microsoft.com/office/powerpoint/2015/10/main">
   <p1510:revLst>
-    <p1510:client id="{00000000-0000-0000-0000-000000000000}" v="108" dt="2021-04-29T17:10:54.632"/>
+    <p1510:client id="{603F6A08-6011-428E-961E-B674CA7D530F}" v="1" dt="2022-01-19T21:14:54.447"/>
   </p1510:revLst>
 </p1510:revInfo>
 </file>
@@ -278,6 +288,30 @@
       </pc:sldChg>
     </pc:docChg>
   </pc:docChgLst>
+  <pc:docChgLst>
+    <pc:chgData name="Amandeep Singh" userId="192f9da3-bd5c-42c3-8f41-80b8549e6782" providerId="ADAL" clId="{603F6A08-6011-428E-961E-B674CA7D530F}"/>
+    <pc:docChg chg="modSld">
+      <pc:chgData name="Amandeep Singh" userId="192f9da3-bd5c-42c3-8f41-80b8549e6782" providerId="ADAL" clId="{603F6A08-6011-428E-961E-B674CA7D530F}" dt="2022-01-19T21:15:32.843" v="67" actId="20577"/>
+      <pc:docMkLst>
+        <pc:docMk/>
+      </pc:docMkLst>
+      <pc:sldChg chg="modSp mod">
+        <pc:chgData name="Amandeep Singh" userId="192f9da3-bd5c-42c3-8f41-80b8549e6782" providerId="ADAL" clId="{603F6A08-6011-428E-961E-B674CA7D530F}" dt="2022-01-19T21:15:32.843" v="67" actId="20577"/>
+        <pc:sldMkLst>
+          <pc:docMk/>
+          <pc:sldMk cId="2500155727" sldId="342"/>
+        </pc:sldMkLst>
+        <pc:graphicFrameChg chg="mod modGraphic">
+          <ac:chgData name="Amandeep Singh" userId="192f9da3-bd5c-42c3-8f41-80b8549e6782" providerId="ADAL" clId="{603F6A08-6011-428E-961E-B674CA7D530F}" dt="2022-01-19T21:15:32.843" v="67" actId="20577"/>
+          <ac:graphicFrameMkLst>
+            <pc:docMk/>
+            <pc:sldMk cId="2500155727" sldId="342"/>
+            <ac:graphicFrameMk id="3" creationId="{063DBFEE-ECF2-4937-98FD-FF5A7C2C44BD}"/>
+          </ac:graphicFrameMkLst>
+        </pc:graphicFrameChg>
+      </pc:sldChg>
+    </pc:docChg>
+  </pc:docChgLst>
 </pc:chgInfo>
 </file>
 
@@ -330,7 +364,7 @@
             </a:lvl1pPr>
           </a:lstStyle>
           <a:p>
-            <a:endParaRPr lang="en-US"/>
+            <a:endParaRPr lang="en-US" dirty="0"/>
           </a:p>
         </p:txBody>
       </p:sp>
@@ -363,9 +397,9 @@
           <a:p>
             <a:fld id="{6FB01639-DAD8-417F-B6AC-D42D39109840}" type="datetimeFigureOut">
               <a:rPr lang="en-US" smtClean="0"/>
-              <a:t>4/29/2021</a:t>
+              <a:t>1/19/2022</a:t>
             </a:fld>
-            <a:endParaRPr lang="en-US"/>
+            <a:endParaRPr lang="en-US" dirty="0"/>
           </a:p>
         </p:txBody>
       </p:sp>
@@ -398,7 +432,7 @@
           <a:bodyPr vert="horz" lIns="96661" tIns="48331" rIns="96661" bIns="48331" rtlCol="0" anchor="ctr"/>
           <a:lstStyle/>
           <a:p>
-            <a:endParaRPr lang="en-US"/>
+            <a:endParaRPr lang="en-US" dirty="0"/>
           </a:p>
         </p:txBody>
       </p:sp>
@@ -488,7 +522,7 @@
             </a:lvl1pPr>
           </a:lstStyle>
           <a:p>
-            <a:endParaRPr lang="en-US"/>
+            <a:endParaRPr lang="en-US" dirty="0"/>
           </a:p>
         </p:txBody>
       </p:sp>
@@ -523,7 +557,7 @@
               <a:rPr lang="en-US" smtClean="0"/>
               <a:t>‹#›</a:t>
             </a:fld>
-            <a:endParaRPr lang="en-US"/>
+            <a:endParaRPr lang="en-US" dirty="0"/>
           </a:p>
         </p:txBody>
       </p:sp>
@@ -674,7 +708,7 @@
           <a:bodyPr/>
           <a:lstStyle/>
           <a:p>
-            <a:endParaRPr lang="en-US"/>
+            <a:endParaRPr lang="en-US" dirty="0"/>
           </a:p>
         </p:txBody>
       </p:sp>
@@ -697,7 +731,7 @@
               <a:rPr lang="en-US" smtClean="0"/>
               <a:t>1</a:t>
             </a:fld>
-            <a:endParaRPr lang="en-US"/>
+            <a:endParaRPr lang="en-US" dirty="0"/>
           </a:p>
         </p:txBody>
       </p:sp>
@@ -861,9 +895,9 @@
           <a:p>
             <a:fld id="{63DB6815-4F29-43CA-B3B6-BC8BFF87DA5B}" type="datetimeFigureOut">
               <a:rPr lang="en-US" smtClean="0"/>
-              <a:t>4/29/2021</a:t>
+              <a:t>1/19/2022</a:t>
             </a:fld>
-            <a:endParaRPr lang="en-US"/>
+            <a:endParaRPr lang="en-US" dirty="0"/>
           </a:p>
         </p:txBody>
       </p:sp>
@@ -888,7 +922,7 @@
           <a:bodyPr/>
           <a:lstStyle/>
           <a:p>
-            <a:endParaRPr lang="en-US"/>
+            <a:endParaRPr lang="en-US" dirty="0"/>
           </a:p>
         </p:txBody>
       </p:sp>
@@ -917,7 +951,7 @@
               <a:rPr lang="en-US" smtClean="0"/>
               <a:t>‹#›</a:t>
             </a:fld>
-            <a:endParaRPr lang="en-US"/>
+            <a:endParaRPr lang="en-US" dirty="0"/>
           </a:p>
         </p:txBody>
       </p:sp>
@@ -1059,9 +1093,9 @@
           <a:p>
             <a:fld id="{63DB6815-4F29-43CA-B3B6-BC8BFF87DA5B}" type="datetimeFigureOut">
               <a:rPr lang="en-US" smtClean="0"/>
-              <a:t>4/29/2021</a:t>
+              <a:t>1/19/2022</a:t>
             </a:fld>
-            <a:endParaRPr lang="en-US"/>
+            <a:endParaRPr lang="en-US" dirty="0"/>
           </a:p>
         </p:txBody>
       </p:sp>
@@ -1086,7 +1120,7 @@
           <a:bodyPr/>
           <a:lstStyle/>
           <a:p>
-            <a:endParaRPr lang="en-US"/>
+            <a:endParaRPr lang="en-US" dirty="0"/>
           </a:p>
         </p:txBody>
       </p:sp>
@@ -1115,7 +1149,7 @@
               <a:rPr lang="en-US" smtClean="0"/>
               <a:t>‹#›</a:t>
             </a:fld>
-            <a:endParaRPr lang="en-US"/>
+            <a:endParaRPr lang="en-US" dirty="0"/>
           </a:p>
         </p:txBody>
       </p:sp>
@@ -1267,9 +1301,9 @@
           <a:p>
             <a:fld id="{63DB6815-4F29-43CA-B3B6-BC8BFF87DA5B}" type="datetimeFigureOut">
               <a:rPr lang="en-US" smtClean="0"/>
-              <a:t>4/29/2021</a:t>
+              <a:t>1/19/2022</a:t>
             </a:fld>
-            <a:endParaRPr lang="en-US"/>
+            <a:endParaRPr lang="en-US" dirty="0"/>
           </a:p>
         </p:txBody>
       </p:sp>
@@ -1294,7 +1328,7 @@
           <a:bodyPr/>
           <a:lstStyle/>
           <a:p>
-            <a:endParaRPr lang="en-US"/>
+            <a:endParaRPr lang="en-US" dirty="0"/>
           </a:p>
         </p:txBody>
       </p:sp>
@@ -1323,7 +1357,7 @@
               <a:rPr lang="en-US" smtClean="0"/>
               <a:t>‹#›</a:t>
             </a:fld>
-            <a:endParaRPr lang="en-US"/>
+            <a:endParaRPr lang="en-US" dirty="0"/>
           </a:p>
         </p:txBody>
       </p:sp>
@@ -1465,9 +1499,9 @@
           <a:p>
             <a:fld id="{63DB6815-4F29-43CA-B3B6-BC8BFF87DA5B}" type="datetimeFigureOut">
               <a:rPr lang="en-US" smtClean="0"/>
-              <a:t>4/29/2021</a:t>
+              <a:t>1/19/2022</a:t>
             </a:fld>
-            <a:endParaRPr lang="en-US"/>
+            <a:endParaRPr lang="en-US" dirty="0"/>
           </a:p>
         </p:txBody>
       </p:sp>
@@ -1492,7 +1526,7 @@
           <a:bodyPr/>
           <a:lstStyle/>
           <a:p>
-            <a:endParaRPr lang="en-US"/>
+            <a:endParaRPr lang="en-US" dirty="0"/>
           </a:p>
         </p:txBody>
       </p:sp>
@@ -1521,7 +1555,7 @@
               <a:rPr lang="en-US" smtClean="0"/>
               <a:t>‹#›</a:t>
             </a:fld>
-            <a:endParaRPr lang="en-US"/>
+            <a:endParaRPr lang="en-US" dirty="0"/>
           </a:p>
         </p:txBody>
       </p:sp>
@@ -1740,9 +1774,9 @@
           <a:p>
             <a:fld id="{63DB6815-4F29-43CA-B3B6-BC8BFF87DA5B}" type="datetimeFigureOut">
               <a:rPr lang="en-US" smtClean="0"/>
-              <a:t>4/29/2021</a:t>
+              <a:t>1/19/2022</a:t>
             </a:fld>
-            <a:endParaRPr lang="en-US"/>
+            <a:endParaRPr lang="en-US" dirty="0"/>
           </a:p>
         </p:txBody>
       </p:sp>
@@ -1767,7 +1801,7 @@
           <a:bodyPr/>
           <a:lstStyle/>
           <a:p>
-            <a:endParaRPr lang="en-US"/>
+            <a:endParaRPr lang="en-US" dirty="0"/>
           </a:p>
         </p:txBody>
       </p:sp>
@@ -1796,7 +1830,7 @@
               <a:rPr lang="en-US" smtClean="0"/>
               <a:t>‹#›</a:t>
             </a:fld>
-            <a:endParaRPr lang="en-US"/>
+            <a:endParaRPr lang="en-US" dirty="0"/>
           </a:p>
         </p:txBody>
       </p:sp>
@@ -2005,9 +2039,9 @@
           <a:p>
             <a:fld id="{63DB6815-4F29-43CA-B3B6-BC8BFF87DA5B}" type="datetimeFigureOut">
               <a:rPr lang="en-US" smtClean="0"/>
-              <a:t>4/29/2021</a:t>
+              <a:t>1/19/2022</a:t>
             </a:fld>
-            <a:endParaRPr lang="en-US"/>
+            <a:endParaRPr lang="en-US" dirty="0"/>
           </a:p>
         </p:txBody>
       </p:sp>
@@ -2032,7 +2066,7 @@
           <a:bodyPr/>
           <a:lstStyle/>
           <a:p>
-            <a:endParaRPr lang="en-US"/>
+            <a:endParaRPr lang="en-US" dirty="0"/>
           </a:p>
         </p:txBody>
       </p:sp>
@@ -2061,7 +2095,7 @@
               <a:rPr lang="en-US" smtClean="0"/>
               <a:t>‹#›</a:t>
             </a:fld>
-            <a:endParaRPr lang="en-US"/>
+            <a:endParaRPr lang="en-US" dirty="0"/>
           </a:p>
         </p:txBody>
       </p:sp>
@@ -2417,9 +2451,9 @@
           <a:p>
             <a:fld id="{63DB6815-4F29-43CA-B3B6-BC8BFF87DA5B}" type="datetimeFigureOut">
               <a:rPr lang="en-US" smtClean="0"/>
-              <a:t>4/29/2021</a:t>
+              <a:t>1/19/2022</a:t>
             </a:fld>
-            <a:endParaRPr lang="en-US"/>
+            <a:endParaRPr lang="en-US" dirty="0"/>
           </a:p>
         </p:txBody>
       </p:sp>
@@ -2444,7 +2478,7 @@
           <a:bodyPr/>
           <a:lstStyle/>
           <a:p>
-            <a:endParaRPr lang="en-US"/>
+            <a:endParaRPr lang="en-US" dirty="0"/>
           </a:p>
         </p:txBody>
       </p:sp>
@@ -2473,7 +2507,7 @@
               <a:rPr lang="en-US" smtClean="0"/>
               <a:t>‹#›</a:t>
             </a:fld>
-            <a:endParaRPr lang="en-US"/>
+            <a:endParaRPr lang="en-US" dirty="0"/>
           </a:p>
         </p:txBody>
       </p:sp>
@@ -2558,9 +2592,9 @@
           <a:p>
             <a:fld id="{63DB6815-4F29-43CA-B3B6-BC8BFF87DA5B}" type="datetimeFigureOut">
               <a:rPr lang="en-US" smtClean="0"/>
-              <a:t>4/29/2021</a:t>
+              <a:t>1/19/2022</a:t>
             </a:fld>
-            <a:endParaRPr lang="en-US"/>
+            <a:endParaRPr lang="en-US" dirty="0"/>
           </a:p>
         </p:txBody>
       </p:sp>
@@ -2585,7 +2619,7 @@
           <a:bodyPr/>
           <a:lstStyle/>
           <a:p>
-            <a:endParaRPr lang="en-US"/>
+            <a:endParaRPr lang="en-US" dirty="0"/>
           </a:p>
         </p:txBody>
       </p:sp>
@@ -2614,7 +2648,7 @@
               <a:rPr lang="en-US" smtClean="0"/>
               <a:t>‹#›</a:t>
             </a:fld>
-            <a:endParaRPr lang="en-US"/>
+            <a:endParaRPr lang="en-US" dirty="0"/>
           </a:p>
         </p:txBody>
       </p:sp>
@@ -2671,9 +2705,9 @@
           <a:p>
             <a:fld id="{63DB6815-4F29-43CA-B3B6-BC8BFF87DA5B}" type="datetimeFigureOut">
               <a:rPr lang="en-US" smtClean="0"/>
-              <a:t>4/29/2021</a:t>
+              <a:t>1/19/2022</a:t>
             </a:fld>
-            <a:endParaRPr lang="en-US"/>
+            <a:endParaRPr lang="en-US" dirty="0"/>
           </a:p>
         </p:txBody>
       </p:sp>
@@ -2698,7 +2732,7 @@
           <a:bodyPr/>
           <a:lstStyle/>
           <a:p>
-            <a:endParaRPr lang="en-US"/>
+            <a:endParaRPr lang="en-US" dirty="0"/>
           </a:p>
         </p:txBody>
       </p:sp>
@@ -2727,7 +2761,7 @@
               <a:rPr lang="en-US" smtClean="0"/>
               <a:t>‹#›</a:t>
             </a:fld>
-            <a:endParaRPr lang="en-US"/>
+            <a:endParaRPr lang="en-US" dirty="0"/>
           </a:p>
         </p:txBody>
       </p:sp>
@@ -2982,9 +3016,9 @@
           <a:p>
             <a:fld id="{63DB6815-4F29-43CA-B3B6-BC8BFF87DA5B}" type="datetimeFigureOut">
               <a:rPr lang="en-US" smtClean="0"/>
-              <a:t>4/29/2021</a:t>
+              <a:t>1/19/2022</a:t>
             </a:fld>
-            <a:endParaRPr lang="en-US"/>
+            <a:endParaRPr lang="en-US" dirty="0"/>
           </a:p>
         </p:txBody>
       </p:sp>
@@ -3009,7 +3043,7 @@
           <a:bodyPr/>
           <a:lstStyle/>
           <a:p>
-            <a:endParaRPr lang="en-US"/>
+            <a:endParaRPr lang="en-US" dirty="0"/>
           </a:p>
         </p:txBody>
       </p:sp>
@@ -3038,7 +3072,7 @@
               <a:rPr lang="en-US" smtClean="0"/>
               <a:t>‹#›</a:t>
             </a:fld>
-            <a:endParaRPr lang="en-US"/>
+            <a:endParaRPr lang="en-US" dirty="0"/>
           </a:p>
         </p:txBody>
       </p:sp>
@@ -3172,7 +3206,7 @@
             </a:lvl9pPr>
           </a:lstStyle>
           <a:p>
-            <a:endParaRPr lang="en-US"/>
+            <a:endParaRPr lang="en-US" dirty="0"/>
           </a:p>
         </p:txBody>
       </p:sp>
@@ -3270,9 +3304,9 @@
           <a:p>
             <a:fld id="{63DB6815-4F29-43CA-B3B6-BC8BFF87DA5B}" type="datetimeFigureOut">
               <a:rPr lang="en-US" smtClean="0"/>
-              <a:t>4/29/2021</a:t>
+              <a:t>1/19/2022</a:t>
             </a:fld>
-            <a:endParaRPr lang="en-US"/>
+            <a:endParaRPr lang="en-US" dirty="0"/>
           </a:p>
         </p:txBody>
       </p:sp>
@@ -3297,7 +3331,7 @@
           <a:bodyPr/>
           <a:lstStyle/>
           <a:p>
-            <a:endParaRPr lang="en-US"/>
+            <a:endParaRPr lang="en-US" dirty="0"/>
           </a:p>
         </p:txBody>
       </p:sp>
@@ -3326,7 +3360,7 @@
               <a:rPr lang="en-US" smtClean="0"/>
               <a:t>‹#›</a:t>
             </a:fld>
-            <a:endParaRPr lang="en-US"/>
+            <a:endParaRPr lang="en-US" dirty="0"/>
           </a:p>
         </p:txBody>
       </p:sp>
@@ -3511,9 +3545,9 @@
           <a:p>
             <a:fld id="{63DB6815-4F29-43CA-B3B6-BC8BFF87DA5B}" type="datetimeFigureOut">
               <a:rPr lang="en-US" smtClean="0"/>
-              <a:t>4/29/2021</a:t>
+              <a:t>1/19/2022</a:t>
             </a:fld>
-            <a:endParaRPr lang="en-US"/>
+            <a:endParaRPr lang="en-US" dirty="0"/>
           </a:p>
         </p:txBody>
       </p:sp>
@@ -3556,7 +3590,7 @@
             </a:lvl1pPr>
           </a:lstStyle>
           <a:p>
-            <a:endParaRPr lang="en-US"/>
+            <a:endParaRPr lang="en-US" dirty="0"/>
           </a:p>
         </p:txBody>
       </p:sp>
@@ -3603,7 +3637,7 @@
               <a:rPr lang="en-US" smtClean="0"/>
               <a:t>‹#›</a:t>
             </a:fld>
-            <a:endParaRPr lang="en-US"/>
+            <a:endParaRPr lang="en-US" dirty="0"/>
           </a:p>
         </p:txBody>
       </p:sp>
@@ -4039,7 +4073,7 @@
             <a:lstStyle/>
             <a:p>
               <a:pPr algn="ctr"/>
-              <a:endParaRPr lang="en-US">
+              <a:endParaRPr lang="en-US" dirty="0">
                 <a:latin typeface="Segoe UI" panose="020B0502040204020203" pitchFamily="34" charset="0"/>
                 <a:cs typeface="Segoe UI" panose="020B0502040204020203" pitchFamily="34" charset="0"/>
               </a:endParaRPr>
@@ -4088,7 +4122,7 @@
             <a:lstStyle/>
             <a:p>
               <a:pPr algn="ctr"/>
-              <a:endParaRPr lang="en-US">
+              <a:endParaRPr lang="en-US" dirty="0">
                 <a:latin typeface="Segoe UI" panose="020B0502040204020203" pitchFamily="34" charset="0"/>
                 <a:cs typeface="Segoe UI" panose="020B0502040204020203" pitchFamily="34" charset="0"/>
               </a:endParaRPr>
@@ -4124,7 +4158,7 @@
             <a:lstStyle/>
             <a:p>
               <a:r>
-                <a:rPr lang="en-US">
+                <a:rPr lang="en-US" dirty="0">
                   <a:latin typeface="Segoe UI" panose="020B0502040204020203" pitchFamily="34" charset="0"/>
                   <a:cs typeface="Segoe UI" panose="020B0502040204020203" pitchFamily="34" charset="0"/>
                 </a:rPr>
@@ -4162,7 +4196,7 @@
             <a:lstStyle/>
             <a:p>
               <a:r>
-                <a:rPr lang="en-US">
+                <a:rPr lang="en-US" dirty="0">
                   <a:latin typeface="Segoe UI" panose="020B0502040204020203" pitchFamily="34" charset="0"/>
                   <a:cs typeface="Segoe UI" panose="020B0502040204020203" pitchFamily="34" charset="0"/>
                 </a:rPr>
@@ -4172,318 +4206,443 @@
           </p:txBody>
         </p:sp>
       </p:grpSp>
-      <p:sp>
-        <p:nvSpPr>
-          <p:cNvPr id="41" name="Rectangle 40">
+      <p:grpSp>
+        <p:nvGrpSpPr>
+          <p:cNvPr id="9" name="Group 8">
             <a:extLst>
               <a:ext uri="{FF2B5EF4-FFF2-40B4-BE49-F238E27FC236}">
-                <a16:creationId xmlns:a16="http://schemas.microsoft.com/office/drawing/2014/main" id="{127047F8-FEDB-43A1-AFF9-54D4E02E9811}"/>
+                <a16:creationId xmlns:a16="http://schemas.microsoft.com/office/drawing/2014/main" id="{4B71499B-FC17-4536-92D9-9673A6557BF2}"/>
               </a:ext>
             </a:extLst>
           </p:cNvPr>
-          <p:cNvSpPr/>
+          <p:cNvGrpSpPr/>
           <p:nvPr/>
-        </p:nvSpPr>
-        <p:spPr>
+        </p:nvGrpSpPr>
+        <p:grpSpPr>
           <a:xfrm>
-            <a:off x="1530533" y="4438878"/>
-            <a:ext cx="9130937" cy="369332"/>
+            <a:off x="1277942" y="1969379"/>
+            <a:ext cx="9399580" cy="3101067"/>
+            <a:chOff x="1277942" y="1969379"/>
+            <a:chExt cx="9399580" cy="3101067"/>
           </a:xfrm>
-          <a:prstGeom prst="rect">
-            <a:avLst/>
-          </a:prstGeom>
-        </p:spPr>
-        <p:style>
-          <a:lnRef idx="2">
-            <a:schemeClr val="accent4">
-              <a:shade val="50000"/>
-            </a:schemeClr>
-          </a:lnRef>
-          <a:fillRef idx="1">
-            <a:schemeClr val="accent4"/>
-          </a:fillRef>
-          <a:effectRef idx="0">
-            <a:schemeClr val="accent4"/>
-          </a:effectRef>
-          <a:fontRef idx="minor">
-            <a:schemeClr val="lt1"/>
-          </a:fontRef>
-        </p:style>
-        <p:txBody>
-          <a:bodyPr rtlCol="0" anchor="ctr"/>
-          <a:lstStyle/>
-          <a:p>
-            <a:pPr algn="ctr"/>
-            <a:r>
-              <a:rPr lang="en-US">
-                <a:latin typeface="Segoe UI" panose="020B0502040204020203" pitchFamily="34" charset="0"/>
-                <a:cs typeface="Segoe UI" panose="020B0502040204020203" pitchFamily="34" charset="0"/>
-              </a:rPr>
-              <a:t>Microsoft Dataverse</a:t>
-            </a:r>
-          </a:p>
-        </p:txBody>
-      </p:sp>
-      <p:sp>
-        <p:nvSpPr>
-          <p:cNvPr id="43" name="Rectangle 42">
-            <a:extLst>
-              <a:ext uri="{FF2B5EF4-FFF2-40B4-BE49-F238E27FC236}">
-                <a16:creationId xmlns:a16="http://schemas.microsoft.com/office/drawing/2014/main" id="{68EEC265-E34B-4974-9B42-90AA49BF2242}"/>
-              </a:ext>
-            </a:extLst>
-          </p:cNvPr>
-          <p:cNvSpPr/>
-          <p:nvPr/>
-        </p:nvSpPr>
-        <p:spPr>
-          <a:xfrm>
-            <a:off x="1530540" y="3923087"/>
-            <a:ext cx="9130942" cy="369332"/>
-          </a:xfrm>
-          <a:prstGeom prst="rect">
-            <a:avLst/>
-          </a:prstGeom>
-        </p:spPr>
-        <p:style>
-          <a:lnRef idx="2">
-            <a:schemeClr val="accent1">
-              <a:shade val="50000"/>
-            </a:schemeClr>
-          </a:lnRef>
-          <a:fillRef idx="1">
-            <a:schemeClr val="accent1"/>
-          </a:fillRef>
-          <a:effectRef idx="0">
-            <a:schemeClr val="accent1"/>
-          </a:effectRef>
-          <a:fontRef idx="minor">
-            <a:schemeClr val="lt1"/>
-          </a:fontRef>
-        </p:style>
-        <p:txBody>
-          <a:bodyPr rtlCol="0" anchor="ctr"/>
-          <a:lstStyle/>
-          <a:p>
-            <a:pPr algn="ctr"/>
-            <a:r>
-              <a:rPr lang="en-US">
-                <a:latin typeface="Segoe UI" panose="020B0502040204020203" pitchFamily="34" charset="0"/>
-                <a:cs typeface="Segoe UI" panose="020B0502040204020203" pitchFamily="34" charset="0"/>
-              </a:rPr>
-              <a:t>Telco Common CDM</a:t>
-            </a:r>
-          </a:p>
-        </p:txBody>
-      </p:sp>
-      <p:sp>
-        <p:nvSpPr>
-          <p:cNvPr id="47" name="Rectangle 46">
-            <a:extLst>
-              <a:ext uri="{FF2B5EF4-FFF2-40B4-BE49-F238E27FC236}">
-                <a16:creationId xmlns:a16="http://schemas.microsoft.com/office/drawing/2014/main" id="{C08D3209-2199-4E75-A5CB-5B006C1F1A56}"/>
-              </a:ext>
-            </a:extLst>
-          </p:cNvPr>
-          <p:cNvSpPr/>
-          <p:nvPr/>
-        </p:nvSpPr>
-        <p:spPr>
-          <a:xfrm>
-            <a:off x="6096000" y="2892747"/>
-            <a:ext cx="4565470" cy="369332"/>
-          </a:xfrm>
-          <a:prstGeom prst="rect">
-            <a:avLst/>
-          </a:prstGeom>
-        </p:spPr>
-        <p:style>
-          <a:lnRef idx="2">
-            <a:schemeClr val="accent1">
-              <a:shade val="50000"/>
-            </a:schemeClr>
-          </a:lnRef>
-          <a:fillRef idx="1">
-            <a:schemeClr val="accent1"/>
-          </a:fillRef>
-          <a:effectRef idx="0">
-            <a:schemeClr val="accent1"/>
-          </a:effectRef>
-          <a:fontRef idx="minor">
-            <a:schemeClr val="lt1"/>
-          </a:fontRef>
-        </p:style>
-        <p:txBody>
-          <a:bodyPr rtlCol="0" anchor="ctr"/>
-          <a:lstStyle/>
-          <a:p>
-            <a:pPr algn="ctr"/>
-            <a:r>
-              <a:rPr lang="en-US">
-                <a:latin typeface="Segoe UI" panose="020B0502040204020203" pitchFamily="34" charset="0"/>
-                <a:cs typeface="Segoe UI" panose="020B0502040204020203" pitchFamily="34" charset="0"/>
-              </a:rPr>
-              <a:t>Telco Sales CDM</a:t>
-            </a:r>
-          </a:p>
-        </p:txBody>
-      </p:sp>
-      <p:sp>
-        <p:nvSpPr>
-          <p:cNvPr id="14" name="Rectangle 13">
-            <a:extLst>
-              <a:ext uri="{FF2B5EF4-FFF2-40B4-BE49-F238E27FC236}">
-                <a16:creationId xmlns:a16="http://schemas.microsoft.com/office/drawing/2014/main" id="{439AC5F5-6CBD-4468-B1A7-16F342A49296}"/>
-              </a:ext>
-            </a:extLst>
-          </p:cNvPr>
-          <p:cNvSpPr/>
-          <p:nvPr/>
-        </p:nvSpPr>
-        <p:spPr>
-          <a:xfrm>
-            <a:off x="1538556" y="3420929"/>
-            <a:ext cx="4441651" cy="369332"/>
-          </a:xfrm>
-          <a:prstGeom prst="rect">
-            <a:avLst/>
-          </a:prstGeom>
-        </p:spPr>
-        <p:style>
-          <a:lnRef idx="2">
-            <a:schemeClr val="accent1">
-              <a:shade val="50000"/>
-            </a:schemeClr>
-          </a:lnRef>
-          <a:fillRef idx="1">
-            <a:schemeClr val="accent1"/>
-          </a:fillRef>
-          <a:effectRef idx="0">
-            <a:schemeClr val="accent1"/>
-          </a:effectRef>
-          <a:fontRef idx="minor">
-            <a:schemeClr val="lt1"/>
-          </a:fontRef>
-        </p:style>
-        <p:txBody>
-          <a:bodyPr rtlCol="0" anchor="ctr"/>
-          <a:lstStyle/>
-          <a:p>
-            <a:pPr algn="ctr"/>
-            <a:r>
-              <a:rPr lang="en-US">
-                <a:latin typeface="Segoe UI" panose="020B0502040204020203" pitchFamily="34" charset="0"/>
-                <a:cs typeface="Segoe UI" panose="020B0502040204020203" pitchFamily="34" charset="0"/>
-              </a:rPr>
-              <a:t>Telco Apps</a:t>
-            </a:r>
-          </a:p>
-        </p:txBody>
-      </p:sp>
-      <p:sp>
-        <p:nvSpPr>
-          <p:cNvPr id="16" name="Rectangle 15">
-            <a:extLst>
-              <a:ext uri="{FF2B5EF4-FFF2-40B4-BE49-F238E27FC236}">
-                <a16:creationId xmlns:a16="http://schemas.microsoft.com/office/drawing/2014/main" id="{F3854C20-D91C-43DD-9074-01EC63B2A01D}"/>
-              </a:ext>
-            </a:extLst>
-          </p:cNvPr>
-          <p:cNvSpPr/>
-          <p:nvPr/>
-        </p:nvSpPr>
-        <p:spPr>
-          <a:xfrm>
-            <a:off x="6104026" y="2376956"/>
-            <a:ext cx="4573497" cy="369332"/>
-          </a:xfrm>
-          <a:prstGeom prst="rect">
-            <a:avLst/>
-          </a:prstGeom>
-        </p:spPr>
-        <p:style>
-          <a:lnRef idx="2">
-            <a:schemeClr val="accent1">
-              <a:shade val="50000"/>
-            </a:schemeClr>
-          </a:lnRef>
-          <a:fillRef idx="1">
-            <a:schemeClr val="accent1"/>
-          </a:fillRef>
-          <a:effectRef idx="0">
-            <a:schemeClr val="accent1"/>
-          </a:effectRef>
-          <a:fontRef idx="minor">
-            <a:schemeClr val="lt1"/>
-          </a:fontRef>
-        </p:style>
-        <p:txBody>
-          <a:bodyPr rtlCol="0" anchor="ctr"/>
-          <a:lstStyle/>
-          <a:p>
-            <a:pPr algn="ctr"/>
-            <a:r>
-              <a:rPr lang="en-US">
-                <a:latin typeface="Segoe UI" panose="020B0502040204020203" pitchFamily="34" charset="0"/>
-                <a:cs typeface="Segoe UI" panose="020B0502040204020203" pitchFamily="34" charset="0"/>
-              </a:rPr>
-              <a:t>Telco Sales Apps</a:t>
-            </a:r>
-          </a:p>
-        </p:txBody>
-      </p:sp>
-      <p:sp>
-        <p:nvSpPr>
-          <p:cNvPr id="15" name="Rectangle 14">
-            <a:extLst>
-              <a:ext uri="{FF2B5EF4-FFF2-40B4-BE49-F238E27FC236}">
-                <a16:creationId xmlns:a16="http://schemas.microsoft.com/office/drawing/2014/main" id="{89A4CB8A-FF95-4ED6-A878-42B96C0BCBE9}"/>
-              </a:ext>
-            </a:extLst>
-          </p:cNvPr>
-          <p:cNvSpPr/>
-          <p:nvPr/>
-        </p:nvSpPr>
-        <p:spPr>
-          <a:xfrm>
-            <a:off x="6104026" y="3426388"/>
-            <a:ext cx="4573497" cy="369332"/>
-          </a:xfrm>
-          <a:prstGeom prst="rect">
-            <a:avLst/>
-          </a:prstGeom>
-        </p:spPr>
-        <p:style>
-          <a:lnRef idx="2">
-            <a:schemeClr val="accent4">
-              <a:shade val="50000"/>
-            </a:schemeClr>
-          </a:lnRef>
-          <a:fillRef idx="1">
-            <a:schemeClr val="accent4"/>
-          </a:fillRef>
-          <a:effectRef idx="0">
-            <a:schemeClr val="accent4"/>
-          </a:effectRef>
-          <a:fontRef idx="minor">
-            <a:schemeClr val="lt1"/>
-          </a:fontRef>
-        </p:style>
-        <p:txBody>
-          <a:bodyPr rtlCol="0" anchor="ctr"/>
-          <a:lstStyle/>
-          <a:p>
-            <a:pPr algn="ctr"/>
-            <a:r>
-              <a:rPr lang="en-US">
-                <a:latin typeface="Segoe UI" panose="020B0502040204020203" pitchFamily="34" charset="0"/>
-                <a:cs typeface="Segoe UI" panose="020B0502040204020203" pitchFamily="34" charset="0"/>
-              </a:rPr>
-              <a:t>Dynamics 365 Sales</a:t>
-            </a:r>
-          </a:p>
-        </p:txBody>
-      </p:sp>
+        </p:grpSpPr>
+        <p:sp>
+          <p:nvSpPr>
+            <p:cNvPr id="41" name="Rectangle 40">
+              <a:extLst>
+                <a:ext uri="{FF2B5EF4-FFF2-40B4-BE49-F238E27FC236}">
+                  <a16:creationId xmlns:a16="http://schemas.microsoft.com/office/drawing/2014/main" id="{127047F8-FEDB-43A1-AFF9-54D4E02E9811}"/>
+                </a:ext>
+              </a:extLst>
+            </p:cNvPr>
+            <p:cNvSpPr/>
+            <p:nvPr/>
+          </p:nvSpPr>
+          <p:spPr>
+            <a:xfrm>
+              <a:off x="1277945" y="4565001"/>
+              <a:ext cx="9383525" cy="505445"/>
+            </a:xfrm>
+            <a:prstGeom prst="rect">
+              <a:avLst/>
+            </a:prstGeom>
+          </p:spPr>
+          <p:style>
+            <a:lnRef idx="2">
+              <a:schemeClr val="accent4">
+                <a:shade val="50000"/>
+              </a:schemeClr>
+            </a:lnRef>
+            <a:fillRef idx="1">
+              <a:schemeClr val="accent4"/>
+            </a:fillRef>
+            <a:effectRef idx="0">
+              <a:schemeClr val="accent4"/>
+            </a:effectRef>
+            <a:fontRef idx="minor">
+              <a:schemeClr val="lt1"/>
+            </a:fontRef>
+          </p:style>
+          <p:txBody>
+            <a:bodyPr rtlCol="0" anchor="ctr"/>
+            <a:lstStyle/>
+            <a:p>
+              <a:pPr algn="ctr"/>
+              <a:r>
+                <a:rPr lang="en-US" dirty="0">
+                  <a:latin typeface="Segoe UI" panose="020B0502040204020203" pitchFamily="34" charset="0"/>
+                  <a:cs typeface="Segoe UI" panose="020B0502040204020203" pitchFamily="34" charset="0"/>
+                </a:rPr>
+                <a:t>Microsoft Dataverse</a:t>
+              </a:r>
+            </a:p>
+          </p:txBody>
+        </p:sp>
+        <p:sp>
+          <p:nvSpPr>
+            <p:cNvPr id="43" name="Rectangle 42">
+              <a:extLst>
+                <a:ext uri="{FF2B5EF4-FFF2-40B4-BE49-F238E27FC236}">
+                  <a16:creationId xmlns:a16="http://schemas.microsoft.com/office/drawing/2014/main" id="{68EEC265-E34B-4974-9B42-90AA49BF2242}"/>
+                </a:ext>
+              </a:extLst>
+            </p:cNvPr>
+            <p:cNvSpPr/>
+            <p:nvPr/>
+          </p:nvSpPr>
+          <p:spPr>
+            <a:xfrm>
+              <a:off x="1277957" y="3923086"/>
+              <a:ext cx="9383525" cy="514549"/>
+            </a:xfrm>
+            <a:prstGeom prst="rect">
+              <a:avLst/>
+            </a:prstGeom>
+          </p:spPr>
+          <p:style>
+            <a:lnRef idx="2">
+              <a:schemeClr val="accent1">
+                <a:shade val="50000"/>
+              </a:schemeClr>
+            </a:lnRef>
+            <a:fillRef idx="1">
+              <a:schemeClr val="accent1"/>
+            </a:fillRef>
+            <a:effectRef idx="0">
+              <a:schemeClr val="accent1"/>
+            </a:effectRef>
+            <a:fontRef idx="minor">
+              <a:schemeClr val="lt1"/>
+            </a:fontRef>
+          </p:style>
+          <p:txBody>
+            <a:bodyPr rtlCol="0" anchor="ctr"/>
+            <a:lstStyle/>
+            <a:p>
+              <a:pPr algn="ctr"/>
+              <a:r>
+                <a:rPr lang="en-US" dirty="0">
+                  <a:latin typeface="Segoe UI" panose="020B0502040204020203" pitchFamily="34" charset="0"/>
+                  <a:cs typeface="Segoe UI" panose="020B0502040204020203" pitchFamily="34" charset="0"/>
+                </a:rPr>
+                <a:t>Telco Common CDM</a:t>
+              </a:r>
+            </a:p>
+          </p:txBody>
+        </p:sp>
+        <p:sp>
+          <p:nvSpPr>
+            <p:cNvPr id="47" name="Rectangle 46">
+              <a:extLst>
+                <a:ext uri="{FF2B5EF4-FFF2-40B4-BE49-F238E27FC236}">
+                  <a16:creationId xmlns:a16="http://schemas.microsoft.com/office/drawing/2014/main" id="{C08D3209-2199-4E75-A5CB-5B006C1F1A56}"/>
+                </a:ext>
+              </a:extLst>
+            </p:cNvPr>
+            <p:cNvSpPr/>
+            <p:nvPr/>
+          </p:nvSpPr>
+          <p:spPr>
+            <a:xfrm>
+              <a:off x="7447401" y="2628370"/>
+              <a:ext cx="3206040" cy="533641"/>
+            </a:xfrm>
+            <a:prstGeom prst="rect">
+              <a:avLst/>
+            </a:prstGeom>
+          </p:spPr>
+          <p:style>
+            <a:lnRef idx="2">
+              <a:schemeClr val="accent1">
+                <a:shade val="50000"/>
+              </a:schemeClr>
+            </a:lnRef>
+            <a:fillRef idx="1">
+              <a:schemeClr val="accent1"/>
+            </a:fillRef>
+            <a:effectRef idx="0">
+              <a:schemeClr val="accent1"/>
+            </a:effectRef>
+            <a:fontRef idx="minor">
+              <a:schemeClr val="lt1"/>
+            </a:fontRef>
+          </p:style>
+          <p:txBody>
+            <a:bodyPr rtlCol="0" anchor="ctr"/>
+            <a:lstStyle/>
+            <a:p>
+              <a:pPr algn="ctr"/>
+              <a:r>
+                <a:rPr lang="en-US" dirty="0">
+                  <a:latin typeface="Segoe UI" panose="020B0502040204020203" pitchFamily="34" charset="0"/>
+                  <a:cs typeface="Segoe UI" panose="020B0502040204020203" pitchFamily="34" charset="0"/>
+                </a:rPr>
+                <a:t>Telco Sales CDM</a:t>
+              </a:r>
+            </a:p>
+          </p:txBody>
+        </p:sp>
+        <p:sp>
+          <p:nvSpPr>
+            <p:cNvPr id="14" name="Rectangle 13">
+              <a:extLst>
+                <a:ext uri="{FF2B5EF4-FFF2-40B4-BE49-F238E27FC236}">
+                  <a16:creationId xmlns:a16="http://schemas.microsoft.com/office/drawing/2014/main" id="{439AC5F5-6CBD-4468-B1A7-16F342A49296}"/>
+                </a:ext>
+              </a:extLst>
+            </p:cNvPr>
+            <p:cNvSpPr/>
+            <p:nvPr/>
+          </p:nvSpPr>
+          <p:spPr>
+            <a:xfrm>
+              <a:off x="5133860" y="3262080"/>
+              <a:ext cx="2206180" cy="542566"/>
+            </a:xfrm>
+            <a:prstGeom prst="rect">
+              <a:avLst/>
+            </a:prstGeom>
+          </p:spPr>
+          <p:style>
+            <a:lnRef idx="2">
+              <a:schemeClr val="accent1">
+                <a:shade val="50000"/>
+              </a:schemeClr>
+            </a:lnRef>
+            <a:fillRef idx="1">
+              <a:schemeClr val="accent1"/>
+            </a:fillRef>
+            <a:effectRef idx="0">
+              <a:schemeClr val="accent1"/>
+            </a:effectRef>
+            <a:fontRef idx="minor">
+              <a:schemeClr val="lt1"/>
+            </a:fontRef>
+          </p:style>
+          <p:txBody>
+            <a:bodyPr rtlCol="0" anchor="ctr"/>
+            <a:lstStyle/>
+            <a:p>
+              <a:pPr algn="ctr"/>
+              <a:r>
+                <a:rPr lang="en-US" dirty="0">
+                  <a:latin typeface="Segoe UI" panose="020B0502040204020203" pitchFamily="34" charset="0"/>
+                  <a:cs typeface="Segoe UI" panose="020B0502040204020203" pitchFamily="34" charset="0"/>
+                </a:rPr>
+                <a:t>Telco Apps</a:t>
+              </a:r>
+            </a:p>
+          </p:txBody>
+        </p:sp>
+        <p:sp>
+          <p:nvSpPr>
+            <p:cNvPr id="16" name="Rectangle 15">
+              <a:extLst>
+                <a:ext uri="{FF2B5EF4-FFF2-40B4-BE49-F238E27FC236}">
+                  <a16:creationId xmlns:a16="http://schemas.microsoft.com/office/drawing/2014/main" id="{F3854C20-D91C-43DD-9074-01EC63B2A01D}"/>
+                </a:ext>
+              </a:extLst>
+            </p:cNvPr>
+            <p:cNvSpPr/>
+            <p:nvPr/>
+          </p:nvSpPr>
+          <p:spPr>
+            <a:xfrm>
+              <a:off x="7447401" y="1969379"/>
+              <a:ext cx="3206041" cy="585859"/>
+            </a:xfrm>
+            <a:prstGeom prst="rect">
+              <a:avLst/>
+            </a:prstGeom>
+          </p:spPr>
+          <p:style>
+            <a:lnRef idx="2">
+              <a:schemeClr val="accent1">
+                <a:shade val="50000"/>
+              </a:schemeClr>
+            </a:lnRef>
+            <a:fillRef idx="1">
+              <a:schemeClr val="accent1"/>
+            </a:fillRef>
+            <a:effectRef idx="0">
+              <a:schemeClr val="accent1"/>
+            </a:effectRef>
+            <a:fontRef idx="minor">
+              <a:schemeClr val="lt1"/>
+            </a:fontRef>
+          </p:style>
+          <p:txBody>
+            <a:bodyPr rtlCol="0" anchor="ctr"/>
+            <a:lstStyle/>
+            <a:p>
+              <a:pPr algn="ctr"/>
+              <a:r>
+                <a:rPr lang="en-US" dirty="0">
+                  <a:latin typeface="Segoe UI" panose="020B0502040204020203" pitchFamily="34" charset="0"/>
+                  <a:cs typeface="Segoe UI" panose="020B0502040204020203" pitchFamily="34" charset="0"/>
+                </a:rPr>
+                <a:t>Telco Sales Apps</a:t>
+              </a:r>
+            </a:p>
+          </p:txBody>
+        </p:sp>
+        <p:sp>
+          <p:nvSpPr>
+            <p:cNvPr id="15" name="Rectangle 14">
+              <a:extLst>
+                <a:ext uri="{FF2B5EF4-FFF2-40B4-BE49-F238E27FC236}">
+                  <a16:creationId xmlns:a16="http://schemas.microsoft.com/office/drawing/2014/main" id="{89A4CB8A-FF95-4ED6-A878-42B96C0BCBE9}"/>
+                </a:ext>
+              </a:extLst>
+            </p:cNvPr>
+            <p:cNvSpPr/>
+            <p:nvPr/>
+          </p:nvSpPr>
+          <p:spPr>
+            <a:xfrm>
+              <a:off x="7447401" y="3262079"/>
+              <a:ext cx="3230121" cy="533641"/>
+            </a:xfrm>
+            <a:prstGeom prst="rect">
+              <a:avLst/>
+            </a:prstGeom>
+          </p:spPr>
+          <p:style>
+            <a:lnRef idx="2">
+              <a:schemeClr val="accent4">
+                <a:shade val="50000"/>
+              </a:schemeClr>
+            </a:lnRef>
+            <a:fillRef idx="1">
+              <a:schemeClr val="accent4"/>
+            </a:fillRef>
+            <a:effectRef idx="0">
+              <a:schemeClr val="accent4"/>
+            </a:effectRef>
+            <a:fontRef idx="minor">
+              <a:schemeClr val="lt1"/>
+            </a:fontRef>
+          </p:style>
+          <p:txBody>
+            <a:bodyPr rtlCol="0" anchor="ctr"/>
+            <a:lstStyle/>
+            <a:p>
+              <a:pPr algn="ctr"/>
+              <a:r>
+                <a:rPr lang="en-US" dirty="0">
+                  <a:latin typeface="Segoe UI" panose="020B0502040204020203" pitchFamily="34" charset="0"/>
+                  <a:cs typeface="Segoe UI" panose="020B0502040204020203" pitchFamily="34" charset="0"/>
+                </a:rPr>
+                <a:t>Dynamics 365 Sales</a:t>
+              </a:r>
+            </a:p>
+          </p:txBody>
+        </p:sp>
+        <p:sp>
+          <p:nvSpPr>
+            <p:cNvPr id="7" name="Rectangle 6">
+              <a:extLst>
+                <a:ext uri="{FF2B5EF4-FFF2-40B4-BE49-F238E27FC236}">
+                  <a16:creationId xmlns:a16="http://schemas.microsoft.com/office/drawing/2014/main" id="{71F7AE7A-B41C-435F-9BC5-0C49BDEE5315}"/>
+                </a:ext>
+              </a:extLst>
+            </p:cNvPr>
+            <p:cNvSpPr/>
+            <p:nvPr/>
+          </p:nvSpPr>
+          <p:spPr>
+            <a:xfrm>
+              <a:off x="1277943" y="3280452"/>
+              <a:ext cx="3761241" cy="528222"/>
+            </a:xfrm>
+            <a:prstGeom prst="rect">
+              <a:avLst/>
+            </a:prstGeom>
+          </p:spPr>
+          <p:style>
+            <a:lnRef idx="2">
+              <a:schemeClr val="accent1">
+                <a:shade val="50000"/>
+              </a:schemeClr>
+            </a:lnRef>
+            <a:fillRef idx="1">
+              <a:schemeClr val="accent1"/>
+            </a:fillRef>
+            <a:effectRef idx="0">
+              <a:schemeClr val="accent1"/>
+            </a:effectRef>
+            <a:fontRef idx="minor">
+              <a:schemeClr val="lt1"/>
+            </a:fontRef>
+          </p:style>
+          <p:txBody>
+            <a:bodyPr rtlCol="0" anchor="ctr"/>
+            <a:lstStyle/>
+            <a:p>
+              <a:pPr algn="ctr"/>
+              <a:r>
+                <a:rPr lang="en-US" dirty="0">
+                  <a:latin typeface="Segoe UI" panose="020B0502040204020203" pitchFamily="34" charset="0"/>
+                  <a:cs typeface="Segoe UI" panose="020B0502040204020203" pitchFamily="34" charset="0"/>
+                </a:rPr>
+                <a:t>Telco Plant Maintenance  CDM</a:t>
+              </a:r>
+            </a:p>
+          </p:txBody>
+        </p:sp>
+        <p:sp>
+          <p:nvSpPr>
+            <p:cNvPr id="8" name="Rectangle 7">
+              <a:extLst>
+                <a:ext uri="{FF2B5EF4-FFF2-40B4-BE49-F238E27FC236}">
+                  <a16:creationId xmlns:a16="http://schemas.microsoft.com/office/drawing/2014/main" id="{B5A7D69E-092C-48FC-960D-79503025CA2F}"/>
+                </a:ext>
+              </a:extLst>
+            </p:cNvPr>
+            <p:cNvSpPr/>
+            <p:nvPr/>
+          </p:nvSpPr>
+          <p:spPr>
+            <a:xfrm>
+              <a:off x="1277942" y="2628370"/>
+              <a:ext cx="3761241" cy="533641"/>
+            </a:xfrm>
+            <a:prstGeom prst="rect">
+              <a:avLst/>
+            </a:prstGeom>
+          </p:spPr>
+          <p:style>
+            <a:lnRef idx="2">
+              <a:schemeClr val="accent1">
+                <a:shade val="50000"/>
+              </a:schemeClr>
+            </a:lnRef>
+            <a:fillRef idx="1">
+              <a:schemeClr val="accent1"/>
+            </a:fillRef>
+            <a:effectRef idx="0">
+              <a:schemeClr val="accent1"/>
+            </a:effectRef>
+            <a:fontRef idx="minor">
+              <a:schemeClr val="lt1"/>
+            </a:fontRef>
+          </p:style>
+          <p:txBody>
+            <a:bodyPr rtlCol="0" anchor="ctr"/>
+            <a:lstStyle/>
+            <a:p>
+              <a:pPr algn="ctr"/>
+              <a:r>
+                <a:rPr lang="en-US" dirty="0">
+                  <a:latin typeface="Segoe UI" panose="020B0502040204020203" pitchFamily="34" charset="0"/>
+                  <a:cs typeface="Segoe UI" panose="020B0502040204020203" pitchFamily="34" charset="0"/>
+                </a:rPr>
+                <a:t>Telco Plant Maintenance Apps</a:t>
+              </a:r>
+            </a:p>
+          </p:txBody>
+        </p:sp>
+      </p:grpSp>
     </p:spTree>
     <p:extLst>
       <p:ext uri="{BB962C8B-B14F-4D97-AF65-F5344CB8AC3E}">
@@ -4516,10 +4675,10 @@
       </p:grpSpPr>
       <p:sp>
         <p:nvSpPr>
-          <p:cNvPr id="4" name="TextBox 3">
+          <p:cNvPr id="12" name="TextBox 11">
             <a:extLst>
               <a:ext uri="{FF2B5EF4-FFF2-40B4-BE49-F238E27FC236}">
-                <a16:creationId xmlns:a16="http://schemas.microsoft.com/office/drawing/2014/main" id="{C07C45B8-4983-4FFB-BD8B-B2F43686E476}"/>
+                <a16:creationId xmlns:a16="http://schemas.microsoft.com/office/drawing/2014/main" id="{5F4E341C-37B9-485A-9613-FDFAC096289D}"/>
               </a:ext>
             </a:extLst>
           </p:cNvPr>
@@ -4528,8 +4687,1746 @@
         </p:nvSpPr>
         <p:spPr>
           <a:xfrm flipH="1">
-            <a:off x="348340" y="457163"/>
-            <a:ext cx="9783950" cy="523220"/>
+            <a:off x="348341" y="457163"/>
+            <a:ext cx="8325395" cy="523220"/>
+          </a:xfrm>
+          <a:prstGeom prst="rect">
+            <a:avLst/>
+          </a:prstGeom>
+          <a:noFill/>
+        </p:spPr>
+        <p:txBody>
+          <a:bodyPr wrap="square" rtlCol="0">
+            <a:spAutoFit/>
+          </a:bodyPr>
+          <a:lstStyle/>
+          <a:p>
+            <a:r>
+              <a:rPr lang="en-US" sz="2800" dirty="0">
+                <a:latin typeface="Segoe UI" panose="020B0502040204020203" pitchFamily="34" charset="0"/>
+                <a:cs typeface="Segoe UI" panose="020B0502040204020203" pitchFamily="34" charset="0"/>
+              </a:rPr>
+              <a:t>Telco Plant Maintenance Apps -&gt; Enriched Entities</a:t>
+            </a:r>
+          </a:p>
+        </p:txBody>
+      </p:sp>
+      <p:sp>
+        <p:nvSpPr>
+          <p:cNvPr id="2" name="Arrow: Right 1">
+            <a:extLst>
+              <a:ext uri="{FF2B5EF4-FFF2-40B4-BE49-F238E27FC236}">
+                <a16:creationId xmlns:a16="http://schemas.microsoft.com/office/drawing/2014/main" id="{11CAD756-FF84-42FB-AFE7-5E426A63ABF0}"/>
+              </a:ext>
+            </a:extLst>
+          </p:cNvPr>
+          <p:cNvSpPr/>
+          <p:nvPr/>
+        </p:nvSpPr>
+        <p:spPr>
+          <a:xfrm rot="10800000">
+            <a:off x="4511038" y="2438444"/>
+            <a:ext cx="978408" cy="484632"/>
+          </a:xfrm>
+          <a:prstGeom prst="rightArrow">
+            <a:avLst/>
+          </a:prstGeom>
+          <a:ln w="28575">
+            <a:solidFill>
+              <a:srgbClr val="FFC000"/>
+            </a:solidFill>
+          </a:ln>
+        </p:spPr>
+        <p:style>
+          <a:lnRef idx="2">
+            <a:schemeClr val="accent1">
+              <a:shade val="50000"/>
+            </a:schemeClr>
+          </a:lnRef>
+          <a:fillRef idx="1">
+            <a:schemeClr val="accent1"/>
+          </a:fillRef>
+          <a:effectRef idx="0">
+            <a:schemeClr val="accent1"/>
+          </a:effectRef>
+          <a:fontRef idx="minor">
+            <a:schemeClr val="lt1"/>
+          </a:fontRef>
+        </p:style>
+        <p:txBody>
+          <a:bodyPr rtlCol="0" anchor="ctr"/>
+          <a:lstStyle/>
+          <a:p>
+            <a:pPr algn="ctr"/>
+            <a:endParaRPr lang="en-US" dirty="0"/>
+          </a:p>
+        </p:txBody>
+      </p:sp>
+      <p:grpSp>
+        <p:nvGrpSpPr>
+          <p:cNvPr id="13" name="Group 12">
+            <a:extLst>
+              <a:ext uri="{FF2B5EF4-FFF2-40B4-BE49-F238E27FC236}">
+                <a16:creationId xmlns:a16="http://schemas.microsoft.com/office/drawing/2014/main" id="{6EA12BF3-84F2-4220-B659-1A57017C3783}"/>
+              </a:ext>
+            </a:extLst>
+          </p:cNvPr>
+          <p:cNvGrpSpPr/>
+          <p:nvPr/>
+        </p:nvGrpSpPr>
+        <p:grpSpPr>
+          <a:xfrm>
+            <a:off x="5853417" y="1723387"/>
+            <a:ext cx="5640637" cy="3101067"/>
+            <a:chOff x="1277942" y="1969379"/>
+            <a:chExt cx="9399580" cy="3101067"/>
+          </a:xfrm>
+        </p:grpSpPr>
+        <p:sp>
+          <p:nvSpPr>
+            <p:cNvPr id="14" name="Rectangle 13">
+              <a:extLst>
+                <a:ext uri="{FF2B5EF4-FFF2-40B4-BE49-F238E27FC236}">
+                  <a16:creationId xmlns:a16="http://schemas.microsoft.com/office/drawing/2014/main" id="{A2DDD340-541D-40D8-8C16-AFE5B81869A1}"/>
+                </a:ext>
+              </a:extLst>
+            </p:cNvPr>
+            <p:cNvSpPr/>
+            <p:nvPr/>
+          </p:nvSpPr>
+          <p:spPr>
+            <a:xfrm>
+              <a:off x="1277945" y="4565001"/>
+              <a:ext cx="9383525" cy="505445"/>
+            </a:xfrm>
+            <a:prstGeom prst="rect">
+              <a:avLst/>
+            </a:prstGeom>
+            <a:solidFill>
+              <a:srgbClr val="FFEFBD"/>
+            </a:solidFill>
+          </p:spPr>
+          <p:style>
+            <a:lnRef idx="2">
+              <a:schemeClr val="accent4">
+                <a:shade val="50000"/>
+              </a:schemeClr>
+            </a:lnRef>
+            <a:fillRef idx="1">
+              <a:schemeClr val="accent4"/>
+            </a:fillRef>
+            <a:effectRef idx="0">
+              <a:schemeClr val="accent4"/>
+            </a:effectRef>
+            <a:fontRef idx="minor">
+              <a:schemeClr val="lt1"/>
+            </a:fontRef>
+          </p:style>
+          <p:txBody>
+            <a:bodyPr rtlCol="0" anchor="ctr"/>
+            <a:lstStyle/>
+            <a:p>
+              <a:pPr algn="ctr"/>
+              <a:r>
+                <a:rPr lang="en-US" sz="1200" dirty="0">
+                  <a:solidFill>
+                    <a:schemeClr val="tx1"/>
+                  </a:solidFill>
+                  <a:latin typeface="Segoe UI" panose="020B0502040204020203" pitchFamily="34" charset="0"/>
+                  <a:cs typeface="Segoe UI" panose="020B0502040204020203" pitchFamily="34" charset="0"/>
+                </a:rPr>
+                <a:t>Microsoft Dataverse</a:t>
+              </a:r>
+            </a:p>
+          </p:txBody>
+        </p:sp>
+        <p:sp>
+          <p:nvSpPr>
+            <p:cNvPr id="15" name="Rectangle 14">
+              <a:extLst>
+                <a:ext uri="{FF2B5EF4-FFF2-40B4-BE49-F238E27FC236}">
+                  <a16:creationId xmlns:a16="http://schemas.microsoft.com/office/drawing/2014/main" id="{D185120F-0C3B-4C70-9D3D-23EB8D056BD7}"/>
+                </a:ext>
+              </a:extLst>
+            </p:cNvPr>
+            <p:cNvSpPr/>
+            <p:nvPr/>
+          </p:nvSpPr>
+          <p:spPr>
+            <a:xfrm>
+              <a:off x="1277957" y="3923086"/>
+              <a:ext cx="9383525" cy="514549"/>
+            </a:xfrm>
+            <a:prstGeom prst="rect">
+              <a:avLst/>
+            </a:prstGeom>
+            <a:solidFill>
+              <a:srgbClr val="CFDBF0"/>
+            </a:solidFill>
+          </p:spPr>
+          <p:style>
+            <a:lnRef idx="2">
+              <a:schemeClr val="accent1">
+                <a:shade val="50000"/>
+              </a:schemeClr>
+            </a:lnRef>
+            <a:fillRef idx="1">
+              <a:schemeClr val="accent1"/>
+            </a:fillRef>
+            <a:effectRef idx="0">
+              <a:schemeClr val="accent1"/>
+            </a:effectRef>
+            <a:fontRef idx="minor">
+              <a:schemeClr val="lt1"/>
+            </a:fontRef>
+          </p:style>
+          <p:txBody>
+            <a:bodyPr rtlCol="0" anchor="ctr"/>
+            <a:lstStyle/>
+            <a:p>
+              <a:pPr algn="ctr"/>
+              <a:r>
+                <a:rPr lang="en-US" sz="1200" dirty="0">
+                  <a:solidFill>
+                    <a:schemeClr val="tx1"/>
+                  </a:solidFill>
+                  <a:latin typeface="Segoe UI" panose="020B0502040204020203" pitchFamily="34" charset="0"/>
+                  <a:cs typeface="Segoe UI" panose="020B0502040204020203" pitchFamily="34" charset="0"/>
+                </a:rPr>
+                <a:t>Telco Common CDM</a:t>
+              </a:r>
+            </a:p>
+          </p:txBody>
+        </p:sp>
+        <p:sp>
+          <p:nvSpPr>
+            <p:cNvPr id="16" name="Rectangle 15">
+              <a:extLst>
+                <a:ext uri="{FF2B5EF4-FFF2-40B4-BE49-F238E27FC236}">
+                  <a16:creationId xmlns:a16="http://schemas.microsoft.com/office/drawing/2014/main" id="{FA127816-2877-486A-A4AA-BD2622202BF4}"/>
+                </a:ext>
+              </a:extLst>
+            </p:cNvPr>
+            <p:cNvSpPr/>
+            <p:nvPr/>
+          </p:nvSpPr>
+          <p:spPr>
+            <a:xfrm>
+              <a:off x="7447401" y="2628370"/>
+              <a:ext cx="3206040" cy="533641"/>
+            </a:xfrm>
+            <a:prstGeom prst="rect">
+              <a:avLst/>
+            </a:prstGeom>
+            <a:solidFill>
+              <a:srgbClr val="CFDBF0"/>
+            </a:solidFill>
+          </p:spPr>
+          <p:style>
+            <a:lnRef idx="2">
+              <a:schemeClr val="accent1">
+                <a:shade val="50000"/>
+              </a:schemeClr>
+            </a:lnRef>
+            <a:fillRef idx="1">
+              <a:schemeClr val="accent1"/>
+            </a:fillRef>
+            <a:effectRef idx="0">
+              <a:schemeClr val="accent1"/>
+            </a:effectRef>
+            <a:fontRef idx="minor">
+              <a:schemeClr val="lt1"/>
+            </a:fontRef>
+          </p:style>
+          <p:txBody>
+            <a:bodyPr rtlCol="0" anchor="ctr"/>
+            <a:lstStyle/>
+            <a:p>
+              <a:pPr algn="ctr"/>
+              <a:r>
+                <a:rPr lang="en-US" sz="1200" dirty="0">
+                  <a:solidFill>
+                    <a:schemeClr val="tx1"/>
+                  </a:solidFill>
+                  <a:latin typeface="Segoe UI" panose="020B0502040204020203" pitchFamily="34" charset="0"/>
+                  <a:cs typeface="Segoe UI" panose="020B0502040204020203" pitchFamily="34" charset="0"/>
+                </a:rPr>
+                <a:t>Telco Sales CDM</a:t>
+              </a:r>
+            </a:p>
+          </p:txBody>
+        </p:sp>
+        <p:sp>
+          <p:nvSpPr>
+            <p:cNvPr id="17" name="Rectangle 16">
+              <a:extLst>
+                <a:ext uri="{FF2B5EF4-FFF2-40B4-BE49-F238E27FC236}">
+                  <a16:creationId xmlns:a16="http://schemas.microsoft.com/office/drawing/2014/main" id="{0F3CFD1A-D4B6-4E74-BD62-186B6E09589C}"/>
+                </a:ext>
+              </a:extLst>
+            </p:cNvPr>
+            <p:cNvSpPr/>
+            <p:nvPr/>
+          </p:nvSpPr>
+          <p:spPr>
+            <a:xfrm>
+              <a:off x="5133860" y="3262080"/>
+              <a:ext cx="2206180" cy="542566"/>
+            </a:xfrm>
+            <a:prstGeom prst="rect">
+              <a:avLst/>
+            </a:prstGeom>
+            <a:solidFill>
+              <a:srgbClr val="CFDBF0"/>
+            </a:solidFill>
+          </p:spPr>
+          <p:style>
+            <a:lnRef idx="2">
+              <a:schemeClr val="accent1">
+                <a:shade val="50000"/>
+              </a:schemeClr>
+            </a:lnRef>
+            <a:fillRef idx="1">
+              <a:schemeClr val="accent1"/>
+            </a:fillRef>
+            <a:effectRef idx="0">
+              <a:schemeClr val="accent1"/>
+            </a:effectRef>
+            <a:fontRef idx="minor">
+              <a:schemeClr val="lt1"/>
+            </a:fontRef>
+          </p:style>
+          <p:txBody>
+            <a:bodyPr rtlCol="0" anchor="ctr"/>
+            <a:lstStyle/>
+            <a:p>
+              <a:pPr algn="ctr"/>
+              <a:r>
+                <a:rPr lang="en-US" sz="1200" dirty="0">
+                  <a:solidFill>
+                    <a:schemeClr val="tx1"/>
+                  </a:solidFill>
+                  <a:latin typeface="Segoe UI" panose="020B0502040204020203" pitchFamily="34" charset="0"/>
+                  <a:cs typeface="Segoe UI" panose="020B0502040204020203" pitchFamily="34" charset="0"/>
+                </a:rPr>
+                <a:t>Telco Apps</a:t>
+              </a:r>
+            </a:p>
+          </p:txBody>
+        </p:sp>
+        <p:sp>
+          <p:nvSpPr>
+            <p:cNvPr id="18" name="Rectangle 17">
+              <a:extLst>
+                <a:ext uri="{FF2B5EF4-FFF2-40B4-BE49-F238E27FC236}">
+                  <a16:creationId xmlns:a16="http://schemas.microsoft.com/office/drawing/2014/main" id="{4C7DACFF-E17B-468F-AE29-CBB259B46C85}"/>
+                </a:ext>
+              </a:extLst>
+            </p:cNvPr>
+            <p:cNvSpPr/>
+            <p:nvPr/>
+          </p:nvSpPr>
+          <p:spPr>
+            <a:xfrm>
+              <a:off x="7447401" y="1969379"/>
+              <a:ext cx="3206041" cy="585859"/>
+            </a:xfrm>
+            <a:prstGeom prst="rect">
+              <a:avLst/>
+            </a:prstGeom>
+            <a:solidFill>
+              <a:srgbClr val="CFDBF0"/>
+            </a:solidFill>
+          </p:spPr>
+          <p:style>
+            <a:lnRef idx="2">
+              <a:schemeClr val="accent1">
+                <a:shade val="50000"/>
+              </a:schemeClr>
+            </a:lnRef>
+            <a:fillRef idx="1">
+              <a:schemeClr val="accent1"/>
+            </a:fillRef>
+            <a:effectRef idx="0">
+              <a:schemeClr val="accent1"/>
+            </a:effectRef>
+            <a:fontRef idx="minor">
+              <a:schemeClr val="lt1"/>
+            </a:fontRef>
+          </p:style>
+          <p:txBody>
+            <a:bodyPr rtlCol="0" anchor="ctr"/>
+            <a:lstStyle/>
+            <a:p>
+              <a:pPr algn="ctr"/>
+              <a:r>
+                <a:rPr lang="en-US" sz="1200" dirty="0">
+                  <a:solidFill>
+                    <a:schemeClr val="tx1"/>
+                  </a:solidFill>
+                  <a:latin typeface="Segoe UI" panose="020B0502040204020203" pitchFamily="34" charset="0"/>
+                  <a:cs typeface="Segoe UI" panose="020B0502040204020203" pitchFamily="34" charset="0"/>
+                </a:rPr>
+                <a:t>Telco Sales Apps</a:t>
+              </a:r>
+            </a:p>
+          </p:txBody>
+        </p:sp>
+        <p:sp>
+          <p:nvSpPr>
+            <p:cNvPr id="19" name="Rectangle 18">
+              <a:extLst>
+                <a:ext uri="{FF2B5EF4-FFF2-40B4-BE49-F238E27FC236}">
+                  <a16:creationId xmlns:a16="http://schemas.microsoft.com/office/drawing/2014/main" id="{9C314162-95F4-44B5-8B2B-F307ED0D0267}"/>
+                </a:ext>
+              </a:extLst>
+            </p:cNvPr>
+            <p:cNvSpPr/>
+            <p:nvPr/>
+          </p:nvSpPr>
+          <p:spPr>
+            <a:xfrm>
+              <a:off x="7447401" y="3262079"/>
+              <a:ext cx="3230121" cy="533641"/>
+            </a:xfrm>
+            <a:prstGeom prst="rect">
+              <a:avLst/>
+            </a:prstGeom>
+            <a:solidFill>
+              <a:srgbClr val="FFEFBD"/>
+            </a:solidFill>
+          </p:spPr>
+          <p:style>
+            <a:lnRef idx="2">
+              <a:schemeClr val="accent4">
+                <a:shade val="50000"/>
+              </a:schemeClr>
+            </a:lnRef>
+            <a:fillRef idx="1">
+              <a:schemeClr val="accent4"/>
+            </a:fillRef>
+            <a:effectRef idx="0">
+              <a:schemeClr val="accent4"/>
+            </a:effectRef>
+            <a:fontRef idx="minor">
+              <a:schemeClr val="lt1"/>
+            </a:fontRef>
+          </p:style>
+          <p:txBody>
+            <a:bodyPr rtlCol="0" anchor="ctr"/>
+            <a:lstStyle/>
+            <a:p>
+              <a:pPr algn="ctr"/>
+              <a:r>
+                <a:rPr lang="en-US" sz="1400" dirty="0">
+                  <a:solidFill>
+                    <a:schemeClr val="tx1"/>
+                  </a:solidFill>
+                  <a:latin typeface="Segoe UI" panose="020B0502040204020203" pitchFamily="34" charset="0"/>
+                  <a:cs typeface="Segoe UI" panose="020B0502040204020203" pitchFamily="34" charset="0"/>
+                </a:rPr>
+                <a:t>Dynamics 365 Sales</a:t>
+              </a:r>
+            </a:p>
+          </p:txBody>
+        </p:sp>
+        <p:sp>
+          <p:nvSpPr>
+            <p:cNvPr id="20" name="Rectangle 19">
+              <a:extLst>
+                <a:ext uri="{FF2B5EF4-FFF2-40B4-BE49-F238E27FC236}">
+                  <a16:creationId xmlns:a16="http://schemas.microsoft.com/office/drawing/2014/main" id="{6166E248-A3E5-4268-B7A7-C2AB529DE102}"/>
+                </a:ext>
+              </a:extLst>
+            </p:cNvPr>
+            <p:cNvSpPr/>
+            <p:nvPr/>
+          </p:nvSpPr>
+          <p:spPr>
+            <a:xfrm>
+              <a:off x="1277943" y="3280452"/>
+              <a:ext cx="3761241" cy="528222"/>
+            </a:xfrm>
+            <a:prstGeom prst="rect">
+              <a:avLst/>
+            </a:prstGeom>
+            <a:solidFill>
+              <a:srgbClr val="CFDBF0"/>
+            </a:solidFill>
+          </p:spPr>
+          <p:style>
+            <a:lnRef idx="2">
+              <a:schemeClr val="accent1">
+                <a:shade val="50000"/>
+              </a:schemeClr>
+            </a:lnRef>
+            <a:fillRef idx="1">
+              <a:schemeClr val="accent1"/>
+            </a:fillRef>
+            <a:effectRef idx="0">
+              <a:schemeClr val="accent1"/>
+            </a:effectRef>
+            <a:fontRef idx="minor">
+              <a:schemeClr val="lt1"/>
+            </a:fontRef>
+          </p:style>
+          <p:txBody>
+            <a:bodyPr rtlCol="0" anchor="ctr"/>
+            <a:lstStyle/>
+            <a:p>
+              <a:pPr algn="ctr"/>
+              <a:r>
+                <a:rPr lang="en-US" sz="1200" dirty="0">
+                  <a:solidFill>
+                    <a:schemeClr val="tx1"/>
+                  </a:solidFill>
+                  <a:latin typeface="Segoe UI" panose="020B0502040204020203" pitchFamily="34" charset="0"/>
+                  <a:cs typeface="Segoe UI" panose="020B0502040204020203" pitchFamily="34" charset="0"/>
+                </a:rPr>
+                <a:t>Telco Plant Maintenance  CDM</a:t>
+              </a:r>
+            </a:p>
+          </p:txBody>
+        </p:sp>
+        <p:sp>
+          <p:nvSpPr>
+            <p:cNvPr id="27" name="Rectangle 26">
+              <a:extLst>
+                <a:ext uri="{FF2B5EF4-FFF2-40B4-BE49-F238E27FC236}">
+                  <a16:creationId xmlns:a16="http://schemas.microsoft.com/office/drawing/2014/main" id="{E0DD45E8-2A89-403E-9E64-DEE43CAC7C6A}"/>
+                </a:ext>
+              </a:extLst>
+            </p:cNvPr>
+            <p:cNvSpPr/>
+            <p:nvPr/>
+          </p:nvSpPr>
+          <p:spPr>
+            <a:xfrm>
+              <a:off x="1277942" y="2628370"/>
+              <a:ext cx="3761241" cy="533641"/>
+            </a:xfrm>
+            <a:prstGeom prst="rect">
+              <a:avLst/>
+            </a:prstGeom>
+          </p:spPr>
+          <p:style>
+            <a:lnRef idx="2">
+              <a:schemeClr val="accent1">
+                <a:shade val="50000"/>
+              </a:schemeClr>
+            </a:lnRef>
+            <a:fillRef idx="1">
+              <a:schemeClr val="accent1"/>
+            </a:fillRef>
+            <a:effectRef idx="0">
+              <a:schemeClr val="accent1"/>
+            </a:effectRef>
+            <a:fontRef idx="minor">
+              <a:schemeClr val="lt1"/>
+            </a:fontRef>
+          </p:style>
+          <p:txBody>
+            <a:bodyPr rtlCol="0" anchor="ctr"/>
+            <a:lstStyle/>
+            <a:p>
+              <a:pPr algn="ctr"/>
+              <a:r>
+                <a:rPr lang="en-US" sz="1200" dirty="0">
+                  <a:latin typeface="Segoe UI" panose="020B0502040204020203" pitchFamily="34" charset="0"/>
+                  <a:cs typeface="Segoe UI" panose="020B0502040204020203" pitchFamily="34" charset="0"/>
+                </a:rPr>
+                <a:t>Telco Plant Maintenance Apps</a:t>
+              </a:r>
+            </a:p>
+          </p:txBody>
+        </p:sp>
+      </p:grpSp>
+      <p:graphicFrame>
+        <p:nvGraphicFramePr>
+          <p:cNvPr id="3" name="Table 2">
+            <a:extLst>
+              <a:ext uri="{FF2B5EF4-FFF2-40B4-BE49-F238E27FC236}">
+                <a16:creationId xmlns:a16="http://schemas.microsoft.com/office/drawing/2014/main" id="{063DBFEE-ECF2-4937-98FD-FF5A7C2C44BD}"/>
+              </a:ext>
+            </a:extLst>
+          </p:cNvPr>
+          <p:cNvGraphicFramePr>
+            <a:graphicFrameLocks noGrp="1"/>
+          </p:cNvGraphicFramePr>
+          <p:nvPr>
+            <p:extLst>
+              <p:ext uri="{D42A27DB-BD31-4B8C-83A1-F6EECF244321}">
+                <p14:modId xmlns:p14="http://schemas.microsoft.com/office/powerpoint/2010/main" val="917593041"/>
+              </p:ext>
+            </p:extLst>
+          </p:nvPr>
+        </p:nvGraphicFramePr>
+        <p:xfrm>
+          <a:off x="711130" y="2056169"/>
+          <a:ext cx="3293124" cy="3176466"/>
+        </p:xfrm>
+        <a:graphic>
+          <a:graphicData uri="http://schemas.openxmlformats.org/drawingml/2006/table">
+            <a:tbl>
+              <a:tblPr firstRow="1" bandRow="1">
+                <a:tableStyleId>{B301B821-A1FF-4177-AEE7-76D212191A09}</a:tableStyleId>
+              </a:tblPr>
+              <a:tblGrid>
+                <a:gridCol w="3293124">
+                  <a:extLst>
+                    <a:ext uri="{9D8B030D-6E8A-4147-A177-3AD203B41FA5}">
+                      <a16:colId xmlns:a16="http://schemas.microsoft.com/office/drawing/2014/main" val="2982091153"/>
+                    </a:ext>
+                  </a:extLst>
+                </a:gridCol>
+              </a:tblGrid>
+              <a:tr h="445512">
+                <a:tc>
+                  <a:txBody>
+                    <a:bodyPr/>
+                    <a:lstStyle/>
+                    <a:p>
+                      <a:r>
+                        <a:rPr lang="en-US" sz="1400" dirty="0"/>
+                        <a:t>Entity Name</a:t>
+                      </a:r>
+                    </a:p>
+                  </a:txBody>
+                  <a:tcPr/>
+                </a:tc>
+                <a:extLst>
+                  <a:ext uri="{0D108BD9-81ED-4DB2-BD59-A6C34878D82A}">
+                    <a16:rowId xmlns:a16="http://schemas.microsoft.com/office/drawing/2014/main" val="3897208415"/>
+                  </a:ext>
+                </a:extLst>
+              </a:tr>
+              <a:tr h="455159">
+                <a:tc>
+                  <a:txBody>
+                    <a:bodyPr/>
+                    <a:lstStyle/>
+                    <a:p>
+                      <a:r>
+                        <a:rPr lang="en-US" sz="1400" dirty="0"/>
+                        <a:t>Geographic Address</a:t>
+                      </a:r>
+                    </a:p>
+                  </a:txBody>
+                  <a:tcPr/>
+                </a:tc>
+                <a:extLst>
+                  <a:ext uri="{0D108BD9-81ED-4DB2-BD59-A6C34878D82A}">
+                    <a16:rowId xmlns:a16="http://schemas.microsoft.com/office/drawing/2014/main" val="468045755"/>
+                  </a:ext>
+                </a:extLst>
+              </a:tr>
+              <a:tr h="455159">
+                <a:tc>
+                  <a:txBody>
+                    <a:bodyPr/>
+                    <a:lstStyle/>
+                    <a:p>
+                      <a:r>
+                        <a:rPr lang="en-US" sz="1400" dirty="0"/>
+                        <a:t>Geographic Location</a:t>
+                      </a:r>
+                    </a:p>
+                  </a:txBody>
+                  <a:tcPr/>
+                </a:tc>
+                <a:extLst>
+                  <a:ext uri="{0D108BD9-81ED-4DB2-BD59-A6C34878D82A}">
+                    <a16:rowId xmlns:a16="http://schemas.microsoft.com/office/drawing/2014/main" val="4230632467"/>
+                  </a:ext>
+                </a:extLst>
+              </a:tr>
+              <a:tr h="455159">
+                <a:tc>
+                  <a:txBody>
+                    <a:bodyPr/>
+                    <a:lstStyle/>
+                    <a:p>
+                      <a:r>
+                        <a:rPr lang="en-US" sz="1400" dirty="0"/>
+                        <a:t>Local Place</a:t>
+                      </a:r>
+                    </a:p>
+                  </a:txBody>
+                  <a:tcPr/>
+                </a:tc>
+                <a:extLst>
+                  <a:ext uri="{0D108BD9-81ED-4DB2-BD59-A6C34878D82A}">
+                    <a16:rowId xmlns:a16="http://schemas.microsoft.com/office/drawing/2014/main" val="2394541492"/>
+                  </a:ext>
+                </a:extLst>
+              </a:tr>
+              <a:tr h="455159">
+                <a:tc>
+                  <a:txBody>
+                    <a:bodyPr/>
+                    <a:lstStyle/>
+                    <a:p>
+                      <a:r>
+                        <a:rPr lang="en-US" sz="1400" dirty="0"/>
+                        <a:t>Maintenance Activity</a:t>
+                      </a:r>
+                    </a:p>
+                  </a:txBody>
+                  <a:tcPr/>
+                </a:tc>
+                <a:extLst>
+                  <a:ext uri="{0D108BD9-81ED-4DB2-BD59-A6C34878D82A}">
+                    <a16:rowId xmlns:a16="http://schemas.microsoft.com/office/drawing/2014/main" val="1392346754"/>
+                  </a:ext>
+                </a:extLst>
+              </a:tr>
+              <a:tr h="455159">
+                <a:tc>
+                  <a:txBody>
+                    <a:bodyPr/>
+                    <a:lstStyle/>
+                    <a:p>
+                      <a:r>
+                        <a:rPr lang="en-US" sz="1400" dirty="0"/>
+                        <a:t>Network Resource</a:t>
+                      </a:r>
+                    </a:p>
+                  </a:txBody>
+                  <a:tcPr/>
+                </a:tc>
+                <a:extLst>
+                  <a:ext uri="{0D108BD9-81ED-4DB2-BD59-A6C34878D82A}">
+                    <a16:rowId xmlns:a16="http://schemas.microsoft.com/office/drawing/2014/main" val="2908249955"/>
+                  </a:ext>
+                </a:extLst>
+              </a:tr>
+              <a:tr h="455159">
+                <a:tc>
+                  <a:txBody>
+                    <a:bodyPr/>
+                    <a:lstStyle/>
+                    <a:p>
+                      <a:r>
+                        <a:rPr lang="en-US" sz="1400" dirty="0"/>
+                        <a:t>Service Area</a:t>
+                      </a:r>
+                    </a:p>
+                  </a:txBody>
+                  <a:tcPr/>
+                </a:tc>
+                <a:extLst>
+                  <a:ext uri="{0D108BD9-81ED-4DB2-BD59-A6C34878D82A}">
+                    <a16:rowId xmlns:a16="http://schemas.microsoft.com/office/drawing/2014/main" val="4784857"/>
+                  </a:ext>
+                </a:extLst>
+              </a:tr>
+            </a:tbl>
+          </a:graphicData>
+        </a:graphic>
+      </p:graphicFrame>
+    </p:spTree>
+    <p:extLst>
+      <p:ext uri="{BB962C8B-B14F-4D97-AF65-F5344CB8AC3E}">
+        <p14:creationId xmlns:p14="http://schemas.microsoft.com/office/powerpoint/2010/main" val="2500155727"/>
+      </p:ext>
+    </p:extLst>
+  </p:cSld>
+  <p:clrMapOvr>
+    <a:masterClrMapping/>
+  </p:clrMapOvr>
+</p:sld>
+</file>
+
+<file path=ppt/slides/slide11.xml><?xml version="1.0" encoding="utf-8"?>
+<p:sld xmlns:a="http://schemas.openxmlformats.org/drawingml/2006/main" xmlns:r="http://schemas.openxmlformats.org/officeDocument/2006/relationships" xmlns:p="http://schemas.openxmlformats.org/presentationml/2006/main">
+  <p:cSld>
+    <p:spTree>
+      <p:nvGrpSpPr>
+        <p:cNvPr id="1" name=""/>
+        <p:cNvGrpSpPr/>
+        <p:nvPr/>
+      </p:nvGrpSpPr>
+      <p:grpSpPr>
+        <a:xfrm>
+          <a:off x="0" y="0"/>
+          <a:ext cx="0" cy="0"/>
+          <a:chOff x="0" y="0"/>
+          <a:chExt cx="0" cy="0"/>
+        </a:xfrm>
+      </p:grpSpPr>
+      <p:sp>
+        <p:nvSpPr>
+          <p:cNvPr id="12" name="TextBox 11">
+            <a:extLst>
+              <a:ext uri="{FF2B5EF4-FFF2-40B4-BE49-F238E27FC236}">
+                <a16:creationId xmlns:a16="http://schemas.microsoft.com/office/drawing/2014/main" id="{5F4E341C-37B9-485A-9613-FDFAC096289D}"/>
+              </a:ext>
+            </a:extLst>
+          </p:cNvPr>
+          <p:cNvSpPr txBox="1"/>
+          <p:nvPr/>
+        </p:nvSpPr>
+        <p:spPr>
+          <a:xfrm flipH="1">
+            <a:off x="348341" y="457163"/>
+            <a:ext cx="8325395" cy="523220"/>
+          </a:xfrm>
+          <a:prstGeom prst="rect">
+            <a:avLst/>
+          </a:prstGeom>
+          <a:noFill/>
+        </p:spPr>
+        <p:txBody>
+          <a:bodyPr wrap="square" rtlCol="0">
+            <a:spAutoFit/>
+          </a:bodyPr>
+          <a:lstStyle/>
+          <a:p>
+            <a:r>
+              <a:rPr lang="en-US" sz="2800" dirty="0">
+                <a:latin typeface="Segoe UI" panose="020B0502040204020203" pitchFamily="34" charset="0"/>
+                <a:cs typeface="Segoe UI" panose="020B0502040204020203" pitchFamily="34" charset="0"/>
+              </a:rPr>
+              <a:t>Telco Plant Maintenance Apps -&gt; Apps</a:t>
+            </a:r>
+          </a:p>
+        </p:txBody>
+      </p:sp>
+      <p:sp>
+        <p:nvSpPr>
+          <p:cNvPr id="2" name="Arrow: Right 1">
+            <a:extLst>
+              <a:ext uri="{FF2B5EF4-FFF2-40B4-BE49-F238E27FC236}">
+                <a16:creationId xmlns:a16="http://schemas.microsoft.com/office/drawing/2014/main" id="{11CAD756-FF84-42FB-AFE7-5E426A63ABF0}"/>
+              </a:ext>
+            </a:extLst>
+          </p:cNvPr>
+          <p:cNvSpPr/>
+          <p:nvPr/>
+        </p:nvSpPr>
+        <p:spPr>
+          <a:xfrm rot="10800000">
+            <a:off x="4511038" y="2438444"/>
+            <a:ext cx="978408" cy="484632"/>
+          </a:xfrm>
+          <a:prstGeom prst="rightArrow">
+            <a:avLst/>
+          </a:prstGeom>
+          <a:ln w="28575">
+            <a:solidFill>
+              <a:srgbClr val="FFC000"/>
+            </a:solidFill>
+          </a:ln>
+        </p:spPr>
+        <p:style>
+          <a:lnRef idx="2">
+            <a:schemeClr val="accent1">
+              <a:shade val="50000"/>
+            </a:schemeClr>
+          </a:lnRef>
+          <a:fillRef idx="1">
+            <a:schemeClr val="accent1"/>
+          </a:fillRef>
+          <a:effectRef idx="0">
+            <a:schemeClr val="accent1"/>
+          </a:effectRef>
+          <a:fontRef idx="minor">
+            <a:schemeClr val="lt1"/>
+          </a:fontRef>
+        </p:style>
+        <p:txBody>
+          <a:bodyPr rtlCol="0" anchor="ctr"/>
+          <a:lstStyle/>
+          <a:p>
+            <a:pPr algn="ctr"/>
+            <a:endParaRPr lang="en-US" dirty="0"/>
+          </a:p>
+        </p:txBody>
+      </p:sp>
+      <p:grpSp>
+        <p:nvGrpSpPr>
+          <p:cNvPr id="13" name="Group 12">
+            <a:extLst>
+              <a:ext uri="{FF2B5EF4-FFF2-40B4-BE49-F238E27FC236}">
+                <a16:creationId xmlns:a16="http://schemas.microsoft.com/office/drawing/2014/main" id="{6EA12BF3-84F2-4220-B659-1A57017C3783}"/>
+              </a:ext>
+            </a:extLst>
+          </p:cNvPr>
+          <p:cNvGrpSpPr/>
+          <p:nvPr/>
+        </p:nvGrpSpPr>
+        <p:grpSpPr>
+          <a:xfrm>
+            <a:off x="5853417" y="1723387"/>
+            <a:ext cx="5640637" cy="3101067"/>
+            <a:chOff x="1277942" y="1969379"/>
+            <a:chExt cx="9399580" cy="3101067"/>
+          </a:xfrm>
+        </p:grpSpPr>
+        <p:sp>
+          <p:nvSpPr>
+            <p:cNvPr id="14" name="Rectangle 13">
+              <a:extLst>
+                <a:ext uri="{FF2B5EF4-FFF2-40B4-BE49-F238E27FC236}">
+                  <a16:creationId xmlns:a16="http://schemas.microsoft.com/office/drawing/2014/main" id="{A2DDD340-541D-40D8-8C16-AFE5B81869A1}"/>
+                </a:ext>
+              </a:extLst>
+            </p:cNvPr>
+            <p:cNvSpPr/>
+            <p:nvPr/>
+          </p:nvSpPr>
+          <p:spPr>
+            <a:xfrm>
+              <a:off x="1277945" y="4565001"/>
+              <a:ext cx="9383525" cy="505445"/>
+            </a:xfrm>
+            <a:prstGeom prst="rect">
+              <a:avLst/>
+            </a:prstGeom>
+            <a:solidFill>
+              <a:srgbClr val="FFEFBD"/>
+            </a:solidFill>
+          </p:spPr>
+          <p:style>
+            <a:lnRef idx="2">
+              <a:schemeClr val="accent4">
+                <a:shade val="50000"/>
+              </a:schemeClr>
+            </a:lnRef>
+            <a:fillRef idx="1">
+              <a:schemeClr val="accent4"/>
+            </a:fillRef>
+            <a:effectRef idx="0">
+              <a:schemeClr val="accent4"/>
+            </a:effectRef>
+            <a:fontRef idx="minor">
+              <a:schemeClr val="lt1"/>
+            </a:fontRef>
+          </p:style>
+          <p:txBody>
+            <a:bodyPr rtlCol="0" anchor="ctr"/>
+            <a:lstStyle/>
+            <a:p>
+              <a:pPr algn="ctr"/>
+              <a:r>
+                <a:rPr lang="en-US" sz="1200" dirty="0">
+                  <a:solidFill>
+                    <a:schemeClr val="tx1"/>
+                  </a:solidFill>
+                  <a:latin typeface="Segoe UI" panose="020B0502040204020203" pitchFamily="34" charset="0"/>
+                  <a:cs typeface="Segoe UI" panose="020B0502040204020203" pitchFamily="34" charset="0"/>
+                </a:rPr>
+                <a:t>Microsoft Dataverse</a:t>
+              </a:r>
+            </a:p>
+          </p:txBody>
+        </p:sp>
+        <p:sp>
+          <p:nvSpPr>
+            <p:cNvPr id="15" name="Rectangle 14">
+              <a:extLst>
+                <a:ext uri="{FF2B5EF4-FFF2-40B4-BE49-F238E27FC236}">
+                  <a16:creationId xmlns:a16="http://schemas.microsoft.com/office/drawing/2014/main" id="{D185120F-0C3B-4C70-9D3D-23EB8D056BD7}"/>
+                </a:ext>
+              </a:extLst>
+            </p:cNvPr>
+            <p:cNvSpPr/>
+            <p:nvPr/>
+          </p:nvSpPr>
+          <p:spPr>
+            <a:xfrm>
+              <a:off x="1277957" y="3923086"/>
+              <a:ext cx="9383525" cy="514549"/>
+            </a:xfrm>
+            <a:prstGeom prst="rect">
+              <a:avLst/>
+            </a:prstGeom>
+            <a:solidFill>
+              <a:srgbClr val="CFDBF0"/>
+            </a:solidFill>
+          </p:spPr>
+          <p:style>
+            <a:lnRef idx="2">
+              <a:schemeClr val="accent1">
+                <a:shade val="50000"/>
+              </a:schemeClr>
+            </a:lnRef>
+            <a:fillRef idx="1">
+              <a:schemeClr val="accent1"/>
+            </a:fillRef>
+            <a:effectRef idx="0">
+              <a:schemeClr val="accent1"/>
+            </a:effectRef>
+            <a:fontRef idx="minor">
+              <a:schemeClr val="lt1"/>
+            </a:fontRef>
+          </p:style>
+          <p:txBody>
+            <a:bodyPr rtlCol="0" anchor="ctr"/>
+            <a:lstStyle/>
+            <a:p>
+              <a:pPr algn="ctr"/>
+              <a:r>
+                <a:rPr lang="en-US" sz="1200" dirty="0">
+                  <a:solidFill>
+                    <a:schemeClr val="tx1"/>
+                  </a:solidFill>
+                  <a:latin typeface="Segoe UI" panose="020B0502040204020203" pitchFamily="34" charset="0"/>
+                  <a:cs typeface="Segoe UI" panose="020B0502040204020203" pitchFamily="34" charset="0"/>
+                </a:rPr>
+                <a:t>Telco Common CDM</a:t>
+              </a:r>
+            </a:p>
+          </p:txBody>
+        </p:sp>
+        <p:sp>
+          <p:nvSpPr>
+            <p:cNvPr id="16" name="Rectangle 15">
+              <a:extLst>
+                <a:ext uri="{FF2B5EF4-FFF2-40B4-BE49-F238E27FC236}">
+                  <a16:creationId xmlns:a16="http://schemas.microsoft.com/office/drawing/2014/main" id="{FA127816-2877-486A-A4AA-BD2622202BF4}"/>
+                </a:ext>
+              </a:extLst>
+            </p:cNvPr>
+            <p:cNvSpPr/>
+            <p:nvPr/>
+          </p:nvSpPr>
+          <p:spPr>
+            <a:xfrm>
+              <a:off x="7447401" y="2628370"/>
+              <a:ext cx="3206040" cy="533641"/>
+            </a:xfrm>
+            <a:prstGeom prst="rect">
+              <a:avLst/>
+            </a:prstGeom>
+            <a:solidFill>
+              <a:srgbClr val="CFDBF0"/>
+            </a:solidFill>
+          </p:spPr>
+          <p:style>
+            <a:lnRef idx="2">
+              <a:schemeClr val="accent1">
+                <a:shade val="50000"/>
+              </a:schemeClr>
+            </a:lnRef>
+            <a:fillRef idx="1">
+              <a:schemeClr val="accent1"/>
+            </a:fillRef>
+            <a:effectRef idx="0">
+              <a:schemeClr val="accent1"/>
+            </a:effectRef>
+            <a:fontRef idx="minor">
+              <a:schemeClr val="lt1"/>
+            </a:fontRef>
+          </p:style>
+          <p:txBody>
+            <a:bodyPr rtlCol="0" anchor="ctr"/>
+            <a:lstStyle/>
+            <a:p>
+              <a:pPr algn="ctr"/>
+              <a:r>
+                <a:rPr lang="en-US" sz="1200" dirty="0">
+                  <a:solidFill>
+                    <a:schemeClr val="tx1"/>
+                  </a:solidFill>
+                  <a:latin typeface="Segoe UI" panose="020B0502040204020203" pitchFamily="34" charset="0"/>
+                  <a:cs typeface="Segoe UI" panose="020B0502040204020203" pitchFamily="34" charset="0"/>
+                </a:rPr>
+                <a:t>Telco Sales CDM</a:t>
+              </a:r>
+            </a:p>
+          </p:txBody>
+        </p:sp>
+        <p:sp>
+          <p:nvSpPr>
+            <p:cNvPr id="17" name="Rectangle 16">
+              <a:extLst>
+                <a:ext uri="{FF2B5EF4-FFF2-40B4-BE49-F238E27FC236}">
+                  <a16:creationId xmlns:a16="http://schemas.microsoft.com/office/drawing/2014/main" id="{0F3CFD1A-D4B6-4E74-BD62-186B6E09589C}"/>
+                </a:ext>
+              </a:extLst>
+            </p:cNvPr>
+            <p:cNvSpPr/>
+            <p:nvPr/>
+          </p:nvSpPr>
+          <p:spPr>
+            <a:xfrm>
+              <a:off x="5133860" y="3262080"/>
+              <a:ext cx="2206180" cy="542566"/>
+            </a:xfrm>
+            <a:prstGeom prst="rect">
+              <a:avLst/>
+            </a:prstGeom>
+            <a:solidFill>
+              <a:srgbClr val="CFDBF0"/>
+            </a:solidFill>
+          </p:spPr>
+          <p:style>
+            <a:lnRef idx="2">
+              <a:schemeClr val="accent1">
+                <a:shade val="50000"/>
+              </a:schemeClr>
+            </a:lnRef>
+            <a:fillRef idx="1">
+              <a:schemeClr val="accent1"/>
+            </a:fillRef>
+            <a:effectRef idx="0">
+              <a:schemeClr val="accent1"/>
+            </a:effectRef>
+            <a:fontRef idx="minor">
+              <a:schemeClr val="lt1"/>
+            </a:fontRef>
+          </p:style>
+          <p:txBody>
+            <a:bodyPr rtlCol="0" anchor="ctr"/>
+            <a:lstStyle/>
+            <a:p>
+              <a:pPr algn="ctr"/>
+              <a:r>
+                <a:rPr lang="en-US" sz="1200" dirty="0">
+                  <a:solidFill>
+                    <a:schemeClr val="tx1"/>
+                  </a:solidFill>
+                  <a:latin typeface="Segoe UI" panose="020B0502040204020203" pitchFamily="34" charset="0"/>
+                  <a:cs typeface="Segoe UI" panose="020B0502040204020203" pitchFamily="34" charset="0"/>
+                </a:rPr>
+                <a:t>Telco Apps</a:t>
+              </a:r>
+            </a:p>
+          </p:txBody>
+        </p:sp>
+        <p:sp>
+          <p:nvSpPr>
+            <p:cNvPr id="18" name="Rectangle 17">
+              <a:extLst>
+                <a:ext uri="{FF2B5EF4-FFF2-40B4-BE49-F238E27FC236}">
+                  <a16:creationId xmlns:a16="http://schemas.microsoft.com/office/drawing/2014/main" id="{4C7DACFF-E17B-468F-AE29-CBB259B46C85}"/>
+                </a:ext>
+              </a:extLst>
+            </p:cNvPr>
+            <p:cNvSpPr/>
+            <p:nvPr/>
+          </p:nvSpPr>
+          <p:spPr>
+            <a:xfrm>
+              <a:off x="7447401" y="1969379"/>
+              <a:ext cx="3206041" cy="585859"/>
+            </a:xfrm>
+            <a:prstGeom prst="rect">
+              <a:avLst/>
+            </a:prstGeom>
+            <a:solidFill>
+              <a:srgbClr val="CFDBF0"/>
+            </a:solidFill>
+          </p:spPr>
+          <p:style>
+            <a:lnRef idx="2">
+              <a:schemeClr val="accent1">
+                <a:shade val="50000"/>
+              </a:schemeClr>
+            </a:lnRef>
+            <a:fillRef idx="1">
+              <a:schemeClr val="accent1"/>
+            </a:fillRef>
+            <a:effectRef idx="0">
+              <a:schemeClr val="accent1"/>
+            </a:effectRef>
+            <a:fontRef idx="minor">
+              <a:schemeClr val="lt1"/>
+            </a:fontRef>
+          </p:style>
+          <p:txBody>
+            <a:bodyPr rtlCol="0" anchor="ctr"/>
+            <a:lstStyle/>
+            <a:p>
+              <a:pPr algn="ctr"/>
+              <a:r>
+                <a:rPr lang="en-US" sz="1200" dirty="0">
+                  <a:solidFill>
+                    <a:schemeClr val="tx1"/>
+                  </a:solidFill>
+                  <a:latin typeface="Segoe UI" panose="020B0502040204020203" pitchFamily="34" charset="0"/>
+                  <a:cs typeface="Segoe UI" panose="020B0502040204020203" pitchFamily="34" charset="0"/>
+                </a:rPr>
+                <a:t>Telco Sales Apps</a:t>
+              </a:r>
+            </a:p>
+          </p:txBody>
+        </p:sp>
+        <p:sp>
+          <p:nvSpPr>
+            <p:cNvPr id="19" name="Rectangle 18">
+              <a:extLst>
+                <a:ext uri="{FF2B5EF4-FFF2-40B4-BE49-F238E27FC236}">
+                  <a16:creationId xmlns:a16="http://schemas.microsoft.com/office/drawing/2014/main" id="{9C314162-95F4-44B5-8B2B-F307ED0D0267}"/>
+                </a:ext>
+              </a:extLst>
+            </p:cNvPr>
+            <p:cNvSpPr/>
+            <p:nvPr/>
+          </p:nvSpPr>
+          <p:spPr>
+            <a:xfrm>
+              <a:off x="7447401" y="3262079"/>
+              <a:ext cx="3230121" cy="533641"/>
+            </a:xfrm>
+            <a:prstGeom prst="rect">
+              <a:avLst/>
+            </a:prstGeom>
+            <a:solidFill>
+              <a:srgbClr val="FFEFBD"/>
+            </a:solidFill>
+          </p:spPr>
+          <p:style>
+            <a:lnRef idx="2">
+              <a:schemeClr val="accent4">
+                <a:shade val="50000"/>
+              </a:schemeClr>
+            </a:lnRef>
+            <a:fillRef idx="1">
+              <a:schemeClr val="accent4"/>
+            </a:fillRef>
+            <a:effectRef idx="0">
+              <a:schemeClr val="accent4"/>
+            </a:effectRef>
+            <a:fontRef idx="minor">
+              <a:schemeClr val="lt1"/>
+            </a:fontRef>
+          </p:style>
+          <p:txBody>
+            <a:bodyPr rtlCol="0" anchor="ctr"/>
+            <a:lstStyle/>
+            <a:p>
+              <a:pPr algn="ctr"/>
+              <a:r>
+                <a:rPr lang="en-US" sz="1400" dirty="0">
+                  <a:solidFill>
+                    <a:schemeClr val="tx1"/>
+                  </a:solidFill>
+                  <a:latin typeface="Segoe UI" panose="020B0502040204020203" pitchFamily="34" charset="0"/>
+                  <a:cs typeface="Segoe UI" panose="020B0502040204020203" pitchFamily="34" charset="0"/>
+                </a:rPr>
+                <a:t>Dynamics 365 Sales</a:t>
+              </a:r>
+            </a:p>
+          </p:txBody>
+        </p:sp>
+        <p:sp>
+          <p:nvSpPr>
+            <p:cNvPr id="20" name="Rectangle 19">
+              <a:extLst>
+                <a:ext uri="{FF2B5EF4-FFF2-40B4-BE49-F238E27FC236}">
+                  <a16:creationId xmlns:a16="http://schemas.microsoft.com/office/drawing/2014/main" id="{6166E248-A3E5-4268-B7A7-C2AB529DE102}"/>
+                </a:ext>
+              </a:extLst>
+            </p:cNvPr>
+            <p:cNvSpPr/>
+            <p:nvPr/>
+          </p:nvSpPr>
+          <p:spPr>
+            <a:xfrm>
+              <a:off x="1277943" y="3280452"/>
+              <a:ext cx="3761241" cy="528222"/>
+            </a:xfrm>
+            <a:prstGeom prst="rect">
+              <a:avLst/>
+            </a:prstGeom>
+            <a:solidFill>
+              <a:srgbClr val="CFDBF0"/>
+            </a:solidFill>
+          </p:spPr>
+          <p:style>
+            <a:lnRef idx="2">
+              <a:schemeClr val="accent1">
+                <a:shade val="50000"/>
+              </a:schemeClr>
+            </a:lnRef>
+            <a:fillRef idx="1">
+              <a:schemeClr val="accent1"/>
+            </a:fillRef>
+            <a:effectRef idx="0">
+              <a:schemeClr val="accent1"/>
+            </a:effectRef>
+            <a:fontRef idx="minor">
+              <a:schemeClr val="lt1"/>
+            </a:fontRef>
+          </p:style>
+          <p:txBody>
+            <a:bodyPr rtlCol="0" anchor="ctr"/>
+            <a:lstStyle/>
+            <a:p>
+              <a:pPr algn="ctr"/>
+              <a:r>
+                <a:rPr lang="en-US" sz="1200" dirty="0">
+                  <a:solidFill>
+                    <a:schemeClr val="tx1"/>
+                  </a:solidFill>
+                  <a:latin typeface="Segoe UI" panose="020B0502040204020203" pitchFamily="34" charset="0"/>
+                  <a:cs typeface="Segoe UI" panose="020B0502040204020203" pitchFamily="34" charset="0"/>
+                </a:rPr>
+                <a:t>Telco Plant Maintenance  CDM</a:t>
+              </a:r>
+            </a:p>
+          </p:txBody>
+        </p:sp>
+        <p:sp>
+          <p:nvSpPr>
+            <p:cNvPr id="27" name="Rectangle 26">
+              <a:extLst>
+                <a:ext uri="{FF2B5EF4-FFF2-40B4-BE49-F238E27FC236}">
+                  <a16:creationId xmlns:a16="http://schemas.microsoft.com/office/drawing/2014/main" id="{E0DD45E8-2A89-403E-9E64-DEE43CAC7C6A}"/>
+                </a:ext>
+              </a:extLst>
+            </p:cNvPr>
+            <p:cNvSpPr/>
+            <p:nvPr/>
+          </p:nvSpPr>
+          <p:spPr>
+            <a:xfrm>
+              <a:off x="1277942" y="2628370"/>
+              <a:ext cx="3761241" cy="533641"/>
+            </a:xfrm>
+            <a:prstGeom prst="rect">
+              <a:avLst/>
+            </a:prstGeom>
+          </p:spPr>
+          <p:style>
+            <a:lnRef idx="2">
+              <a:schemeClr val="accent1">
+                <a:shade val="50000"/>
+              </a:schemeClr>
+            </a:lnRef>
+            <a:fillRef idx="1">
+              <a:schemeClr val="accent1"/>
+            </a:fillRef>
+            <a:effectRef idx="0">
+              <a:schemeClr val="accent1"/>
+            </a:effectRef>
+            <a:fontRef idx="minor">
+              <a:schemeClr val="lt1"/>
+            </a:fontRef>
+          </p:style>
+          <p:txBody>
+            <a:bodyPr rtlCol="0" anchor="ctr"/>
+            <a:lstStyle/>
+            <a:p>
+              <a:pPr algn="ctr"/>
+              <a:r>
+                <a:rPr lang="en-US" sz="1200" dirty="0">
+                  <a:latin typeface="Segoe UI" panose="020B0502040204020203" pitchFamily="34" charset="0"/>
+                  <a:cs typeface="Segoe UI" panose="020B0502040204020203" pitchFamily="34" charset="0"/>
+                </a:rPr>
+                <a:t>Telco Plant Maintenance Apps</a:t>
+              </a:r>
+            </a:p>
+          </p:txBody>
+        </p:sp>
+      </p:grpSp>
+      <p:graphicFrame>
+        <p:nvGraphicFramePr>
+          <p:cNvPr id="3" name="Table 2">
+            <a:extLst>
+              <a:ext uri="{FF2B5EF4-FFF2-40B4-BE49-F238E27FC236}">
+                <a16:creationId xmlns:a16="http://schemas.microsoft.com/office/drawing/2014/main" id="{063DBFEE-ECF2-4937-98FD-FF5A7C2C44BD}"/>
+              </a:ext>
+            </a:extLst>
+          </p:cNvPr>
+          <p:cNvGraphicFramePr>
+            <a:graphicFrameLocks noGrp="1"/>
+          </p:cNvGraphicFramePr>
+          <p:nvPr>
+            <p:extLst>
+              <p:ext uri="{D42A27DB-BD31-4B8C-83A1-F6EECF244321}">
+                <p14:modId xmlns:p14="http://schemas.microsoft.com/office/powerpoint/2010/main" val="857104144"/>
+              </p:ext>
+            </p:extLst>
+          </p:nvPr>
+        </p:nvGraphicFramePr>
+        <p:xfrm>
+          <a:off x="640094" y="2216312"/>
+          <a:ext cx="3435937" cy="866768"/>
+        </p:xfrm>
+        <a:graphic>
+          <a:graphicData uri="http://schemas.openxmlformats.org/drawingml/2006/table">
+            <a:tbl>
+              <a:tblPr firstRow="1" bandRow="1">
+                <a:tableStyleId>{B301B821-A1FF-4177-AEE7-76D212191A09}</a:tableStyleId>
+              </a:tblPr>
+              <a:tblGrid>
+                <a:gridCol w="1789700">
+                  <a:extLst>
+                    <a:ext uri="{9D8B030D-6E8A-4147-A177-3AD203B41FA5}">
+                      <a16:colId xmlns:a16="http://schemas.microsoft.com/office/drawing/2014/main" val="2982091153"/>
+                    </a:ext>
+                  </a:extLst>
+                </a:gridCol>
+                <a:gridCol w="1646237">
+                  <a:extLst>
+                    <a:ext uri="{9D8B030D-6E8A-4147-A177-3AD203B41FA5}">
+                      <a16:colId xmlns:a16="http://schemas.microsoft.com/office/drawing/2014/main" val="1364035264"/>
+                    </a:ext>
+                  </a:extLst>
+                </a:gridCol>
+              </a:tblGrid>
+              <a:tr h="411609">
+                <a:tc>
+                  <a:txBody>
+                    <a:bodyPr/>
+                    <a:lstStyle/>
+                    <a:p>
+                      <a:r>
+                        <a:rPr lang="en-US" sz="1400" dirty="0"/>
+                        <a:t>App Name</a:t>
+                      </a:r>
+                    </a:p>
+                  </a:txBody>
+                  <a:tcPr/>
+                </a:tc>
+                <a:tc>
+                  <a:txBody>
+                    <a:bodyPr/>
+                    <a:lstStyle/>
+                    <a:p>
+                      <a:r>
+                        <a:rPr lang="en-US" sz="1400" dirty="0"/>
+                        <a:t>Type</a:t>
+                      </a:r>
+                    </a:p>
+                  </a:txBody>
+                  <a:tcPr/>
+                </a:tc>
+                <a:extLst>
+                  <a:ext uri="{0D108BD9-81ED-4DB2-BD59-A6C34878D82A}">
+                    <a16:rowId xmlns:a16="http://schemas.microsoft.com/office/drawing/2014/main" val="3897208415"/>
+                  </a:ext>
+                </a:extLst>
+              </a:tr>
+              <a:tr h="455159">
+                <a:tc>
+                  <a:txBody>
+                    <a:bodyPr/>
+                    <a:lstStyle/>
+                    <a:p>
+                      <a:r>
+                        <a:rPr lang="en-US" sz="1400" dirty="0"/>
+                        <a:t>Plant Maintenance</a:t>
+                      </a:r>
+                    </a:p>
+                  </a:txBody>
+                  <a:tcPr/>
+                </a:tc>
+                <a:tc>
+                  <a:txBody>
+                    <a:bodyPr/>
+                    <a:lstStyle/>
+                    <a:p>
+                      <a:pPr marL="0" marR="0" lvl="0" indent="0" algn="l" defTabSz="914400" rtl="0" eaLnBrk="1" fontAlgn="auto" latinLnBrk="0" hangingPunct="1">
+                        <a:lnSpc>
+                          <a:spcPct val="100000"/>
+                        </a:lnSpc>
+                        <a:spcBef>
+                          <a:spcPts val="0"/>
+                        </a:spcBef>
+                        <a:spcAft>
+                          <a:spcPts val="0"/>
+                        </a:spcAft>
+                        <a:buClrTx/>
+                        <a:buSzTx/>
+                        <a:buFontTx/>
+                        <a:buNone/>
+                        <a:tabLst/>
+                        <a:defRPr/>
+                      </a:pPr>
+                      <a:r>
+                        <a:rPr lang="en-US" sz="1400" dirty="0"/>
+                        <a:t>Model-driven</a:t>
+                      </a:r>
+                    </a:p>
+                  </a:txBody>
+                  <a:tcPr/>
+                </a:tc>
+                <a:extLst>
+                  <a:ext uri="{0D108BD9-81ED-4DB2-BD59-A6C34878D82A}">
+                    <a16:rowId xmlns:a16="http://schemas.microsoft.com/office/drawing/2014/main" val="2067485940"/>
+                  </a:ext>
+                </a:extLst>
+              </a:tr>
+            </a:tbl>
+          </a:graphicData>
+        </a:graphic>
+      </p:graphicFrame>
+    </p:spTree>
+    <p:extLst>
+      <p:ext uri="{BB962C8B-B14F-4D97-AF65-F5344CB8AC3E}">
+        <p14:creationId xmlns:p14="http://schemas.microsoft.com/office/powerpoint/2010/main" val="2216669915"/>
+      </p:ext>
+    </p:extLst>
+  </p:cSld>
+  <p:clrMapOvr>
+    <a:masterClrMapping/>
+  </p:clrMapOvr>
+</p:sld>
+</file>
+
+<file path=ppt/slides/slide12.xml><?xml version="1.0" encoding="utf-8"?>
+<p:sld xmlns:a="http://schemas.openxmlformats.org/drawingml/2006/main" xmlns:r="http://schemas.openxmlformats.org/officeDocument/2006/relationships" xmlns:p="http://schemas.openxmlformats.org/presentationml/2006/main">
+  <p:cSld>
+    <p:spTree>
+      <p:nvGrpSpPr>
+        <p:cNvPr id="1" name=""/>
+        <p:cNvGrpSpPr/>
+        <p:nvPr/>
+      </p:nvGrpSpPr>
+      <p:grpSpPr>
+        <a:xfrm>
+          <a:off x="0" y="0"/>
+          <a:ext cx="0" cy="0"/>
+          <a:chOff x="0" y="0"/>
+          <a:chExt cx="0" cy="0"/>
+        </a:xfrm>
+      </p:grpSpPr>
+      <p:pic>
+        <p:nvPicPr>
+          <p:cNvPr id="6" name="Picture 5">
+            <a:extLst>
+              <a:ext uri="{FF2B5EF4-FFF2-40B4-BE49-F238E27FC236}">
+                <a16:creationId xmlns:a16="http://schemas.microsoft.com/office/drawing/2014/main" id="{CA2353EE-671C-4FD5-8FE3-6C5FA1F3D2BB}"/>
+              </a:ext>
+            </a:extLst>
+          </p:cNvPr>
+          <p:cNvPicPr>
+            <a:picLocks noChangeAspect="1"/>
+          </p:cNvPicPr>
+          <p:nvPr/>
+        </p:nvPicPr>
+        <p:blipFill>
+          <a:blip r:embed="rId2"/>
+          <a:stretch>
+            <a:fillRect/>
+          </a:stretch>
+        </p:blipFill>
+        <p:spPr>
+          <a:xfrm>
+            <a:off x="2427514" y="553930"/>
+            <a:ext cx="8043767" cy="6304069"/>
+          </a:xfrm>
+          <a:prstGeom prst="rect">
+            <a:avLst/>
+          </a:prstGeom>
+        </p:spPr>
+      </p:pic>
+      <p:sp>
+        <p:nvSpPr>
+          <p:cNvPr id="2" name="TextBox 1">
+            <a:extLst>
+              <a:ext uri="{FF2B5EF4-FFF2-40B4-BE49-F238E27FC236}">
+                <a16:creationId xmlns:a16="http://schemas.microsoft.com/office/drawing/2014/main" id="{099E8F5E-2D2B-431A-B0DC-75809E5F866B}"/>
+              </a:ext>
+            </a:extLst>
+          </p:cNvPr>
+          <p:cNvSpPr txBox="1"/>
+          <p:nvPr/>
+        </p:nvSpPr>
+        <p:spPr>
+          <a:xfrm flipH="1">
+            <a:off x="54430" y="65316"/>
+            <a:ext cx="4784270" cy="954107"/>
+          </a:xfrm>
+          <a:prstGeom prst="rect">
+            <a:avLst/>
+          </a:prstGeom>
+          <a:noFill/>
+        </p:spPr>
+        <p:txBody>
+          <a:bodyPr wrap="square" lIns="91440" tIns="45720" rIns="91440" bIns="45720" rtlCol="0" anchor="t">
+            <a:spAutoFit/>
+          </a:bodyPr>
+          <a:lstStyle/>
+          <a:p>
+            <a:r>
+              <a:rPr lang="en-US" sz="2800" dirty="0">
+                <a:latin typeface="Segoe UI"/>
+                <a:cs typeface="Segoe UI"/>
+              </a:rPr>
+              <a:t>Telecommunications CDM – Place Management - ERD</a:t>
+            </a:r>
+          </a:p>
+        </p:txBody>
+      </p:sp>
+    </p:spTree>
+    <p:extLst>
+      <p:ext uri="{BB962C8B-B14F-4D97-AF65-F5344CB8AC3E}">
+        <p14:creationId xmlns:p14="http://schemas.microsoft.com/office/powerpoint/2010/main" val="279768030"/>
+      </p:ext>
+    </p:extLst>
+  </p:cSld>
+  <p:clrMapOvr>
+    <a:masterClrMapping/>
+  </p:clrMapOvr>
+</p:sld>
+</file>
+
+<file path=ppt/slides/slide13.xml><?xml version="1.0" encoding="utf-8"?>
+<p:sld xmlns:a="http://schemas.openxmlformats.org/drawingml/2006/main" xmlns:r="http://schemas.openxmlformats.org/officeDocument/2006/relationships" xmlns:p="http://schemas.openxmlformats.org/presentationml/2006/main">
+  <p:cSld>
+    <p:spTree>
+      <p:nvGrpSpPr>
+        <p:cNvPr id="1" name=""/>
+        <p:cNvGrpSpPr/>
+        <p:nvPr/>
+      </p:nvGrpSpPr>
+      <p:grpSpPr>
+        <a:xfrm>
+          <a:off x="0" y="0"/>
+          <a:ext cx="0" cy="0"/>
+          <a:chOff x="0" y="0"/>
+          <a:chExt cx="0" cy="0"/>
+        </a:xfrm>
+      </p:grpSpPr>
+      <p:pic>
+        <p:nvPicPr>
+          <p:cNvPr id="7" name="Picture 6">
+            <a:extLst>
+              <a:ext uri="{FF2B5EF4-FFF2-40B4-BE49-F238E27FC236}">
+                <a16:creationId xmlns:a16="http://schemas.microsoft.com/office/drawing/2014/main" id="{81C512D0-B4B0-4647-B4DE-B6B0FE06C8C1}"/>
+              </a:ext>
+            </a:extLst>
+          </p:cNvPr>
+          <p:cNvPicPr>
+            <a:picLocks noChangeAspect="1"/>
+          </p:cNvPicPr>
+          <p:nvPr/>
+        </p:nvPicPr>
+        <p:blipFill>
+          <a:blip r:embed="rId2"/>
+          <a:stretch>
+            <a:fillRect/>
+          </a:stretch>
+        </p:blipFill>
+        <p:spPr>
+          <a:xfrm>
+            <a:off x="2612571" y="115855"/>
+            <a:ext cx="9524999" cy="6640897"/>
+          </a:xfrm>
+          <a:prstGeom prst="rect">
+            <a:avLst/>
+          </a:prstGeom>
+        </p:spPr>
+      </p:pic>
+      <p:sp>
+        <p:nvSpPr>
+          <p:cNvPr id="2" name="TextBox 1">
+            <a:extLst>
+              <a:ext uri="{FF2B5EF4-FFF2-40B4-BE49-F238E27FC236}">
+                <a16:creationId xmlns:a16="http://schemas.microsoft.com/office/drawing/2014/main" id="{8D64A7AF-E56A-4035-84A2-AC91325540EF}"/>
+              </a:ext>
+            </a:extLst>
+          </p:cNvPr>
+          <p:cNvSpPr txBox="1"/>
+          <p:nvPr/>
+        </p:nvSpPr>
+        <p:spPr>
+          <a:xfrm flipH="1">
+            <a:off x="54430" y="4256421"/>
+            <a:ext cx="4784270" cy="954107"/>
+          </a:xfrm>
+          <a:prstGeom prst="rect">
+            <a:avLst/>
+          </a:prstGeom>
+          <a:noFill/>
+        </p:spPr>
+        <p:txBody>
+          <a:bodyPr wrap="square" lIns="91440" tIns="45720" rIns="91440" bIns="45720" rtlCol="0" anchor="t">
+            <a:spAutoFit/>
+          </a:bodyPr>
+          <a:lstStyle/>
+          <a:p>
+            <a:r>
+              <a:rPr lang="en-US" sz="2800" dirty="0">
+                <a:latin typeface="Segoe UI"/>
+                <a:cs typeface="Segoe UI"/>
+              </a:rPr>
+              <a:t>Telecommunications CDM – Network Management - ERD</a:t>
+            </a:r>
+          </a:p>
+        </p:txBody>
+      </p:sp>
+    </p:spTree>
+    <p:extLst>
+      <p:ext uri="{BB962C8B-B14F-4D97-AF65-F5344CB8AC3E}">
+        <p14:creationId xmlns:p14="http://schemas.microsoft.com/office/powerpoint/2010/main" val="4032754434"/>
+      </p:ext>
+    </p:extLst>
+  </p:cSld>
+  <p:clrMapOvr>
+    <a:masterClrMapping/>
+  </p:clrMapOvr>
+</p:sld>
+</file>
+
+<file path=ppt/slides/slide14.xml><?xml version="1.0" encoding="utf-8"?>
+<p:sld xmlns:a="http://schemas.openxmlformats.org/drawingml/2006/main" xmlns:r="http://schemas.openxmlformats.org/officeDocument/2006/relationships" xmlns:p="http://schemas.openxmlformats.org/presentationml/2006/main">
+  <p:cSld>
+    <p:spTree>
+      <p:nvGrpSpPr>
+        <p:cNvPr id="1" name=""/>
+        <p:cNvGrpSpPr/>
+        <p:nvPr/>
+      </p:nvGrpSpPr>
+      <p:grpSpPr>
+        <a:xfrm>
+          <a:off x="0" y="0"/>
+          <a:ext cx="0" cy="0"/>
+          <a:chOff x="0" y="0"/>
+          <a:chExt cx="0" cy="0"/>
+        </a:xfrm>
+      </p:grpSpPr>
+      <p:pic>
+        <p:nvPicPr>
+          <p:cNvPr id="6" name="Picture 5">
+            <a:extLst>
+              <a:ext uri="{FF2B5EF4-FFF2-40B4-BE49-F238E27FC236}">
+                <a16:creationId xmlns:a16="http://schemas.microsoft.com/office/drawing/2014/main" id="{22C69C5C-A976-4AA4-A12F-D6423AE1B85A}"/>
+              </a:ext>
+            </a:extLst>
+          </p:cNvPr>
+          <p:cNvPicPr>
+            <a:picLocks noChangeAspect="1"/>
+          </p:cNvPicPr>
+          <p:nvPr/>
+        </p:nvPicPr>
+        <p:blipFill>
+          <a:blip r:embed="rId2"/>
+          <a:stretch>
+            <a:fillRect/>
+          </a:stretch>
+        </p:blipFill>
+        <p:spPr>
+          <a:xfrm>
+            <a:off x="1621971" y="773474"/>
+            <a:ext cx="10251208" cy="6084525"/>
+          </a:xfrm>
+          <a:prstGeom prst="rect">
+            <a:avLst/>
+          </a:prstGeom>
+        </p:spPr>
+      </p:pic>
+      <p:sp>
+        <p:nvSpPr>
+          <p:cNvPr id="2" name="TextBox 1">
+            <a:extLst>
+              <a:ext uri="{FF2B5EF4-FFF2-40B4-BE49-F238E27FC236}">
+                <a16:creationId xmlns:a16="http://schemas.microsoft.com/office/drawing/2014/main" id="{42015225-7B62-4E12-AF8E-A24206CB923B}"/>
+              </a:ext>
+            </a:extLst>
+          </p:cNvPr>
+          <p:cNvSpPr txBox="1"/>
+          <p:nvPr/>
+        </p:nvSpPr>
+        <p:spPr>
+          <a:xfrm flipH="1">
+            <a:off x="54430" y="65316"/>
+            <a:ext cx="4784270" cy="954107"/>
           </a:xfrm>
           <a:prstGeom prst="rect">
             <a:avLst/>
@@ -4549,19 +6446,45 @@
               </a:rPr>
               <a:t>Telecommunications CDM – Telco Sales - ERD</a:t>
             </a:r>
-            <a:endParaRPr lang="en-US" dirty="0">
-              <a:latin typeface="Segoe UI"/>
-              <a:cs typeface="Segoe UI"/>
-            </a:endParaRPr>
           </a:p>
         </p:txBody>
       </p:sp>
+    </p:spTree>
+    <p:extLst>
+      <p:ext uri="{BB962C8B-B14F-4D97-AF65-F5344CB8AC3E}">
+        <p14:creationId xmlns:p14="http://schemas.microsoft.com/office/powerpoint/2010/main" val="3982416538"/>
+      </p:ext>
+    </p:extLst>
+  </p:cSld>
+  <p:clrMapOvr>
+    <a:masterClrMapping/>
+  </p:clrMapOvr>
+</p:sld>
+</file>
+
+<file path=ppt/slides/slide15.xml><?xml version="1.0" encoding="utf-8"?>
+<p:sld xmlns:a="http://schemas.openxmlformats.org/drawingml/2006/main" xmlns:r="http://schemas.openxmlformats.org/officeDocument/2006/relationships" xmlns:p="http://schemas.openxmlformats.org/presentationml/2006/main">
+  <p:cSld>
+    <p:spTree>
+      <p:nvGrpSpPr>
+        <p:cNvPr id="1" name=""/>
+        <p:cNvGrpSpPr/>
+        <p:nvPr/>
+      </p:nvGrpSpPr>
+      <p:grpSpPr>
+        <a:xfrm>
+          <a:off x="0" y="0"/>
+          <a:ext cx="0" cy="0"/>
+          <a:chOff x="0" y="0"/>
+          <a:chExt cx="0" cy="0"/>
+        </a:xfrm>
+      </p:grpSpPr>
       <p:pic>
         <p:nvPicPr>
-          <p:cNvPr id="7" name="Picture 6">
+          <p:cNvPr id="11" name="Picture 10">
             <a:extLst>
               <a:ext uri="{FF2B5EF4-FFF2-40B4-BE49-F238E27FC236}">
-                <a16:creationId xmlns:a16="http://schemas.microsoft.com/office/drawing/2014/main" id="{5AF92C7D-E271-4B0F-8268-547F073E2E65}"/>
+                <a16:creationId xmlns:a16="http://schemas.microsoft.com/office/drawing/2014/main" id="{A6EFE989-E0BB-42D3-91C7-914791449BFF}"/>
               </a:ext>
             </a:extLst>
           </p:cNvPr>
@@ -4578,18 +6501,69 @@
         </p:blipFill>
         <p:spPr>
           <a:xfrm>
-            <a:off x="1434063" y="1360017"/>
-            <a:ext cx="5643012" cy="4297228"/>
+            <a:off x="390265" y="0"/>
+            <a:ext cx="11411469" cy="6858000"/>
           </a:xfrm>
           <a:prstGeom prst="rect">
             <a:avLst/>
           </a:prstGeom>
         </p:spPr>
       </p:pic>
+      <p:sp>
+        <p:nvSpPr>
+          <p:cNvPr id="4" name="TextBox 3">
+            <a:extLst>
+              <a:ext uri="{FF2B5EF4-FFF2-40B4-BE49-F238E27FC236}">
+                <a16:creationId xmlns:a16="http://schemas.microsoft.com/office/drawing/2014/main" id="{C07C45B8-4983-4FFB-BD8B-B2F43686E476}"/>
+              </a:ext>
+            </a:extLst>
+          </p:cNvPr>
+          <p:cNvSpPr txBox="1"/>
+          <p:nvPr/>
+        </p:nvSpPr>
+        <p:spPr>
+          <a:xfrm flipH="1">
+            <a:off x="54430" y="65316"/>
+            <a:ext cx="9783950" cy="954107"/>
+          </a:xfrm>
+          <a:prstGeom prst="rect">
+            <a:avLst/>
+          </a:prstGeom>
+          <a:noFill/>
+        </p:spPr>
+        <p:txBody>
+          <a:bodyPr wrap="square" lIns="91440" tIns="45720" rIns="91440" bIns="45720" rtlCol="0" anchor="t">
+            <a:spAutoFit/>
+          </a:bodyPr>
+          <a:lstStyle/>
+          <a:p>
+            <a:r>
+              <a:rPr lang="en-US" sz="2800" dirty="0">
+                <a:latin typeface="Segoe UI"/>
+                <a:cs typeface="Segoe UI"/>
+              </a:rPr>
+              <a:t>Telecommunications CDM</a:t>
+            </a:r>
+          </a:p>
+          <a:p>
+            <a:r>
+              <a:rPr lang="en-US" sz="2800" dirty="0">
+                <a:latin typeface="Segoe UI"/>
+                <a:cs typeface="Segoe UI"/>
+              </a:rPr>
+              <a:t>Plant Maintenance - ERD</a:t>
+            </a:r>
+            <a:endParaRPr lang="en-US" dirty="0">
+              <a:latin typeface="Segoe UI"/>
+              <a:cs typeface="Segoe UI"/>
+            </a:endParaRPr>
+          </a:p>
+        </p:txBody>
+      </p:sp>
     </p:spTree>
     <p:extLst>
       <p:ext uri="{BB962C8B-B14F-4D97-AF65-F5344CB8AC3E}">
-        <p14:creationId xmlns:p14="http://schemas.microsoft.com/office/powerpoint/2010/main" val="3982416538"/>
+        <p14:creationId xmlns:p14="http://schemas.microsoft.com/office/powerpoint/2010/main" val="4269979148"/>
       </p:ext>
     </p:extLst>
   </p:cSld>
@@ -4645,7 +6619,7 @@
           <a:lstStyle/>
           <a:p>
             <a:r>
-              <a:rPr lang="en-US" sz="2800">
+              <a:rPr lang="en-US" sz="2800" dirty="0">
                 <a:latin typeface="Segoe UI"/>
                 <a:cs typeface="Segoe UI"/>
               </a:rPr>
@@ -4669,14 +6643,14 @@
           <p:nvPr>
             <p:extLst>
               <p:ext uri="{D42A27DB-BD31-4B8C-83A1-F6EECF244321}">
-                <p14:modId xmlns:p14="http://schemas.microsoft.com/office/powerpoint/2010/main" val="3444411920"/>
+                <p14:modId xmlns:p14="http://schemas.microsoft.com/office/powerpoint/2010/main" val="2756480454"/>
               </p:ext>
             </p:extLst>
           </p:nvPr>
         </p:nvGraphicFramePr>
         <p:xfrm>
-          <a:off x="7150654" y="980383"/>
-          <a:ext cx="3757491" cy="5805435"/>
+          <a:off x="8361802" y="893002"/>
+          <a:ext cx="3526659" cy="5805435"/>
         </p:xfrm>
         <a:graphic>
           <a:graphicData uri="http://schemas.openxmlformats.org/drawingml/2006/table">
@@ -4685,7 +6659,7 @@
                 <a:tableStyleId>{B301B821-A1FF-4177-AEE7-76D212191A09}</a:tableStyleId>
               </a:tblPr>
               <a:tblGrid>
-                <a:gridCol w="3757491">
+                <a:gridCol w="3526659">
                   <a:extLst>
                     <a:ext uri="{9D8B030D-6E8A-4147-A177-3AD203B41FA5}">
                       <a16:colId xmlns:a16="http://schemas.microsoft.com/office/drawing/2014/main" val="832068167"/>
@@ -4700,7 +6674,7 @@
                     <a:lstStyle/>
                     <a:p>
                       <a:r>
-                        <a:rPr lang="en-US" sz="1400"/>
+                        <a:rPr lang="en-US" sz="1400" dirty="0"/>
                         <a:t>Entity Name</a:t>
                       </a:r>
                     </a:p>
@@ -4720,7 +6694,7 @@
                     <a:lstStyle/>
                     <a:p>
                       <a:r>
-                        <a:rPr lang="en-US" sz="1400"/>
+                        <a:rPr lang="en-US" sz="1400" dirty="0"/>
                         <a:t>Account</a:t>
                       </a:r>
                     </a:p>
@@ -4740,7 +6714,7 @@
                     <a:lstStyle/>
                     <a:p>
                       <a:r>
-                        <a:rPr lang="en-US" sz="1400"/>
+                        <a:rPr lang="en-US" sz="1400" dirty="0"/>
                         <a:t>Contact</a:t>
                       </a:r>
                     </a:p>
@@ -4760,7 +6734,7 @@
                     <a:lstStyle/>
                     <a:p>
                       <a:r>
-                        <a:rPr lang="en-US" sz="1400"/>
+                        <a:rPr lang="en-US" sz="1400" dirty="0"/>
                         <a:t>External System</a:t>
                       </a:r>
                     </a:p>
@@ -4780,7 +6754,7 @@
                     <a:lstStyle/>
                     <a:p>
                       <a:r>
-                        <a:rPr lang="en-US" sz="1400"/>
+                        <a:rPr lang="en-US" sz="1400" dirty="0"/>
                         <a:t>Geographic Address</a:t>
                       </a:r>
                     </a:p>
@@ -4800,7 +6774,7 @@
                     <a:lstStyle/>
                     <a:p>
                       <a:r>
-                        <a:rPr lang="en-US" sz="1400"/>
+                        <a:rPr lang="en-US" sz="1400" dirty="0"/>
                         <a:t>Geographic Location</a:t>
                       </a:r>
                     </a:p>
@@ -4820,7 +6794,7 @@
                     <a:lstStyle/>
                     <a:p>
                       <a:r>
-                        <a:rPr lang="en-US" sz="1400"/>
+                        <a:rPr lang="en-US" sz="1400" dirty="0"/>
                         <a:t>Geographic Place</a:t>
                       </a:r>
                     </a:p>
@@ -4840,7 +6814,7 @@
                     <a:lstStyle/>
                     <a:p>
                       <a:r>
-                        <a:rPr lang="en-US" sz="1400"/>
+                        <a:rPr lang="en-US" sz="1400" dirty="0"/>
                         <a:t>Geographic Point</a:t>
                       </a:r>
                     </a:p>
@@ -4860,7 +6834,7 @@
                     <a:lstStyle/>
                     <a:p>
                       <a:r>
-                        <a:rPr lang="en-US" sz="1400"/>
+                        <a:rPr lang="en-US" sz="1400" dirty="0"/>
                         <a:t>Geographic  Sub-Address</a:t>
                       </a:r>
                     </a:p>
@@ -4880,7 +6854,7 @@
                     <a:lstStyle/>
                     <a:p>
                       <a:r>
-                        <a:rPr lang="en-US" sz="1400"/>
+                        <a:rPr lang="en-US" sz="1400" dirty="0"/>
                         <a:t>Local Place</a:t>
                       </a:r>
                     </a:p>
@@ -4900,7 +6874,7 @@
                     <a:lstStyle/>
                     <a:p>
                       <a:r>
-                        <a:rPr lang="en-US" sz="1400"/>
+                        <a:rPr lang="en-US" sz="1400" dirty="0"/>
                         <a:t>Network</a:t>
                       </a:r>
                     </a:p>
@@ -4920,7 +6894,7 @@
                     <a:lstStyle/>
                     <a:p>
                       <a:r>
-                        <a:rPr lang="en-US" sz="1400"/>
+                        <a:rPr lang="en-US" sz="1400" dirty="0"/>
                         <a:t>Network Operating Center</a:t>
                       </a:r>
                     </a:p>
@@ -4940,7 +6914,7 @@
                     <a:lstStyle/>
                     <a:p>
                       <a:r>
-                        <a:rPr lang="en-US" sz="1400"/>
+                        <a:rPr lang="en-US" sz="1400" dirty="0"/>
                         <a:t>Network Resource</a:t>
                       </a:r>
                     </a:p>
@@ -4960,7 +6934,7 @@
                     <a:lstStyle/>
                     <a:p>
                       <a:r>
-                        <a:rPr lang="en-US" sz="1400"/>
+                        <a:rPr lang="en-US" sz="1400" dirty="0"/>
                         <a:t>Network Resource Type</a:t>
                       </a:r>
                     </a:p>
@@ -4997,7 +6971,7 @@
                         <a:defRPr/>
                       </a:pPr>
                       <a:r>
-                        <a:rPr lang="en-US" sz="1400"/>
+                        <a:rPr lang="en-US" sz="1400" dirty="0"/>
                         <a:t>Network Zone</a:t>
                       </a:r>
                     </a:p>
@@ -5017,7 +6991,7 @@
                     <a:lstStyle/>
                     <a:p>
                       <a:r>
-                        <a:rPr lang="en-US" sz="1400"/>
+                        <a:rPr lang="en-US" sz="1400" dirty="0"/>
                         <a:t>Place</a:t>
                       </a:r>
                     </a:p>
@@ -5037,7 +7011,7 @@
                     <a:lstStyle/>
                     <a:p>
                       <a:r>
-                        <a:rPr lang="en-US" sz="1400"/>
+                        <a:rPr lang="en-US" sz="1400" dirty="0"/>
                         <a:t>Service Area</a:t>
                       </a:r>
                     </a:p>
@@ -5074,7 +7048,7 @@
                         <a:defRPr/>
                       </a:pPr>
                       <a:r>
-                        <a:rPr lang="en-US" sz="1400"/>
+                        <a:rPr lang="en-US" sz="1400" dirty="0"/>
                         <a:t>Service Area Geographical Place</a:t>
                       </a:r>
                     </a:p>
@@ -5094,7 +7068,7 @@
                     <a:lstStyle/>
                     <a:p>
                       <a:r>
-                        <a:rPr lang="en-US" sz="1400"/>
+                        <a:rPr lang="en-US" sz="1400" dirty="0"/>
                         <a:t>Service Area Technology</a:t>
                       </a:r>
                     </a:p>
@@ -5125,7 +7099,7 @@
         </p:nvSpPr>
         <p:spPr>
           <a:xfrm>
-            <a:off x="6035040" y="3680213"/>
+            <a:off x="7228112" y="4598492"/>
             <a:ext cx="978408" cy="484632"/>
           </a:xfrm>
           <a:prstGeom prst="rightArrow">
@@ -5158,16 +7132,16 @@
           <a:lstStyle/>
           <a:p>
             <a:pPr algn="ctr"/>
-            <a:endParaRPr lang="en-US"/>
+            <a:endParaRPr lang="en-US" dirty="0"/>
           </a:p>
         </p:txBody>
       </p:sp>
       <p:grpSp>
         <p:nvGrpSpPr>
-          <p:cNvPr id="3" name="Group 2">
+          <p:cNvPr id="14" name="Group 13">
             <a:extLst>
               <a:ext uri="{FF2B5EF4-FFF2-40B4-BE49-F238E27FC236}">
-                <a16:creationId xmlns:a16="http://schemas.microsoft.com/office/drawing/2014/main" id="{95481DB9-CD83-4B89-8A79-936FE6317F98}"/>
+                <a16:creationId xmlns:a16="http://schemas.microsoft.com/office/drawing/2014/main" id="{0E68AFCF-9215-4A1F-9710-37FE340CCF05}"/>
               </a:ext>
             </a:extLst>
           </p:cNvPr>
@@ -5176,18 +7150,18 @@
         </p:nvGrpSpPr>
         <p:grpSpPr>
           <a:xfrm>
-            <a:off x="847454" y="2939185"/>
-            <a:ext cx="5070705" cy="1377229"/>
-            <a:chOff x="847454" y="2939185"/>
-            <a:chExt cx="5070705" cy="1377229"/>
+            <a:off x="770336" y="2644785"/>
+            <a:ext cx="6302493" cy="3101067"/>
+            <a:chOff x="1277942" y="1969379"/>
+            <a:chExt cx="9399580" cy="3101067"/>
           </a:xfrm>
         </p:grpSpPr>
         <p:sp>
           <p:nvSpPr>
-            <p:cNvPr id="27" name="Rectangle 26">
+            <p:cNvPr id="15" name="Rectangle 14">
               <a:extLst>
                 <a:ext uri="{FF2B5EF4-FFF2-40B4-BE49-F238E27FC236}">
-                  <a16:creationId xmlns:a16="http://schemas.microsoft.com/office/drawing/2014/main" id="{358CF491-448D-45CA-B028-B2275960FE08}"/>
+                  <a16:creationId xmlns:a16="http://schemas.microsoft.com/office/drawing/2014/main" id="{8C6EE312-38A3-4B39-B418-507DF02CE176}"/>
                 </a:ext>
               </a:extLst>
             </p:cNvPr>
@@ -5196,8 +7170,8 @@
           </p:nvSpPr>
           <p:spPr>
             <a:xfrm>
-              <a:off x="847454" y="4111386"/>
-              <a:ext cx="5068867" cy="205028"/>
+              <a:off x="1277945" y="4565001"/>
+              <a:ext cx="9383525" cy="505445"/>
             </a:xfrm>
             <a:prstGeom prst="rect">
               <a:avLst/>
@@ -5228,7 +7202,7 @@
             <a:p>
               <a:pPr algn="ctr"/>
               <a:r>
-                <a:rPr lang="en-US" sz="800">
+                <a:rPr lang="en-US" sz="1200" dirty="0">
                   <a:solidFill>
                     <a:schemeClr val="tx1"/>
                   </a:solidFill>
@@ -5242,10 +7216,10 @@
         </p:sp>
         <p:sp>
           <p:nvSpPr>
-            <p:cNvPr id="28" name="Rectangle 27">
+            <p:cNvPr id="16" name="Rectangle 15">
               <a:extLst>
                 <a:ext uri="{FF2B5EF4-FFF2-40B4-BE49-F238E27FC236}">
-                  <a16:creationId xmlns:a16="http://schemas.microsoft.com/office/drawing/2014/main" id="{E8CCF2B9-3926-4664-B692-C8F37E41EA74}"/>
+                  <a16:creationId xmlns:a16="http://schemas.microsoft.com/office/drawing/2014/main" id="{4185067B-9FE8-495C-B37A-5CF88A4D9CB6}"/>
                 </a:ext>
               </a:extLst>
             </p:cNvPr>
@@ -5254,8 +7228,8 @@
           </p:nvSpPr>
           <p:spPr>
             <a:xfrm>
-              <a:off x="847458" y="3818335"/>
-              <a:ext cx="5068869" cy="205028"/>
+              <a:off x="1277957" y="3923086"/>
+              <a:ext cx="9383525" cy="514549"/>
             </a:xfrm>
             <a:prstGeom prst="rect">
               <a:avLst/>
@@ -5283,10 +7257,7 @@
             <a:p>
               <a:pPr algn="ctr"/>
               <a:r>
-                <a:rPr lang="en-US" sz="800">
-                  <a:solidFill>
-                    <a:schemeClr val="bg1"/>
-                  </a:solidFill>
+                <a:rPr lang="en-US" sz="1200" dirty="0">
                   <a:latin typeface="Segoe UI" panose="020B0502040204020203" pitchFamily="34" charset="0"/>
                   <a:cs typeface="Segoe UI" panose="020B0502040204020203" pitchFamily="34" charset="0"/>
                 </a:rPr>
@@ -5297,10 +7268,10 @@
         </p:sp>
         <p:sp>
           <p:nvSpPr>
-            <p:cNvPr id="40" name="Rectangle 39">
+            <p:cNvPr id="17" name="Rectangle 16">
               <a:extLst>
                 <a:ext uri="{FF2B5EF4-FFF2-40B4-BE49-F238E27FC236}">
-                  <a16:creationId xmlns:a16="http://schemas.microsoft.com/office/drawing/2014/main" id="{7FE2327B-74AC-4B57-9971-5D4691695928}"/>
+                  <a16:creationId xmlns:a16="http://schemas.microsoft.com/office/drawing/2014/main" id="{D5628A6A-EEE1-4ED4-AD6C-2E334CF885DF}"/>
                 </a:ext>
               </a:extLst>
             </p:cNvPr>
@@ -5309,8 +7280,8 @@
           </p:nvSpPr>
           <p:spPr>
             <a:xfrm>
-              <a:off x="847454" y="3525285"/>
-              <a:ext cx="2536272" cy="205028"/>
+              <a:off x="7447401" y="2628370"/>
+              <a:ext cx="3206040" cy="533641"/>
             </a:xfrm>
             <a:prstGeom prst="rect">
               <a:avLst/>
@@ -5341,7 +7312,65 @@
             <a:p>
               <a:pPr algn="ctr"/>
               <a:r>
-                <a:rPr lang="en-US" sz="800">
+                <a:rPr lang="en-US" sz="1200" dirty="0">
+                  <a:solidFill>
+                    <a:schemeClr val="tx1"/>
+                  </a:solidFill>
+                  <a:latin typeface="Segoe UI" panose="020B0502040204020203" pitchFamily="34" charset="0"/>
+                  <a:cs typeface="Segoe UI" panose="020B0502040204020203" pitchFamily="34" charset="0"/>
+                </a:rPr>
+                <a:t>Telco Sales CDM</a:t>
+              </a:r>
+            </a:p>
+          </p:txBody>
+        </p:sp>
+        <p:sp>
+          <p:nvSpPr>
+            <p:cNvPr id="18" name="Rectangle 17">
+              <a:extLst>
+                <a:ext uri="{FF2B5EF4-FFF2-40B4-BE49-F238E27FC236}">
+                  <a16:creationId xmlns:a16="http://schemas.microsoft.com/office/drawing/2014/main" id="{4E7FB3AB-5770-49B4-8179-4EBDEACDC2E0}"/>
+                </a:ext>
+              </a:extLst>
+            </p:cNvPr>
+            <p:cNvSpPr/>
+            <p:nvPr/>
+          </p:nvSpPr>
+          <p:spPr>
+            <a:xfrm>
+              <a:off x="5133860" y="3262080"/>
+              <a:ext cx="2206180" cy="542566"/>
+            </a:xfrm>
+            <a:prstGeom prst="rect">
+              <a:avLst/>
+            </a:prstGeom>
+            <a:solidFill>
+              <a:srgbClr val="CFDBF0"/>
+            </a:solidFill>
+          </p:spPr>
+          <p:style>
+            <a:lnRef idx="2">
+              <a:schemeClr val="accent1">
+                <a:shade val="50000"/>
+              </a:schemeClr>
+            </a:lnRef>
+            <a:fillRef idx="1">
+              <a:schemeClr val="accent1"/>
+            </a:fillRef>
+            <a:effectRef idx="0">
+              <a:schemeClr val="accent1"/>
+            </a:effectRef>
+            <a:fontRef idx="minor">
+              <a:schemeClr val="lt1"/>
+            </a:fontRef>
+          </p:style>
+          <p:txBody>
+            <a:bodyPr rtlCol="0" anchor="ctr"/>
+            <a:lstStyle/>
+            <a:p>
+              <a:pPr algn="ctr"/>
+              <a:r>
+                <a:rPr lang="en-US" sz="1200" dirty="0">
                   <a:solidFill>
                     <a:schemeClr val="tx1"/>
                   </a:solidFill>
@@ -5355,10 +7384,10 @@
         </p:sp>
         <p:sp>
           <p:nvSpPr>
-            <p:cNvPr id="11" name="Rectangle 10">
+            <p:cNvPr id="19" name="Rectangle 18">
               <a:extLst>
                 <a:ext uri="{FF2B5EF4-FFF2-40B4-BE49-F238E27FC236}">
-                  <a16:creationId xmlns:a16="http://schemas.microsoft.com/office/drawing/2014/main" id="{0AB331A4-7CF4-400A-9F6D-62F3237D2259}"/>
+                  <a16:creationId xmlns:a16="http://schemas.microsoft.com/office/drawing/2014/main" id="{940FB7DE-D473-4A8A-BAE2-1EDE66378D8D}"/>
                 </a:ext>
               </a:extLst>
             </p:cNvPr>
@@ -5367,8 +7396,66 @@
           </p:nvSpPr>
           <p:spPr>
             <a:xfrm>
-              <a:off x="3405161" y="3525285"/>
-              <a:ext cx="2511160" cy="205028"/>
+              <a:off x="7447401" y="1969379"/>
+              <a:ext cx="3206041" cy="585859"/>
+            </a:xfrm>
+            <a:prstGeom prst="rect">
+              <a:avLst/>
+            </a:prstGeom>
+            <a:solidFill>
+              <a:srgbClr val="CFDBF0"/>
+            </a:solidFill>
+          </p:spPr>
+          <p:style>
+            <a:lnRef idx="2">
+              <a:schemeClr val="accent1">
+                <a:shade val="50000"/>
+              </a:schemeClr>
+            </a:lnRef>
+            <a:fillRef idx="1">
+              <a:schemeClr val="accent1"/>
+            </a:fillRef>
+            <a:effectRef idx="0">
+              <a:schemeClr val="accent1"/>
+            </a:effectRef>
+            <a:fontRef idx="minor">
+              <a:schemeClr val="lt1"/>
+            </a:fontRef>
+          </p:style>
+          <p:txBody>
+            <a:bodyPr rtlCol="0" anchor="ctr"/>
+            <a:lstStyle/>
+            <a:p>
+              <a:pPr algn="ctr"/>
+              <a:r>
+                <a:rPr lang="en-US" sz="1200" dirty="0">
+                  <a:solidFill>
+                    <a:schemeClr val="tx1"/>
+                  </a:solidFill>
+                  <a:latin typeface="Segoe UI" panose="020B0502040204020203" pitchFamily="34" charset="0"/>
+                  <a:cs typeface="Segoe UI" panose="020B0502040204020203" pitchFamily="34" charset="0"/>
+                </a:rPr>
+                <a:t>Telco Sales Apps</a:t>
+              </a:r>
+            </a:p>
+          </p:txBody>
+        </p:sp>
+        <p:sp>
+          <p:nvSpPr>
+            <p:cNvPr id="20" name="Rectangle 19">
+              <a:extLst>
+                <a:ext uri="{FF2B5EF4-FFF2-40B4-BE49-F238E27FC236}">
+                  <a16:creationId xmlns:a16="http://schemas.microsoft.com/office/drawing/2014/main" id="{23D0156D-6EA5-42DB-BC58-9881459D1245}"/>
+                </a:ext>
+              </a:extLst>
+            </p:cNvPr>
+            <p:cNvSpPr/>
+            <p:nvPr/>
+          </p:nvSpPr>
+          <p:spPr>
+            <a:xfrm>
+              <a:off x="7447401" y="3262079"/>
+              <a:ext cx="3230121" cy="533641"/>
             </a:xfrm>
             <a:prstGeom prst="rect">
               <a:avLst/>
@@ -5399,7 +7486,7 @@
             <a:p>
               <a:pPr algn="ctr"/>
               <a:r>
-                <a:rPr lang="en-US" sz="800">
+                <a:rPr lang="en-US" sz="1400" dirty="0">
                   <a:solidFill>
                     <a:schemeClr val="tx1"/>
                   </a:solidFill>
@@ -5413,10 +7500,10 @@
         </p:sp>
         <p:sp>
           <p:nvSpPr>
-            <p:cNvPr id="12" name="Rectangle 11">
+            <p:cNvPr id="22" name="Rectangle 21">
               <a:extLst>
                 <a:ext uri="{FF2B5EF4-FFF2-40B4-BE49-F238E27FC236}">
-                  <a16:creationId xmlns:a16="http://schemas.microsoft.com/office/drawing/2014/main" id="{1144FBEC-A3F3-40B5-B5F8-A3DBB5AC45EB}"/>
+                  <a16:creationId xmlns:a16="http://schemas.microsoft.com/office/drawing/2014/main" id="{0E44CF22-6C65-48F9-92E6-5E352DB8F3A5}"/>
                 </a:ext>
               </a:extLst>
             </p:cNvPr>
@@ -5425,8 +7512,8 @@
           </p:nvSpPr>
           <p:spPr>
             <a:xfrm>
-              <a:off x="3381887" y="2939185"/>
-              <a:ext cx="2536272" cy="205028"/>
+              <a:off x="1277943" y="3280452"/>
+              <a:ext cx="3761241" cy="528222"/>
             </a:xfrm>
             <a:prstGeom prst="rect">
               <a:avLst/>
@@ -5457,24 +7544,24 @@
             <a:p>
               <a:pPr algn="ctr"/>
               <a:r>
-                <a:rPr lang="en-US" sz="800">
+                <a:rPr lang="en-US" sz="1200" dirty="0">
                   <a:solidFill>
                     <a:schemeClr val="tx1"/>
                   </a:solidFill>
                   <a:latin typeface="Segoe UI" panose="020B0502040204020203" pitchFamily="34" charset="0"/>
                   <a:cs typeface="Segoe UI" panose="020B0502040204020203" pitchFamily="34" charset="0"/>
                 </a:rPr>
-                <a:t>Telco Sales Apps</a:t>
+                <a:t>Telco Plant Maintenance CDM</a:t>
               </a:r>
             </a:p>
           </p:txBody>
         </p:sp>
         <p:sp>
           <p:nvSpPr>
-            <p:cNvPr id="13" name="Rectangle 12">
+            <p:cNvPr id="23" name="Rectangle 22">
               <a:extLst>
                 <a:ext uri="{FF2B5EF4-FFF2-40B4-BE49-F238E27FC236}">
-                  <a16:creationId xmlns:a16="http://schemas.microsoft.com/office/drawing/2014/main" id="{7F185ACF-7E66-4A04-8961-62CC22681BDF}"/>
+                  <a16:creationId xmlns:a16="http://schemas.microsoft.com/office/drawing/2014/main" id="{54ECBA65-B3EC-4287-B9C2-E826D93EBC16}"/>
                 </a:ext>
               </a:extLst>
             </p:cNvPr>
@@ -5483,8 +7570,8 @@
           </p:nvSpPr>
           <p:spPr>
             <a:xfrm>
-              <a:off x="3381887" y="3232235"/>
-              <a:ext cx="2536272" cy="205028"/>
+              <a:off x="1277942" y="2628370"/>
+              <a:ext cx="3761241" cy="533641"/>
             </a:xfrm>
             <a:prstGeom prst="rect">
               <a:avLst/>
@@ -5515,14 +7602,14 @@
             <a:p>
               <a:pPr algn="ctr"/>
               <a:r>
-                <a:rPr lang="en-US" sz="800">
+                <a:rPr lang="en-US" sz="1200" dirty="0">
                   <a:solidFill>
                     <a:schemeClr val="tx1"/>
                   </a:solidFill>
                   <a:latin typeface="Segoe UI" panose="020B0502040204020203" pitchFamily="34" charset="0"/>
                   <a:cs typeface="Segoe UI" panose="020B0502040204020203" pitchFamily="34" charset="0"/>
                 </a:rPr>
-                <a:t>Telco Sales CDM</a:t>
+                <a:t>Telco Plant Maintenance Apps</a:t>
               </a:r>
             </a:p>
           </p:txBody>
@@ -5572,7 +7659,7 @@
         </p:nvSpPr>
         <p:spPr>
           <a:xfrm flipH="1">
-            <a:off x="348341" y="457163"/>
+            <a:off x="348341" y="380045"/>
             <a:ext cx="8325395" cy="523220"/>
           </a:xfrm>
           <a:prstGeom prst="rect">
@@ -5587,63 +7674,12 @@
           <a:lstStyle/>
           <a:p>
             <a:r>
-              <a:rPr lang="en-US" sz="2800">
+              <a:rPr lang="en-US" sz="2800" dirty="0">
                 <a:latin typeface="Segoe UI" panose="020B0502040204020203" pitchFamily="34" charset="0"/>
                 <a:cs typeface="Segoe UI" panose="020B0502040204020203" pitchFamily="34" charset="0"/>
               </a:rPr>
               <a:t>Telco Apps -&gt; Enriched Entities</a:t>
             </a:r>
-          </a:p>
-        </p:txBody>
-      </p:sp>
-      <p:sp>
-        <p:nvSpPr>
-          <p:cNvPr id="14" name="Arrow: Right 13">
-            <a:extLst>
-              <a:ext uri="{FF2B5EF4-FFF2-40B4-BE49-F238E27FC236}">
-                <a16:creationId xmlns:a16="http://schemas.microsoft.com/office/drawing/2014/main" id="{498EAF91-BA3D-4CBD-A1B3-9D1153D46388}"/>
-              </a:ext>
-            </a:extLst>
-          </p:cNvPr>
-          <p:cNvSpPr/>
-          <p:nvPr/>
-        </p:nvSpPr>
-        <p:spPr>
-          <a:xfrm rot="10800000">
-            <a:off x="4542237" y="3198829"/>
-            <a:ext cx="808234" cy="523220"/>
-          </a:xfrm>
-          <a:prstGeom prst="rightArrow">
-            <a:avLst/>
-          </a:prstGeom>
-          <a:ln w="28575">
-            <a:solidFill>
-              <a:srgbClr val="FFC000"/>
-            </a:solidFill>
-          </a:ln>
-        </p:spPr>
-        <p:style>
-          <a:lnRef idx="2">
-            <a:schemeClr val="accent1">
-              <a:shade val="50000"/>
-            </a:schemeClr>
-          </a:lnRef>
-          <a:fillRef idx="1">
-            <a:schemeClr val="accent1"/>
-          </a:fillRef>
-          <a:effectRef idx="0">
-            <a:schemeClr val="accent1"/>
-          </a:effectRef>
-          <a:fontRef idx="minor">
-            <a:schemeClr val="lt1"/>
-          </a:fontRef>
-        </p:style>
-        <p:txBody>
-          <a:bodyPr rtlCol="0" anchor="ctr"/>
-          <a:lstStyle/>
-          <a:p>
-            <a:pPr algn="ctr"/>
-            <a:endParaRPr lang="en-US"/>
           </a:p>
         </p:txBody>
       </p:sp>
@@ -5693,7 +7729,7 @@
                     <a:lstStyle/>
                     <a:p>
                       <a:r>
-                        <a:rPr lang="en-US" sz="1400"/>
+                        <a:rPr lang="en-US" sz="1400" dirty="0"/>
                         <a:t>Entity Name</a:t>
                       </a:r>
                     </a:p>
@@ -5713,7 +7749,7 @@
                     <a:lstStyle/>
                     <a:p>
                       <a:r>
-                        <a:rPr lang="en-US" sz="1400"/>
+                        <a:rPr lang="en-US" sz="1400" dirty="0"/>
                         <a:t>Geographic Address</a:t>
                       </a:r>
                     </a:p>
@@ -5733,7 +7769,7 @@
                     <a:lstStyle/>
                     <a:p>
                       <a:r>
-                        <a:rPr lang="en-US" sz="1400"/>
+                        <a:rPr lang="en-US" sz="1400" dirty="0"/>
                         <a:t>Geographic Location</a:t>
                       </a:r>
                     </a:p>
@@ -5753,7 +7789,7 @@
                     <a:lstStyle/>
                     <a:p>
                       <a:r>
-                        <a:rPr lang="en-US" sz="1400"/>
+                        <a:rPr lang="en-US" sz="1400" dirty="0"/>
                         <a:t>Local Place</a:t>
                       </a:r>
                     </a:p>
@@ -5773,7 +7809,7 @@
                     <a:lstStyle/>
                     <a:p>
                       <a:r>
-                        <a:rPr lang="en-US" sz="1400"/>
+                        <a:rPr lang="en-US" sz="1400" dirty="0"/>
                         <a:t>Network Resource</a:t>
                       </a:r>
                     </a:p>
@@ -5810,7 +7846,7 @@
                         <a:defRPr/>
                       </a:pPr>
                       <a:r>
-                        <a:rPr lang="en-US" sz="1400"/>
+                        <a:rPr lang="en-US" sz="1400" dirty="0"/>
                         <a:t>Network Zone</a:t>
                       </a:r>
                     </a:p>
@@ -5830,7 +7866,7 @@
                     <a:lstStyle/>
                     <a:p>
                       <a:r>
-                        <a:rPr lang="en-US" sz="1400"/>
+                        <a:rPr lang="en-US" sz="1400" dirty="0"/>
                         <a:t>Service Area</a:t>
                       </a:r>
                     </a:p>
@@ -5849,10 +7885,10 @@
       </p:graphicFrame>
       <p:grpSp>
         <p:nvGrpSpPr>
-          <p:cNvPr id="11" name="Group 10">
+          <p:cNvPr id="15" name="Group 14">
             <a:extLst>
               <a:ext uri="{FF2B5EF4-FFF2-40B4-BE49-F238E27FC236}">
-                <a16:creationId xmlns:a16="http://schemas.microsoft.com/office/drawing/2014/main" id="{43060537-D90F-40EA-B921-3E21B111FDCC}"/>
+                <a16:creationId xmlns:a16="http://schemas.microsoft.com/office/drawing/2014/main" id="{6E3E4D6C-CFFE-4C5F-B82D-AF9A98E3A8F2}"/>
               </a:ext>
             </a:extLst>
           </p:cNvPr>
@@ -5861,18 +7897,18 @@
         </p:nvGrpSpPr>
         <p:grpSpPr>
           <a:xfrm>
-            <a:off x="5485461" y="2740385"/>
-            <a:ext cx="5070705" cy="1377229"/>
-            <a:chOff x="847454" y="2939185"/>
-            <a:chExt cx="5070705" cy="1377229"/>
+            <a:off x="5628775" y="1909905"/>
+            <a:ext cx="6302493" cy="3101067"/>
+            <a:chOff x="1277942" y="1969379"/>
+            <a:chExt cx="9399580" cy="3101067"/>
           </a:xfrm>
         </p:grpSpPr>
         <p:sp>
           <p:nvSpPr>
-            <p:cNvPr id="13" name="Rectangle 12">
+            <p:cNvPr id="16" name="Rectangle 15">
               <a:extLst>
                 <a:ext uri="{FF2B5EF4-FFF2-40B4-BE49-F238E27FC236}">
-                  <a16:creationId xmlns:a16="http://schemas.microsoft.com/office/drawing/2014/main" id="{55EAE487-69F5-45FF-AF22-EA6A872D9179}"/>
+                  <a16:creationId xmlns:a16="http://schemas.microsoft.com/office/drawing/2014/main" id="{FE19EFD3-5AE3-4860-A650-78AD1409D533}"/>
                 </a:ext>
               </a:extLst>
             </p:cNvPr>
@@ -5881,8 +7917,8 @@
           </p:nvSpPr>
           <p:spPr>
             <a:xfrm>
-              <a:off x="847454" y="4111386"/>
-              <a:ext cx="5068867" cy="205028"/>
+              <a:off x="1277945" y="4565001"/>
+              <a:ext cx="9383525" cy="505445"/>
             </a:xfrm>
             <a:prstGeom prst="rect">
               <a:avLst/>
@@ -5913,7 +7949,7 @@
             <a:p>
               <a:pPr algn="ctr"/>
               <a:r>
-                <a:rPr lang="en-US" sz="800">
+                <a:rPr lang="en-US" sz="1200" dirty="0">
                   <a:solidFill>
                     <a:schemeClr val="tx1"/>
                   </a:solidFill>
@@ -5927,10 +7963,10 @@
         </p:sp>
         <p:sp>
           <p:nvSpPr>
-            <p:cNvPr id="21" name="Rectangle 20">
+            <p:cNvPr id="17" name="Rectangle 16">
               <a:extLst>
                 <a:ext uri="{FF2B5EF4-FFF2-40B4-BE49-F238E27FC236}">
-                  <a16:creationId xmlns:a16="http://schemas.microsoft.com/office/drawing/2014/main" id="{9DFEB5E1-C084-4F8E-BE74-AB687528A474}"/>
+                  <a16:creationId xmlns:a16="http://schemas.microsoft.com/office/drawing/2014/main" id="{1B0203FB-6D71-4A11-9E72-4904BF884C1B}"/>
                 </a:ext>
               </a:extLst>
             </p:cNvPr>
@@ -5939,63 +7975,8 @@
           </p:nvSpPr>
           <p:spPr>
             <a:xfrm>
-              <a:off x="847458" y="3818335"/>
-              <a:ext cx="5068869" cy="205028"/>
-            </a:xfrm>
-            <a:prstGeom prst="rect">
-              <a:avLst/>
-            </a:prstGeom>
-          </p:spPr>
-          <p:style>
-            <a:lnRef idx="2">
-              <a:schemeClr val="accent1">
-                <a:shade val="50000"/>
-              </a:schemeClr>
-            </a:lnRef>
-            <a:fillRef idx="1">
-              <a:schemeClr val="accent1"/>
-            </a:fillRef>
-            <a:effectRef idx="0">
-              <a:schemeClr val="accent1"/>
-            </a:effectRef>
-            <a:fontRef idx="minor">
-              <a:schemeClr val="lt1"/>
-            </a:fontRef>
-          </p:style>
-          <p:txBody>
-            <a:bodyPr rtlCol="0" anchor="ctr"/>
-            <a:lstStyle/>
-            <a:p>
-              <a:pPr algn="ctr"/>
-              <a:r>
-                <a:rPr lang="en-US" sz="800">
-                  <a:solidFill>
-                    <a:schemeClr val="bg1"/>
-                  </a:solidFill>
-                  <a:latin typeface="Segoe UI" panose="020B0502040204020203" pitchFamily="34" charset="0"/>
-                  <a:cs typeface="Segoe UI" panose="020B0502040204020203" pitchFamily="34" charset="0"/>
-                </a:rPr>
-                <a:t>Telco Common CDM</a:t>
-              </a:r>
-            </a:p>
-          </p:txBody>
-        </p:sp>
-        <p:sp>
-          <p:nvSpPr>
-            <p:cNvPr id="22" name="Rectangle 21">
-              <a:extLst>
-                <a:ext uri="{FF2B5EF4-FFF2-40B4-BE49-F238E27FC236}">
-                  <a16:creationId xmlns:a16="http://schemas.microsoft.com/office/drawing/2014/main" id="{ABB20CEB-63C8-4943-AA91-4B243EFB1DCA}"/>
-                </a:ext>
-              </a:extLst>
-            </p:cNvPr>
-            <p:cNvSpPr/>
-            <p:nvPr/>
-          </p:nvSpPr>
-          <p:spPr>
-            <a:xfrm>
-              <a:off x="847454" y="3525285"/>
-              <a:ext cx="2536272" cy="205028"/>
+              <a:off x="1277957" y="3923086"/>
+              <a:ext cx="9383525" cy="514549"/>
             </a:xfrm>
             <a:prstGeom prst="rect">
               <a:avLst/>
@@ -6026,10 +8007,120 @@
             <a:p>
               <a:pPr algn="ctr"/>
               <a:r>
-                <a:rPr lang="en-US" sz="800">
+                <a:rPr lang="en-US" sz="1200" dirty="0">
                   <a:solidFill>
                     <a:schemeClr val="tx1"/>
                   </a:solidFill>
+                  <a:latin typeface="Segoe UI" panose="020B0502040204020203" pitchFamily="34" charset="0"/>
+                  <a:cs typeface="Segoe UI" panose="020B0502040204020203" pitchFamily="34" charset="0"/>
+                </a:rPr>
+                <a:t>Telco Common CDM</a:t>
+              </a:r>
+            </a:p>
+          </p:txBody>
+        </p:sp>
+        <p:sp>
+          <p:nvSpPr>
+            <p:cNvPr id="18" name="Rectangle 17">
+              <a:extLst>
+                <a:ext uri="{FF2B5EF4-FFF2-40B4-BE49-F238E27FC236}">
+                  <a16:creationId xmlns:a16="http://schemas.microsoft.com/office/drawing/2014/main" id="{BABACCC0-F08B-40B8-9451-1CD3D00E915D}"/>
+                </a:ext>
+              </a:extLst>
+            </p:cNvPr>
+            <p:cNvSpPr/>
+            <p:nvPr/>
+          </p:nvSpPr>
+          <p:spPr>
+            <a:xfrm>
+              <a:off x="7447401" y="2628370"/>
+              <a:ext cx="3206040" cy="533641"/>
+            </a:xfrm>
+            <a:prstGeom prst="rect">
+              <a:avLst/>
+            </a:prstGeom>
+            <a:solidFill>
+              <a:srgbClr val="CFDBF0"/>
+            </a:solidFill>
+          </p:spPr>
+          <p:style>
+            <a:lnRef idx="2">
+              <a:schemeClr val="accent1">
+                <a:shade val="50000"/>
+              </a:schemeClr>
+            </a:lnRef>
+            <a:fillRef idx="1">
+              <a:schemeClr val="accent1"/>
+            </a:fillRef>
+            <a:effectRef idx="0">
+              <a:schemeClr val="accent1"/>
+            </a:effectRef>
+            <a:fontRef idx="minor">
+              <a:schemeClr val="lt1"/>
+            </a:fontRef>
+          </p:style>
+          <p:txBody>
+            <a:bodyPr rtlCol="0" anchor="ctr"/>
+            <a:lstStyle/>
+            <a:p>
+              <a:pPr algn="ctr"/>
+              <a:r>
+                <a:rPr lang="en-US" sz="1200" dirty="0">
+                  <a:solidFill>
+                    <a:schemeClr val="tx1"/>
+                  </a:solidFill>
+                  <a:latin typeface="Segoe UI" panose="020B0502040204020203" pitchFamily="34" charset="0"/>
+                  <a:cs typeface="Segoe UI" panose="020B0502040204020203" pitchFamily="34" charset="0"/>
+                </a:rPr>
+                <a:t>Telco Sales CDM</a:t>
+              </a:r>
+            </a:p>
+          </p:txBody>
+        </p:sp>
+        <p:sp>
+          <p:nvSpPr>
+            <p:cNvPr id="19" name="Rectangle 18">
+              <a:extLst>
+                <a:ext uri="{FF2B5EF4-FFF2-40B4-BE49-F238E27FC236}">
+                  <a16:creationId xmlns:a16="http://schemas.microsoft.com/office/drawing/2014/main" id="{8C8DBE88-B6ED-400A-8592-CCF39B833D9D}"/>
+                </a:ext>
+              </a:extLst>
+            </p:cNvPr>
+            <p:cNvSpPr/>
+            <p:nvPr/>
+          </p:nvSpPr>
+          <p:spPr>
+            <a:xfrm>
+              <a:off x="5133860" y="3262080"/>
+              <a:ext cx="2206180" cy="542566"/>
+            </a:xfrm>
+            <a:prstGeom prst="rect">
+              <a:avLst/>
+            </a:prstGeom>
+          </p:spPr>
+          <p:style>
+            <a:lnRef idx="2">
+              <a:schemeClr val="accent1">
+                <a:shade val="50000"/>
+              </a:schemeClr>
+            </a:lnRef>
+            <a:fillRef idx="1">
+              <a:schemeClr val="accent1"/>
+            </a:fillRef>
+            <a:effectRef idx="0">
+              <a:schemeClr val="accent1"/>
+            </a:effectRef>
+            <a:fontRef idx="minor">
+              <a:schemeClr val="lt1"/>
+            </a:fontRef>
+          </p:style>
+          <p:txBody>
+            <a:bodyPr rtlCol="0" anchor="ctr"/>
+            <a:lstStyle/>
+            <a:p>
+              <a:pPr algn="ctr"/>
+              <a:r>
+                <a:rPr lang="en-US" sz="1200" dirty="0">
                   <a:latin typeface="Segoe UI" panose="020B0502040204020203" pitchFamily="34" charset="0"/>
                   <a:cs typeface="Segoe UI" panose="020B0502040204020203" pitchFamily="34" charset="0"/>
                 </a:rPr>
@@ -6040,10 +8131,10 @@
         </p:sp>
         <p:sp>
           <p:nvSpPr>
-            <p:cNvPr id="23" name="Rectangle 22">
+            <p:cNvPr id="20" name="Rectangle 19">
               <a:extLst>
                 <a:ext uri="{FF2B5EF4-FFF2-40B4-BE49-F238E27FC236}">
-                  <a16:creationId xmlns:a16="http://schemas.microsoft.com/office/drawing/2014/main" id="{0823BEC8-B575-46DF-83CD-C0AD7191DEF2}"/>
+                  <a16:creationId xmlns:a16="http://schemas.microsoft.com/office/drawing/2014/main" id="{05EB78EA-A059-4F25-9653-9235364891D2}"/>
                 </a:ext>
               </a:extLst>
             </p:cNvPr>
@@ -6052,8 +8143,66 @@
           </p:nvSpPr>
           <p:spPr>
             <a:xfrm>
-              <a:off x="3405161" y="3525285"/>
-              <a:ext cx="2511160" cy="205028"/>
+              <a:off x="7447401" y="1969379"/>
+              <a:ext cx="3206041" cy="585859"/>
+            </a:xfrm>
+            <a:prstGeom prst="rect">
+              <a:avLst/>
+            </a:prstGeom>
+            <a:solidFill>
+              <a:srgbClr val="CFDBF0"/>
+            </a:solidFill>
+          </p:spPr>
+          <p:style>
+            <a:lnRef idx="2">
+              <a:schemeClr val="accent1">
+                <a:shade val="50000"/>
+              </a:schemeClr>
+            </a:lnRef>
+            <a:fillRef idx="1">
+              <a:schemeClr val="accent1"/>
+            </a:fillRef>
+            <a:effectRef idx="0">
+              <a:schemeClr val="accent1"/>
+            </a:effectRef>
+            <a:fontRef idx="minor">
+              <a:schemeClr val="lt1"/>
+            </a:fontRef>
+          </p:style>
+          <p:txBody>
+            <a:bodyPr rtlCol="0" anchor="ctr"/>
+            <a:lstStyle/>
+            <a:p>
+              <a:pPr algn="ctr"/>
+              <a:r>
+                <a:rPr lang="en-US" sz="1200" dirty="0">
+                  <a:solidFill>
+                    <a:schemeClr val="tx1"/>
+                  </a:solidFill>
+                  <a:latin typeface="Segoe UI" panose="020B0502040204020203" pitchFamily="34" charset="0"/>
+                  <a:cs typeface="Segoe UI" panose="020B0502040204020203" pitchFamily="34" charset="0"/>
+                </a:rPr>
+                <a:t>Telco Sales Apps</a:t>
+              </a:r>
+            </a:p>
+          </p:txBody>
+        </p:sp>
+        <p:sp>
+          <p:nvSpPr>
+            <p:cNvPr id="26" name="Rectangle 25">
+              <a:extLst>
+                <a:ext uri="{FF2B5EF4-FFF2-40B4-BE49-F238E27FC236}">
+                  <a16:creationId xmlns:a16="http://schemas.microsoft.com/office/drawing/2014/main" id="{2DC0C3B1-87AF-462C-BE4E-840957A9705F}"/>
+                </a:ext>
+              </a:extLst>
+            </p:cNvPr>
+            <p:cNvSpPr/>
+            <p:nvPr/>
+          </p:nvSpPr>
+          <p:spPr>
+            <a:xfrm>
+              <a:off x="7447401" y="3262079"/>
+              <a:ext cx="3230121" cy="533641"/>
             </a:xfrm>
             <a:prstGeom prst="rect">
               <a:avLst/>
@@ -6084,7 +8233,7 @@
             <a:p>
               <a:pPr algn="ctr"/>
               <a:r>
-                <a:rPr lang="en-US" sz="800">
+                <a:rPr lang="en-US" sz="1400" dirty="0">
                   <a:solidFill>
                     <a:schemeClr val="tx1"/>
                   </a:solidFill>
@@ -6098,10 +8247,10 @@
         </p:sp>
         <p:sp>
           <p:nvSpPr>
-            <p:cNvPr id="24" name="Rectangle 23">
+            <p:cNvPr id="27" name="Rectangle 26">
               <a:extLst>
                 <a:ext uri="{FF2B5EF4-FFF2-40B4-BE49-F238E27FC236}">
-                  <a16:creationId xmlns:a16="http://schemas.microsoft.com/office/drawing/2014/main" id="{7BB41F05-87D8-4BFF-AC80-2F7D896A305D}"/>
+                  <a16:creationId xmlns:a16="http://schemas.microsoft.com/office/drawing/2014/main" id="{F282B2B4-CDFA-4C3B-B78B-72BEAC9F43D9}"/>
                 </a:ext>
               </a:extLst>
             </p:cNvPr>
@@ -6110,8 +8259,8 @@
           </p:nvSpPr>
           <p:spPr>
             <a:xfrm>
-              <a:off x="3381887" y="2939185"/>
-              <a:ext cx="2536272" cy="205028"/>
+              <a:off x="1277943" y="3280452"/>
+              <a:ext cx="3761241" cy="528222"/>
             </a:xfrm>
             <a:prstGeom prst="rect">
               <a:avLst/>
@@ -6142,24 +8291,24 @@
             <a:p>
               <a:pPr algn="ctr"/>
               <a:r>
-                <a:rPr lang="en-US" sz="800">
+                <a:rPr lang="en-US" sz="1200" dirty="0">
                   <a:solidFill>
                     <a:schemeClr val="tx1"/>
                   </a:solidFill>
                   <a:latin typeface="Segoe UI" panose="020B0502040204020203" pitchFamily="34" charset="0"/>
                   <a:cs typeface="Segoe UI" panose="020B0502040204020203" pitchFamily="34" charset="0"/>
                 </a:rPr>
-                <a:t>Telco Sales Apps</a:t>
+                <a:t>Telco Plant Maintenance  CDM</a:t>
               </a:r>
             </a:p>
           </p:txBody>
         </p:sp>
         <p:sp>
           <p:nvSpPr>
-            <p:cNvPr id="25" name="Rectangle 24">
+            <p:cNvPr id="28" name="Rectangle 27">
               <a:extLst>
                 <a:ext uri="{FF2B5EF4-FFF2-40B4-BE49-F238E27FC236}">
-                  <a16:creationId xmlns:a16="http://schemas.microsoft.com/office/drawing/2014/main" id="{8D7007A5-C61F-4A9F-B06B-63A09D873DF9}"/>
+                  <a16:creationId xmlns:a16="http://schemas.microsoft.com/office/drawing/2014/main" id="{C342EE74-1007-4D3D-A5E8-F70186B71F48}"/>
                 </a:ext>
               </a:extLst>
             </p:cNvPr>
@@ -6168,8 +8317,8 @@
           </p:nvSpPr>
           <p:spPr>
             <a:xfrm>
-              <a:off x="3381887" y="3232235"/>
-              <a:ext cx="2536272" cy="205028"/>
+              <a:off x="1277942" y="2628370"/>
+              <a:ext cx="3761241" cy="533641"/>
             </a:xfrm>
             <a:prstGeom prst="rect">
               <a:avLst/>
@@ -6200,19 +8349,70 @@
             <a:p>
               <a:pPr algn="ctr"/>
               <a:r>
-                <a:rPr lang="en-US" sz="800">
+                <a:rPr lang="en-US" sz="1200" dirty="0">
                   <a:solidFill>
                     <a:schemeClr val="tx1"/>
                   </a:solidFill>
                   <a:latin typeface="Segoe UI" panose="020B0502040204020203" pitchFamily="34" charset="0"/>
                   <a:cs typeface="Segoe UI" panose="020B0502040204020203" pitchFamily="34" charset="0"/>
                 </a:rPr>
-                <a:t>Telco Sales CDM</a:t>
+                <a:t>Telco Plant Maintenance Apps</a:t>
               </a:r>
             </a:p>
           </p:txBody>
         </p:sp>
       </p:grpSp>
+      <p:sp>
+        <p:nvSpPr>
+          <p:cNvPr id="14" name="Arrow: Right 13">
+            <a:extLst>
+              <a:ext uri="{FF2B5EF4-FFF2-40B4-BE49-F238E27FC236}">
+                <a16:creationId xmlns:a16="http://schemas.microsoft.com/office/drawing/2014/main" id="{498EAF91-BA3D-4CBD-A1B3-9D1153D46388}"/>
+              </a:ext>
+            </a:extLst>
+          </p:cNvPr>
+          <p:cNvSpPr/>
+          <p:nvPr/>
+        </p:nvSpPr>
+        <p:spPr>
+          <a:xfrm rot="10800000">
+            <a:off x="4542237" y="3198829"/>
+            <a:ext cx="3608480" cy="523220"/>
+          </a:xfrm>
+          <a:prstGeom prst="rightArrow">
+            <a:avLst/>
+          </a:prstGeom>
+          <a:ln w="28575">
+            <a:solidFill>
+              <a:srgbClr val="FFC000"/>
+            </a:solidFill>
+          </a:ln>
+        </p:spPr>
+        <p:style>
+          <a:lnRef idx="2">
+            <a:schemeClr val="accent1">
+              <a:shade val="50000"/>
+            </a:schemeClr>
+          </a:lnRef>
+          <a:fillRef idx="1">
+            <a:schemeClr val="accent1"/>
+          </a:fillRef>
+          <a:effectRef idx="0">
+            <a:schemeClr val="accent1"/>
+          </a:effectRef>
+          <a:fontRef idx="minor">
+            <a:schemeClr val="lt1"/>
+          </a:fontRef>
+        </p:style>
+        <p:txBody>
+          <a:bodyPr rtlCol="0" anchor="ctr"/>
+          <a:lstStyle/>
+          <a:p>
+            <a:pPr algn="ctr"/>
+            <a:endParaRPr lang="en-US" dirty="0"/>
+          </a:p>
+        </p:txBody>
+      </p:sp>
     </p:spTree>
     <p:extLst>
       <p:ext uri="{BB962C8B-B14F-4D97-AF65-F5344CB8AC3E}">
@@ -6272,7 +8472,7 @@
           <a:lstStyle/>
           <a:p>
             <a:r>
-              <a:rPr lang="en-US" sz="2800">
+              <a:rPr lang="en-US" sz="2800" dirty="0">
                 <a:latin typeface="Segoe UI" panose="020B0502040204020203" pitchFamily="34" charset="0"/>
                 <a:cs typeface="Segoe UI" panose="020B0502040204020203" pitchFamily="34" charset="0"/>
               </a:rPr>
@@ -6281,423 +8481,6 @@
           </a:p>
         </p:txBody>
       </p:sp>
-      <p:sp>
-        <p:nvSpPr>
-          <p:cNvPr id="14" name="Arrow: Right 13">
-            <a:extLst>
-              <a:ext uri="{FF2B5EF4-FFF2-40B4-BE49-F238E27FC236}">
-                <a16:creationId xmlns:a16="http://schemas.microsoft.com/office/drawing/2014/main" id="{498EAF91-BA3D-4CBD-A1B3-9D1153D46388}"/>
-              </a:ext>
-            </a:extLst>
-          </p:cNvPr>
-          <p:cNvSpPr/>
-          <p:nvPr/>
-        </p:nvSpPr>
-        <p:spPr>
-          <a:xfrm rot="10800000">
-            <a:off x="5285187" y="3227404"/>
-            <a:ext cx="808234" cy="523220"/>
-          </a:xfrm>
-          <a:prstGeom prst="rightArrow">
-            <a:avLst/>
-          </a:prstGeom>
-          <a:ln w="28575">
-            <a:solidFill>
-              <a:srgbClr val="FFC000"/>
-            </a:solidFill>
-          </a:ln>
-        </p:spPr>
-        <p:style>
-          <a:lnRef idx="2">
-            <a:schemeClr val="accent1">
-              <a:shade val="50000"/>
-            </a:schemeClr>
-          </a:lnRef>
-          <a:fillRef idx="1">
-            <a:schemeClr val="accent1"/>
-          </a:fillRef>
-          <a:effectRef idx="0">
-            <a:schemeClr val="accent1"/>
-          </a:effectRef>
-          <a:fontRef idx="minor">
-            <a:schemeClr val="lt1"/>
-          </a:fontRef>
-        </p:style>
-        <p:txBody>
-          <a:bodyPr rtlCol="0" anchor="ctr"/>
-          <a:lstStyle/>
-          <a:p>
-            <a:pPr algn="ctr"/>
-            <a:endParaRPr lang="en-US"/>
-          </a:p>
-        </p:txBody>
-      </p:sp>
-      <p:grpSp>
-        <p:nvGrpSpPr>
-          <p:cNvPr id="11" name="Group 10">
-            <a:extLst>
-              <a:ext uri="{FF2B5EF4-FFF2-40B4-BE49-F238E27FC236}">
-                <a16:creationId xmlns:a16="http://schemas.microsoft.com/office/drawing/2014/main" id="{43060537-D90F-40EA-B921-3E21B111FDCC}"/>
-              </a:ext>
-            </a:extLst>
-          </p:cNvPr>
-          <p:cNvGrpSpPr/>
-          <p:nvPr/>
-        </p:nvGrpSpPr>
-        <p:grpSpPr>
-          <a:xfrm>
-            <a:off x="6228411" y="2768960"/>
-            <a:ext cx="5070705" cy="1377229"/>
-            <a:chOff x="847454" y="2939185"/>
-            <a:chExt cx="5070705" cy="1377229"/>
-          </a:xfrm>
-        </p:grpSpPr>
-        <p:sp>
-          <p:nvSpPr>
-            <p:cNvPr id="13" name="Rectangle 12">
-              <a:extLst>
-                <a:ext uri="{FF2B5EF4-FFF2-40B4-BE49-F238E27FC236}">
-                  <a16:creationId xmlns:a16="http://schemas.microsoft.com/office/drawing/2014/main" id="{55EAE487-69F5-45FF-AF22-EA6A872D9179}"/>
-                </a:ext>
-              </a:extLst>
-            </p:cNvPr>
-            <p:cNvSpPr/>
-            <p:nvPr/>
-          </p:nvSpPr>
-          <p:spPr>
-            <a:xfrm>
-              <a:off x="847454" y="4111386"/>
-              <a:ext cx="5068867" cy="205028"/>
-            </a:xfrm>
-            <a:prstGeom prst="rect">
-              <a:avLst/>
-            </a:prstGeom>
-            <a:solidFill>
-              <a:srgbClr val="FFEFBD"/>
-            </a:solidFill>
-          </p:spPr>
-          <p:style>
-            <a:lnRef idx="2">
-              <a:schemeClr val="accent4">
-                <a:shade val="50000"/>
-              </a:schemeClr>
-            </a:lnRef>
-            <a:fillRef idx="1">
-              <a:schemeClr val="accent4"/>
-            </a:fillRef>
-            <a:effectRef idx="0">
-              <a:schemeClr val="accent4"/>
-            </a:effectRef>
-            <a:fontRef idx="minor">
-              <a:schemeClr val="lt1"/>
-            </a:fontRef>
-          </p:style>
-          <p:txBody>
-            <a:bodyPr rtlCol="0" anchor="ctr"/>
-            <a:lstStyle/>
-            <a:p>
-              <a:pPr algn="ctr"/>
-              <a:r>
-                <a:rPr lang="en-US" sz="800">
-                  <a:solidFill>
-                    <a:schemeClr val="tx1"/>
-                  </a:solidFill>
-                  <a:latin typeface="Segoe UI" panose="020B0502040204020203" pitchFamily="34" charset="0"/>
-                  <a:cs typeface="Segoe UI" panose="020B0502040204020203" pitchFamily="34" charset="0"/>
-                </a:rPr>
-                <a:t>Microsoft Dataverse</a:t>
-              </a:r>
-            </a:p>
-          </p:txBody>
-        </p:sp>
-        <p:sp>
-          <p:nvSpPr>
-            <p:cNvPr id="21" name="Rectangle 20">
-              <a:extLst>
-                <a:ext uri="{FF2B5EF4-FFF2-40B4-BE49-F238E27FC236}">
-                  <a16:creationId xmlns:a16="http://schemas.microsoft.com/office/drawing/2014/main" id="{9DFEB5E1-C084-4F8E-BE74-AB687528A474}"/>
-                </a:ext>
-              </a:extLst>
-            </p:cNvPr>
-            <p:cNvSpPr/>
-            <p:nvPr/>
-          </p:nvSpPr>
-          <p:spPr>
-            <a:xfrm>
-              <a:off x="847458" y="3818335"/>
-              <a:ext cx="5068869" cy="205028"/>
-            </a:xfrm>
-            <a:prstGeom prst="rect">
-              <a:avLst/>
-            </a:prstGeom>
-          </p:spPr>
-          <p:style>
-            <a:lnRef idx="2">
-              <a:schemeClr val="accent1">
-                <a:shade val="50000"/>
-              </a:schemeClr>
-            </a:lnRef>
-            <a:fillRef idx="1">
-              <a:schemeClr val="accent1"/>
-            </a:fillRef>
-            <a:effectRef idx="0">
-              <a:schemeClr val="accent1"/>
-            </a:effectRef>
-            <a:fontRef idx="minor">
-              <a:schemeClr val="lt1"/>
-            </a:fontRef>
-          </p:style>
-          <p:txBody>
-            <a:bodyPr rtlCol="0" anchor="ctr"/>
-            <a:lstStyle/>
-            <a:p>
-              <a:pPr algn="ctr"/>
-              <a:r>
-                <a:rPr lang="en-US" sz="800">
-                  <a:solidFill>
-                    <a:schemeClr val="bg1"/>
-                  </a:solidFill>
-                  <a:latin typeface="Segoe UI" panose="020B0502040204020203" pitchFamily="34" charset="0"/>
-                  <a:cs typeface="Segoe UI" panose="020B0502040204020203" pitchFamily="34" charset="0"/>
-                </a:rPr>
-                <a:t>Telco Common CDM</a:t>
-              </a:r>
-            </a:p>
-          </p:txBody>
-        </p:sp>
-        <p:sp>
-          <p:nvSpPr>
-            <p:cNvPr id="22" name="Rectangle 21">
-              <a:extLst>
-                <a:ext uri="{FF2B5EF4-FFF2-40B4-BE49-F238E27FC236}">
-                  <a16:creationId xmlns:a16="http://schemas.microsoft.com/office/drawing/2014/main" id="{ABB20CEB-63C8-4943-AA91-4B243EFB1DCA}"/>
-                </a:ext>
-              </a:extLst>
-            </p:cNvPr>
-            <p:cNvSpPr/>
-            <p:nvPr/>
-          </p:nvSpPr>
-          <p:spPr>
-            <a:xfrm>
-              <a:off x="847454" y="3525285"/>
-              <a:ext cx="2536272" cy="205028"/>
-            </a:xfrm>
-            <a:prstGeom prst="rect">
-              <a:avLst/>
-            </a:prstGeom>
-            <a:solidFill>
-              <a:srgbClr val="CFDBF0"/>
-            </a:solidFill>
-          </p:spPr>
-          <p:style>
-            <a:lnRef idx="2">
-              <a:schemeClr val="accent1">
-                <a:shade val="50000"/>
-              </a:schemeClr>
-            </a:lnRef>
-            <a:fillRef idx="1">
-              <a:schemeClr val="accent1"/>
-            </a:fillRef>
-            <a:effectRef idx="0">
-              <a:schemeClr val="accent1"/>
-            </a:effectRef>
-            <a:fontRef idx="minor">
-              <a:schemeClr val="lt1"/>
-            </a:fontRef>
-          </p:style>
-          <p:txBody>
-            <a:bodyPr rtlCol="0" anchor="ctr"/>
-            <a:lstStyle/>
-            <a:p>
-              <a:pPr algn="ctr"/>
-              <a:r>
-                <a:rPr lang="en-US" sz="800">
-                  <a:solidFill>
-                    <a:schemeClr val="tx1"/>
-                  </a:solidFill>
-                  <a:latin typeface="Segoe UI" panose="020B0502040204020203" pitchFamily="34" charset="0"/>
-                  <a:cs typeface="Segoe UI" panose="020B0502040204020203" pitchFamily="34" charset="0"/>
-                </a:rPr>
-                <a:t>Telco Apps</a:t>
-              </a:r>
-            </a:p>
-          </p:txBody>
-        </p:sp>
-        <p:sp>
-          <p:nvSpPr>
-            <p:cNvPr id="23" name="Rectangle 22">
-              <a:extLst>
-                <a:ext uri="{FF2B5EF4-FFF2-40B4-BE49-F238E27FC236}">
-                  <a16:creationId xmlns:a16="http://schemas.microsoft.com/office/drawing/2014/main" id="{0823BEC8-B575-46DF-83CD-C0AD7191DEF2}"/>
-                </a:ext>
-              </a:extLst>
-            </p:cNvPr>
-            <p:cNvSpPr/>
-            <p:nvPr/>
-          </p:nvSpPr>
-          <p:spPr>
-            <a:xfrm>
-              <a:off x="3405161" y="3525285"/>
-              <a:ext cx="2511160" cy="205028"/>
-            </a:xfrm>
-            <a:prstGeom prst="rect">
-              <a:avLst/>
-            </a:prstGeom>
-            <a:solidFill>
-              <a:srgbClr val="FFEFBD"/>
-            </a:solidFill>
-          </p:spPr>
-          <p:style>
-            <a:lnRef idx="2">
-              <a:schemeClr val="accent4">
-                <a:shade val="50000"/>
-              </a:schemeClr>
-            </a:lnRef>
-            <a:fillRef idx="1">
-              <a:schemeClr val="accent4"/>
-            </a:fillRef>
-            <a:effectRef idx="0">
-              <a:schemeClr val="accent4"/>
-            </a:effectRef>
-            <a:fontRef idx="minor">
-              <a:schemeClr val="lt1"/>
-            </a:fontRef>
-          </p:style>
-          <p:txBody>
-            <a:bodyPr rtlCol="0" anchor="ctr"/>
-            <a:lstStyle/>
-            <a:p>
-              <a:pPr algn="ctr"/>
-              <a:r>
-                <a:rPr lang="en-US" sz="800">
-                  <a:solidFill>
-                    <a:schemeClr val="tx1"/>
-                  </a:solidFill>
-                  <a:latin typeface="Segoe UI" panose="020B0502040204020203" pitchFamily="34" charset="0"/>
-                  <a:cs typeface="Segoe UI" panose="020B0502040204020203" pitchFamily="34" charset="0"/>
-                </a:rPr>
-                <a:t>Dynamics 365 Sales</a:t>
-              </a:r>
-            </a:p>
-          </p:txBody>
-        </p:sp>
-        <p:sp>
-          <p:nvSpPr>
-            <p:cNvPr id="24" name="Rectangle 23">
-              <a:extLst>
-                <a:ext uri="{FF2B5EF4-FFF2-40B4-BE49-F238E27FC236}">
-                  <a16:creationId xmlns:a16="http://schemas.microsoft.com/office/drawing/2014/main" id="{7BB41F05-87D8-4BFF-AC80-2F7D896A305D}"/>
-                </a:ext>
-              </a:extLst>
-            </p:cNvPr>
-            <p:cNvSpPr/>
-            <p:nvPr/>
-          </p:nvSpPr>
-          <p:spPr>
-            <a:xfrm>
-              <a:off x="3381887" y="2939185"/>
-              <a:ext cx="2536272" cy="205028"/>
-            </a:xfrm>
-            <a:prstGeom prst="rect">
-              <a:avLst/>
-            </a:prstGeom>
-            <a:solidFill>
-              <a:srgbClr val="CFDBF0"/>
-            </a:solidFill>
-          </p:spPr>
-          <p:style>
-            <a:lnRef idx="2">
-              <a:schemeClr val="accent1">
-                <a:shade val="50000"/>
-              </a:schemeClr>
-            </a:lnRef>
-            <a:fillRef idx="1">
-              <a:schemeClr val="accent1"/>
-            </a:fillRef>
-            <a:effectRef idx="0">
-              <a:schemeClr val="accent1"/>
-            </a:effectRef>
-            <a:fontRef idx="minor">
-              <a:schemeClr val="lt1"/>
-            </a:fontRef>
-          </p:style>
-          <p:txBody>
-            <a:bodyPr rtlCol="0" anchor="ctr"/>
-            <a:lstStyle/>
-            <a:p>
-              <a:pPr algn="ctr"/>
-              <a:r>
-                <a:rPr lang="en-US" sz="800">
-                  <a:solidFill>
-                    <a:schemeClr val="tx1"/>
-                  </a:solidFill>
-                  <a:latin typeface="Segoe UI" panose="020B0502040204020203" pitchFamily="34" charset="0"/>
-                  <a:cs typeface="Segoe UI" panose="020B0502040204020203" pitchFamily="34" charset="0"/>
-                </a:rPr>
-                <a:t>Telco Sales Apps</a:t>
-              </a:r>
-            </a:p>
-          </p:txBody>
-        </p:sp>
-        <p:sp>
-          <p:nvSpPr>
-            <p:cNvPr id="25" name="Rectangle 24">
-              <a:extLst>
-                <a:ext uri="{FF2B5EF4-FFF2-40B4-BE49-F238E27FC236}">
-                  <a16:creationId xmlns:a16="http://schemas.microsoft.com/office/drawing/2014/main" id="{8D7007A5-C61F-4A9F-B06B-63A09D873DF9}"/>
-                </a:ext>
-              </a:extLst>
-            </p:cNvPr>
-            <p:cNvSpPr/>
-            <p:nvPr/>
-          </p:nvSpPr>
-          <p:spPr>
-            <a:xfrm>
-              <a:off x="3381887" y="3232235"/>
-              <a:ext cx="2536272" cy="205028"/>
-            </a:xfrm>
-            <a:prstGeom prst="rect">
-              <a:avLst/>
-            </a:prstGeom>
-            <a:solidFill>
-              <a:srgbClr val="CFDBF0"/>
-            </a:solidFill>
-          </p:spPr>
-          <p:style>
-            <a:lnRef idx="2">
-              <a:schemeClr val="accent1">
-                <a:shade val="50000"/>
-              </a:schemeClr>
-            </a:lnRef>
-            <a:fillRef idx="1">
-              <a:schemeClr val="accent1"/>
-            </a:fillRef>
-            <a:effectRef idx="0">
-              <a:schemeClr val="accent1"/>
-            </a:effectRef>
-            <a:fontRef idx="minor">
-              <a:schemeClr val="lt1"/>
-            </a:fontRef>
-          </p:style>
-          <p:txBody>
-            <a:bodyPr rtlCol="0" anchor="ctr"/>
-            <a:lstStyle/>
-            <a:p>
-              <a:pPr algn="ctr"/>
-              <a:r>
-                <a:rPr lang="en-US" sz="800">
-                  <a:solidFill>
-                    <a:schemeClr val="tx1"/>
-                  </a:solidFill>
-                  <a:latin typeface="Segoe UI" panose="020B0502040204020203" pitchFamily="34" charset="0"/>
-                  <a:cs typeface="Segoe UI" panose="020B0502040204020203" pitchFamily="34" charset="0"/>
-                </a:rPr>
-                <a:t>Telco Sales CDM</a:t>
-              </a:r>
-            </a:p>
-          </p:txBody>
-        </p:sp>
-      </p:grpSp>
       <p:graphicFrame>
         <p:nvGraphicFramePr>
           <p:cNvPr id="2" name="Table 35">
@@ -6751,7 +8534,7 @@
                     <a:lstStyle/>
                     <a:p>
                       <a:r>
-                        <a:rPr lang="en-US" sz="1400"/>
+                        <a:rPr lang="en-US" sz="1400" dirty="0"/>
                         <a:t>App Name</a:t>
                       </a:r>
                     </a:p>
@@ -6764,7 +8547,7 @@
                     <a:lstStyle/>
                     <a:p>
                       <a:r>
-                        <a:rPr lang="en-US" sz="1400"/>
+                        <a:rPr lang="en-US" sz="1400" dirty="0"/>
                         <a:t>Type</a:t>
                       </a:r>
                     </a:p>
@@ -6784,7 +8567,7 @@
                     <a:lstStyle/>
                     <a:p>
                       <a:r>
-                        <a:rPr lang="en-US" sz="1400"/>
+                        <a:rPr lang="en-US" sz="1400" dirty="0"/>
                         <a:t>Find Geo Address</a:t>
                       </a:r>
                     </a:p>
@@ -6814,7 +8597,7 @@
                         <a:defRPr/>
                       </a:pPr>
                       <a:r>
-                        <a:rPr lang="en-US" sz="1400"/>
+                        <a:rPr lang="en-US" sz="1400" dirty="0"/>
                         <a:t>Canvas</a:t>
                       </a:r>
                     </a:p>
@@ -6834,7 +8617,7 @@
                     <a:lstStyle/>
                     <a:p>
                       <a:r>
-                        <a:rPr lang="en-US" sz="1400"/>
+                        <a:rPr lang="en-US" sz="1400" dirty="0"/>
                         <a:t>Place Management</a:t>
                       </a:r>
                     </a:p>
@@ -6864,8 +8647,8 @@
                         <a:defRPr/>
                       </a:pPr>
                       <a:r>
-                        <a:rPr lang="en-US" sz="1400"/>
-                        <a:t>Model-Driven</a:t>
+                        <a:rPr lang="en-US" sz="1400" dirty="0"/>
+                        <a:t>Model-driven</a:t>
                       </a:r>
                     </a:p>
                   </a:txBody>
@@ -6881,6 +8664,536 @@
           </a:graphicData>
         </a:graphic>
       </p:graphicFrame>
+      <p:grpSp>
+        <p:nvGrpSpPr>
+          <p:cNvPr id="15" name="Group 14">
+            <a:extLst>
+              <a:ext uri="{FF2B5EF4-FFF2-40B4-BE49-F238E27FC236}">
+                <a16:creationId xmlns:a16="http://schemas.microsoft.com/office/drawing/2014/main" id="{B7E41F0E-8D16-4967-B182-95EA539160AD}"/>
+              </a:ext>
+            </a:extLst>
+          </p:cNvPr>
+          <p:cNvGrpSpPr/>
+          <p:nvPr/>
+        </p:nvGrpSpPr>
+        <p:grpSpPr>
+          <a:xfrm>
+            <a:off x="6290631" y="1909905"/>
+            <a:ext cx="5640637" cy="3101067"/>
+            <a:chOff x="1277942" y="1969379"/>
+            <a:chExt cx="9399580" cy="3101067"/>
+          </a:xfrm>
+        </p:grpSpPr>
+        <p:sp>
+          <p:nvSpPr>
+            <p:cNvPr id="16" name="Rectangle 15">
+              <a:extLst>
+                <a:ext uri="{FF2B5EF4-FFF2-40B4-BE49-F238E27FC236}">
+                  <a16:creationId xmlns:a16="http://schemas.microsoft.com/office/drawing/2014/main" id="{B3687EA2-B815-4022-A27D-1F65C0385B22}"/>
+                </a:ext>
+              </a:extLst>
+            </p:cNvPr>
+            <p:cNvSpPr/>
+            <p:nvPr/>
+          </p:nvSpPr>
+          <p:spPr>
+            <a:xfrm>
+              <a:off x="1277945" y="4565001"/>
+              <a:ext cx="9383525" cy="505445"/>
+            </a:xfrm>
+            <a:prstGeom prst="rect">
+              <a:avLst/>
+            </a:prstGeom>
+            <a:solidFill>
+              <a:srgbClr val="FFEFBD"/>
+            </a:solidFill>
+          </p:spPr>
+          <p:style>
+            <a:lnRef idx="2">
+              <a:schemeClr val="accent4">
+                <a:shade val="50000"/>
+              </a:schemeClr>
+            </a:lnRef>
+            <a:fillRef idx="1">
+              <a:schemeClr val="accent4"/>
+            </a:fillRef>
+            <a:effectRef idx="0">
+              <a:schemeClr val="accent4"/>
+            </a:effectRef>
+            <a:fontRef idx="minor">
+              <a:schemeClr val="lt1"/>
+            </a:fontRef>
+          </p:style>
+          <p:txBody>
+            <a:bodyPr rtlCol="0" anchor="ctr"/>
+            <a:lstStyle/>
+            <a:p>
+              <a:pPr algn="ctr"/>
+              <a:r>
+                <a:rPr lang="en-US" sz="1200" dirty="0">
+                  <a:solidFill>
+                    <a:schemeClr val="tx1"/>
+                  </a:solidFill>
+                  <a:latin typeface="Segoe UI" panose="020B0502040204020203" pitchFamily="34" charset="0"/>
+                  <a:cs typeface="Segoe UI" panose="020B0502040204020203" pitchFamily="34" charset="0"/>
+                </a:rPr>
+                <a:t>Microsoft Dataverse</a:t>
+              </a:r>
+            </a:p>
+          </p:txBody>
+        </p:sp>
+        <p:sp>
+          <p:nvSpPr>
+            <p:cNvPr id="17" name="Rectangle 16">
+              <a:extLst>
+                <a:ext uri="{FF2B5EF4-FFF2-40B4-BE49-F238E27FC236}">
+                  <a16:creationId xmlns:a16="http://schemas.microsoft.com/office/drawing/2014/main" id="{E69396D5-5B11-4DBA-B4B9-D7EDDF582809}"/>
+                </a:ext>
+              </a:extLst>
+            </p:cNvPr>
+            <p:cNvSpPr/>
+            <p:nvPr/>
+          </p:nvSpPr>
+          <p:spPr>
+            <a:xfrm>
+              <a:off x="1277957" y="3923086"/>
+              <a:ext cx="9383525" cy="514549"/>
+            </a:xfrm>
+            <a:prstGeom prst="rect">
+              <a:avLst/>
+            </a:prstGeom>
+            <a:solidFill>
+              <a:srgbClr val="CFDBF0"/>
+            </a:solidFill>
+          </p:spPr>
+          <p:style>
+            <a:lnRef idx="2">
+              <a:schemeClr val="accent1">
+                <a:shade val="50000"/>
+              </a:schemeClr>
+            </a:lnRef>
+            <a:fillRef idx="1">
+              <a:schemeClr val="accent1"/>
+            </a:fillRef>
+            <a:effectRef idx="0">
+              <a:schemeClr val="accent1"/>
+            </a:effectRef>
+            <a:fontRef idx="minor">
+              <a:schemeClr val="lt1"/>
+            </a:fontRef>
+          </p:style>
+          <p:txBody>
+            <a:bodyPr rtlCol="0" anchor="ctr"/>
+            <a:lstStyle/>
+            <a:p>
+              <a:pPr algn="ctr"/>
+              <a:r>
+                <a:rPr lang="en-US" sz="1200" dirty="0">
+                  <a:solidFill>
+                    <a:schemeClr val="tx1"/>
+                  </a:solidFill>
+                  <a:latin typeface="Segoe UI" panose="020B0502040204020203" pitchFamily="34" charset="0"/>
+                  <a:cs typeface="Segoe UI" panose="020B0502040204020203" pitchFamily="34" charset="0"/>
+                </a:rPr>
+                <a:t>Telco Common CDM</a:t>
+              </a:r>
+            </a:p>
+          </p:txBody>
+        </p:sp>
+        <p:sp>
+          <p:nvSpPr>
+            <p:cNvPr id="18" name="Rectangle 17">
+              <a:extLst>
+                <a:ext uri="{FF2B5EF4-FFF2-40B4-BE49-F238E27FC236}">
+                  <a16:creationId xmlns:a16="http://schemas.microsoft.com/office/drawing/2014/main" id="{A20DBA2F-8BD3-4DD3-9425-03B26F9D7766}"/>
+                </a:ext>
+              </a:extLst>
+            </p:cNvPr>
+            <p:cNvSpPr/>
+            <p:nvPr/>
+          </p:nvSpPr>
+          <p:spPr>
+            <a:xfrm>
+              <a:off x="7447401" y="2628370"/>
+              <a:ext cx="3206040" cy="533641"/>
+            </a:xfrm>
+            <a:prstGeom prst="rect">
+              <a:avLst/>
+            </a:prstGeom>
+            <a:solidFill>
+              <a:srgbClr val="CFDBF0"/>
+            </a:solidFill>
+          </p:spPr>
+          <p:style>
+            <a:lnRef idx="2">
+              <a:schemeClr val="accent1">
+                <a:shade val="50000"/>
+              </a:schemeClr>
+            </a:lnRef>
+            <a:fillRef idx="1">
+              <a:schemeClr val="accent1"/>
+            </a:fillRef>
+            <a:effectRef idx="0">
+              <a:schemeClr val="accent1"/>
+            </a:effectRef>
+            <a:fontRef idx="minor">
+              <a:schemeClr val="lt1"/>
+            </a:fontRef>
+          </p:style>
+          <p:txBody>
+            <a:bodyPr rtlCol="0" anchor="ctr"/>
+            <a:lstStyle/>
+            <a:p>
+              <a:pPr algn="ctr"/>
+              <a:r>
+                <a:rPr lang="en-US" sz="1200" dirty="0">
+                  <a:solidFill>
+                    <a:schemeClr val="tx1"/>
+                  </a:solidFill>
+                  <a:latin typeface="Segoe UI" panose="020B0502040204020203" pitchFamily="34" charset="0"/>
+                  <a:cs typeface="Segoe UI" panose="020B0502040204020203" pitchFamily="34" charset="0"/>
+                </a:rPr>
+                <a:t>Telco Sales CDM</a:t>
+              </a:r>
+            </a:p>
+          </p:txBody>
+        </p:sp>
+        <p:sp>
+          <p:nvSpPr>
+            <p:cNvPr id="19" name="Rectangle 18">
+              <a:extLst>
+                <a:ext uri="{FF2B5EF4-FFF2-40B4-BE49-F238E27FC236}">
+                  <a16:creationId xmlns:a16="http://schemas.microsoft.com/office/drawing/2014/main" id="{830A37DB-6C1A-4D8F-8A4E-ADC628A53C0E}"/>
+                </a:ext>
+              </a:extLst>
+            </p:cNvPr>
+            <p:cNvSpPr/>
+            <p:nvPr/>
+          </p:nvSpPr>
+          <p:spPr>
+            <a:xfrm>
+              <a:off x="5133860" y="3262080"/>
+              <a:ext cx="2206180" cy="542566"/>
+            </a:xfrm>
+            <a:prstGeom prst="rect">
+              <a:avLst/>
+            </a:prstGeom>
+          </p:spPr>
+          <p:style>
+            <a:lnRef idx="2">
+              <a:schemeClr val="accent1">
+                <a:shade val="50000"/>
+              </a:schemeClr>
+            </a:lnRef>
+            <a:fillRef idx="1">
+              <a:schemeClr val="accent1"/>
+            </a:fillRef>
+            <a:effectRef idx="0">
+              <a:schemeClr val="accent1"/>
+            </a:effectRef>
+            <a:fontRef idx="minor">
+              <a:schemeClr val="lt1"/>
+            </a:fontRef>
+          </p:style>
+          <p:txBody>
+            <a:bodyPr rtlCol="0" anchor="ctr"/>
+            <a:lstStyle/>
+            <a:p>
+              <a:pPr algn="ctr"/>
+              <a:r>
+                <a:rPr lang="en-US" sz="1200" dirty="0">
+                  <a:latin typeface="Segoe UI" panose="020B0502040204020203" pitchFamily="34" charset="0"/>
+                  <a:cs typeface="Segoe UI" panose="020B0502040204020203" pitchFamily="34" charset="0"/>
+                </a:rPr>
+                <a:t>Telco Apps</a:t>
+              </a:r>
+            </a:p>
+          </p:txBody>
+        </p:sp>
+        <p:sp>
+          <p:nvSpPr>
+            <p:cNvPr id="20" name="Rectangle 19">
+              <a:extLst>
+                <a:ext uri="{FF2B5EF4-FFF2-40B4-BE49-F238E27FC236}">
+                  <a16:creationId xmlns:a16="http://schemas.microsoft.com/office/drawing/2014/main" id="{F3FBC045-AB31-4746-95E8-E9CC708196CE}"/>
+                </a:ext>
+              </a:extLst>
+            </p:cNvPr>
+            <p:cNvSpPr/>
+            <p:nvPr/>
+          </p:nvSpPr>
+          <p:spPr>
+            <a:xfrm>
+              <a:off x="7447401" y="1969379"/>
+              <a:ext cx="3206041" cy="585859"/>
+            </a:xfrm>
+            <a:prstGeom prst="rect">
+              <a:avLst/>
+            </a:prstGeom>
+            <a:solidFill>
+              <a:srgbClr val="CFDBF0"/>
+            </a:solidFill>
+          </p:spPr>
+          <p:style>
+            <a:lnRef idx="2">
+              <a:schemeClr val="accent1">
+                <a:shade val="50000"/>
+              </a:schemeClr>
+            </a:lnRef>
+            <a:fillRef idx="1">
+              <a:schemeClr val="accent1"/>
+            </a:fillRef>
+            <a:effectRef idx="0">
+              <a:schemeClr val="accent1"/>
+            </a:effectRef>
+            <a:fontRef idx="minor">
+              <a:schemeClr val="lt1"/>
+            </a:fontRef>
+          </p:style>
+          <p:txBody>
+            <a:bodyPr rtlCol="0" anchor="ctr"/>
+            <a:lstStyle/>
+            <a:p>
+              <a:pPr algn="ctr"/>
+              <a:r>
+                <a:rPr lang="en-US" sz="1200" dirty="0">
+                  <a:solidFill>
+                    <a:schemeClr val="tx1"/>
+                  </a:solidFill>
+                  <a:latin typeface="Segoe UI" panose="020B0502040204020203" pitchFamily="34" charset="0"/>
+                  <a:cs typeface="Segoe UI" panose="020B0502040204020203" pitchFamily="34" charset="0"/>
+                </a:rPr>
+                <a:t>Telco Sales Apps</a:t>
+              </a:r>
+            </a:p>
+          </p:txBody>
+        </p:sp>
+        <p:sp>
+          <p:nvSpPr>
+            <p:cNvPr id="26" name="Rectangle 25">
+              <a:extLst>
+                <a:ext uri="{FF2B5EF4-FFF2-40B4-BE49-F238E27FC236}">
+                  <a16:creationId xmlns:a16="http://schemas.microsoft.com/office/drawing/2014/main" id="{CC9AFB4F-C14B-4D0A-85F5-00942D023565}"/>
+                </a:ext>
+              </a:extLst>
+            </p:cNvPr>
+            <p:cNvSpPr/>
+            <p:nvPr/>
+          </p:nvSpPr>
+          <p:spPr>
+            <a:xfrm>
+              <a:off x="7447401" y="3262079"/>
+              <a:ext cx="3230121" cy="533641"/>
+            </a:xfrm>
+            <a:prstGeom prst="rect">
+              <a:avLst/>
+            </a:prstGeom>
+            <a:solidFill>
+              <a:srgbClr val="FFEFBD"/>
+            </a:solidFill>
+          </p:spPr>
+          <p:style>
+            <a:lnRef idx="2">
+              <a:schemeClr val="accent4">
+                <a:shade val="50000"/>
+              </a:schemeClr>
+            </a:lnRef>
+            <a:fillRef idx="1">
+              <a:schemeClr val="accent4"/>
+            </a:fillRef>
+            <a:effectRef idx="0">
+              <a:schemeClr val="accent4"/>
+            </a:effectRef>
+            <a:fontRef idx="minor">
+              <a:schemeClr val="lt1"/>
+            </a:fontRef>
+          </p:style>
+          <p:txBody>
+            <a:bodyPr rtlCol="0" anchor="ctr"/>
+            <a:lstStyle/>
+            <a:p>
+              <a:pPr algn="ctr"/>
+              <a:r>
+                <a:rPr lang="en-US" sz="1400" dirty="0">
+                  <a:solidFill>
+                    <a:schemeClr val="tx1"/>
+                  </a:solidFill>
+                  <a:latin typeface="Segoe UI" panose="020B0502040204020203" pitchFamily="34" charset="0"/>
+                  <a:cs typeface="Segoe UI" panose="020B0502040204020203" pitchFamily="34" charset="0"/>
+                </a:rPr>
+                <a:t>Dynamics 365 Sales</a:t>
+              </a:r>
+            </a:p>
+          </p:txBody>
+        </p:sp>
+        <p:sp>
+          <p:nvSpPr>
+            <p:cNvPr id="27" name="Rectangle 26">
+              <a:extLst>
+                <a:ext uri="{FF2B5EF4-FFF2-40B4-BE49-F238E27FC236}">
+                  <a16:creationId xmlns:a16="http://schemas.microsoft.com/office/drawing/2014/main" id="{910FD3A4-6549-4319-B470-B97C69ADD724}"/>
+                </a:ext>
+              </a:extLst>
+            </p:cNvPr>
+            <p:cNvSpPr/>
+            <p:nvPr/>
+          </p:nvSpPr>
+          <p:spPr>
+            <a:xfrm>
+              <a:off x="1277943" y="3280452"/>
+              <a:ext cx="3761241" cy="528222"/>
+            </a:xfrm>
+            <a:prstGeom prst="rect">
+              <a:avLst/>
+            </a:prstGeom>
+            <a:solidFill>
+              <a:srgbClr val="CFDBF0"/>
+            </a:solidFill>
+          </p:spPr>
+          <p:style>
+            <a:lnRef idx="2">
+              <a:schemeClr val="accent1">
+                <a:shade val="50000"/>
+              </a:schemeClr>
+            </a:lnRef>
+            <a:fillRef idx="1">
+              <a:schemeClr val="accent1"/>
+            </a:fillRef>
+            <a:effectRef idx="0">
+              <a:schemeClr val="accent1"/>
+            </a:effectRef>
+            <a:fontRef idx="minor">
+              <a:schemeClr val="lt1"/>
+            </a:fontRef>
+          </p:style>
+          <p:txBody>
+            <a:bodyPr rtlCol="0" anchor="ctr"/>
+            <a:lstStyle/>
+            <a:p>
+              <a:pPr algn="ctr"/>
+              <a:r>
+                <a:rPr lang="en-US" sz="1200" dirty="0">
+                  <a:solidFill>
+                    <a:schemeClr val="tx1"/>
+                  </a:solidFill>
+                  <a:latin typeface="Segoe UI" panose="020B0502040204020203" pitchFamily="34" charset="0"/>
+                  <a:cs typeface="Segoe UI" panose="020B0502040204020203" pitchFamily="34" charset="0"/>
+                </a:rPr>
+                <a:t>Telco Plant Maintenance  CDM</a:t>
+              </a:r>
+            </a:p>
+          </p:txBody>
+        </p:sp>
+        <p:sp>
+          <p:nvSpPr>
+            <p:cNvPr id="28" name="Rectangle 27">
+              <a:extLst>
+                <a:ext uri="{FF2B5EF4-FFF2-40B4-BE49-F238E27FC236}">
+                  <a16:creationId xmlns:a16="http://schemas.microsoft.com/office/drawing/2014/main" id="{7933AA11-2EB3-4493-AB97-0B9F9BEA813F}"/>
+                </a:ext>
+              </a:extLst>
+            </p:cNvPr>
+            <p:cNvSpPr/>
+            <p:nvPr/>
+          </p:nvSpPr>
+          <p:spPr>
+            <a:xfrm>
+              <a:off x="1277942" y="2628370"/>
+              <a:ext cx="3761241" cy="533641"/>
+            </a:xfrm>
+            <a:prstGeom prst="rect">
+              <a:avLst/>
+            </a:prstGeom>
+            <a:solidFill>
+              <a:srgbClr val="CFDBF0"/>
+            </a:solidFill>
+          </p:spPr>
+          <p:style>
+            <a:lnRef idx="2">
+              <a:schemeClr val="accent1">
+                <a:shade val="50000"/>
+              </a:schemeClr>
+            </a:lnRef>
+            <a:fillRef idx="1">
+              <a:schemeClr val="accent1"/>
+            </a:fillRef>
+            <a:effectRef idx="0">
+              <a:schemeClr val="accent1"/>
+            </a:effectRef>
+            <a:fontRef idx="minor">
+              <a:schemeClr val="lt1"/>
+            </a:fontRef>
+          </p:style>
+          <p:txBody>
+            <a:bodyPr rtlCol="0" anchor="ctr"/>
+            <a:lstStyle/>
+            <a:p>
+              <a:pPr algn="ctr"/>
+              <a:r>
+                <a:rPr lang="en-US" sz="1200" dirty="0">
+                  <a:solidFill>
+                    <a:schemeClr val="tx1"/>
+                  </a:solidFill>
+                  <a:latin typeface="Segoe UI" panose="020B0502040204020203" pitchFamily="34" charset="0"/>
+                  <a:cs typeface="Segoe UI" panose="020B0502040204020203" pitchFamily="34" charset="0"/>
+                </a:rPr>
+                <a:t>Telco Plant Maintenance Apps</a:t>
+              </a:r>
+            </a:p>
+          </p:txBody>
+        </p:sp>
+      </p:grpSp>
+      <p:sp>
+        <p:nvSpPr>
+          <p:cNvPr id="14" name="Arrow: Right 13">
+            <a:extLst>
+              <a:ext uri="{FF2B5EF4-FFF2-40B4-BE49-F238E27FC236}">
+                <a16:creationId xmlns:a16="http://schemas.microsoft.com/office/drawing/2014/main" id="{498EAF91-BA3D-4CBD-A1B3-9D1153D46388}"/>
+              </a:ext>
+            </a:extLst>
+          </p:cNvPr>
+          <p:cNvSpPr/>
+          <p:nvPr/>
+        </p:nvSpPr>
+        <p:spPr>
+          <a:xfrm rot="10800000">
+            <a:off x="5285187" y="3227404"/>
+            <a:ext cx="3262544" cy="523220"/>
+          </a:xfrm>
+          <a:prstGeom prst="rightArrow">
+            <a:avLst/>
+          </a:prstGeom>
+          <a:ln w="28575">
+            <a:solidFill>
+              <a:srgbClr val="FFC000"/>
+            </a:solidFill>
+          </a:ln>
+        </p:spPr>
+        <p:style>
+          <a:lnRef idx="2">
+            <a:schemeClr val="accent1">
+              <a:shade val="50000"/>
+            </a:schemeClr>
+          </a:lnRef>
+          <a:fillRef idx="1">
+            <a:schemeClr val="accent1"/>
+          </a:fillRef>
+          <a:effectRef idx="0">
+            <a:schemeClr val="accent1"/>
+          </a:effectRef>
+          <a:fontRef idx="minor">
+            <a:schemeClr val="lt1"/>
+          </a:fontRef>
+        </p:style>
+        <p:txBody>
+          <a:bodyPr rtlCol="0" anchor="ctr"/>
+          <a:lstStyle/>
+          <a:p>
+            <a:pPr algn="ctr"/>
+            <a:endParaRPr lang="en-US" dirty="0"/>
+          </a:p>
+        </p:txBody>
+      </p:sp>
     </p:spTree>
     <p:extLst>
       <p:ext uri="{BB962C8B-B14F-4D97-AF65-F5344CB8AC3E}">
@@ -6940,7 +9253,7 @@
           <a:lstStyle/>
           <a:p>
             <a:r>
-              <a:rPr lang="en-US" sz="2800">
+              <a:rPr lang="en-US" sz="2800" dirty="0">
                 <a:latin typeface="Segoe UI"/>
                 <a:cs typeface="Segoe UI"/>
               </a:rPr>
@@ -6995,7 +9308,7 @@
                     <a:lstStyle/>
                     <a:p>
                       <a:r>
-                        <a:rPr lang="en-US" sz="1400"/>
+                        <a:rPr lang="en-US" sz="1400" dirty="0"/>
                         <a:t>Entity Name</a:t>
                       </a:r>
                     </a:p>
@@ -7015,7 +9328,7 @@
                     <a:lstStyle/>
                     <a:p>
                       <a:r>
-                        <a:rPr lang="en-US" sz="1400"/>
+                        <a:rPr lang="en-US" sz="1400" dirty="0"/>
                         <a:t>Lead</a:t>
                       </a:r>
                     </a:p>
@@ -7035,7 +9348,7 @@
                     <a:lstStyle/>
                     <a:p>
                       <a:r>
-                        <a:rPr lang="en-US" sz="1400"/>
+                        <a:rPr lang="en-US" sz="1400" dirty="0"/>
                         <a:t>Place </a:t>
                       </a:r>
                     </a:p>
@@ -7055,7 +9368,7 @@
                     <a:lstStyle/>
                     <a:p>
                       <a:r>
-                        <a:rPr lang="en-US" sz="1400"/>
+                        <a:rPr lang="en-US" sz="1400" dirty="0"/>
                         <a:t>Service Area Technology</a:t>
                       </a:r>
                     </a:p>
@@ -7075,7 +9388,7 @@
                     <a:lstStyle/>
                     <a:p>
                       <a:r>
-                        <a:rPr lang="en-US" sz="1400"/>
+                        <a:rPr lang="en-US" sz="1400" dirty="0"/>
                         <a:t>Opportunity</a:t>
                       </a:r>
                     </a:p>
@@ -7095,7 +9408,7 @@
                     <a:lstStyle/>
                     <a:p>
                       <a:r>
-                        <a:rPr lang="en-US" sz="1400"/>
+                        <a:rPr lang="en-US" sz="1400" dirty="0"/>
                         <a:t>Quote</a:t>
                       </a:r>
                     </a:p>
@@ -7115,7 +9428,7 @@
                     <a:lstStyle/>
                     <a:p>
                       <a:r>
-                        <a:rPr lang="en-US" sz="1400"/>
+                        <a:rPr lang="en-US" sz="1400" dirty="0"/>
                         <a:t>Order</a:t>
                       </a:r>
                     </a:p>
@@ -7146,7 +9459,7 @@
         </p:nvSpPr>
         <p:spPr>
           <a:xfrm>
-            <a:off x="6096000" y="3092433"/>
+            <a:off x="6178574" y="2685522"/>
             <a:ext cx="978408" cy="484632"/>
           </a:xfrm>
           <a:prstGeom prst="rightArrow">
@@ -7179,16 +9492,16 @@
           <a:lstStyle/>
           <a:p>
             <a:pPr algn="ctr"/>
-            <a:endParaRPr lang="en-US"/>
+            <a:endParaRPr lang="en-US" dirty="0"/>
           </a:p>
         </p:txBody>
       </p:sp>
       <p:grpSp>
         <p:nvGrpSpPr>
-          <p:cNvPr id="11" name="Group 10">
+          <p:cNvPr id="21" name="Group 20">
             <a:extLst>
               <a:ext uri="{FF2B5EF4-FFF2-40B4-BE49-F238E27FC236}">
-                <a16:creationId xmlns:a16="http://schemas.microsoft.com/office/drawing/2014/main" id="{915552EF-7BD1-4407-B7DE-DADE4F949C94}"/>
+                <a16:creationId xmlns:a16="http://schemas.microsoft.com/office/drawing/2014/main" id="{A554B9CE-1AD9-4503-8648-12DEABF07C18}"/>
               </a:ext>
             </a:extLst>
           </p:cNvPr>
@@ -7197,18 +9510,18 @@
         </p:nvGrpSpPr>
         <p:grpSpPr>
           <a:xfrm>
-            <a:off x="847454" y="2939185"/>
-            <a:ext cx="5070705" cy="1377229"/>
-            <a:chOff x="847454" y="2939185"/>
-            <a:chExt cx="5070705" cy="1377229"/>
+            <a:off x="317518" y="2026531"/>
+            <a:ext cx="5640637" cy="3101067"/>
+            <a:chOff x="1277942" y="1969379"/>
+            <a:chExt cx="9399580" cy="3101067"/>
           </a:xfrm>
         </p:grpSpPr>
         <p:sp>
           <p:nvSpPr>
-            <p:cNvPr id="12" name="Rectangle 11">
+            <p:cNvPr id="22" name="Rectangle 21">
               <a:extLst>
                 <a:ext uri="{FF2B5EF4-FFF2-40B4-BE49-F238E27FC236}">
-                  <a16:creationId xmlns:a16="http://schemas.microsoft.com/office/drawing/2014/main" id="{DD8081B9-650B-4E14-BD6F-06042D4654D2}"/>
+                  <a16:creationId xmlns:a16="http://schemas.microsoft.com/office/drawing/2014/main" id="{0A9908BE-8903-4797-9790-EDF5D01378B6}"/>
                 </a:ext>
               </a:extLst>
             </p:cNvPr>
@@ -7217,8 +9530,8 @@
           </p:nvSpPr>
           <p:spPr>
             <a:xfrm>
-              <a:off x="847454" y="4111386"/>
-              <a:ext cx="5068867" cy="205028"/>
+              <a:off x="1277945" y="4565001"/>
+              <a:ext cx="9383525" cy="505445"/>
             </a:xfrm>
             <a:prstGeom prst="rect">
               <a:avLst/>
@@ -7249,7 +9562,7 @@
             <a:p>
               <a:pPr algn="ctr"/>
               <a:r>
-                <a:rPr lang="en-US" sz="800">
+                <a:rPr lang="en-US" sz="1200" dirty="0">
                   <a:solidFill>
                     <a:schemeClr val="tx1"/>
                   </a:solidFill>
@@ -7263,10 +9576,10 @@
         </p:sp>
         <p:sp>
           <p:nvSpPr>
-            <p:cNvPr id="13" name="Rectangle 12">
+            <p:cNvPr id="23" name="Rectangle 22">
               <a:extLst>
                 <a:ext uri="{FF2B5EF4-FFF2-40B4-BE49-F238E27FC236}">
-                  <a16:creationId xmlns:a16="http://schemas.microsoft.com/office/drawing/2014/main" id="{77F56612-652F-4B8C-8251-8835A484356B}"/>
+                  <a16:creationId xmlns:a16="http://schemas.microsoft.com/office/drawing/2014/main" id="{578B15AB-FEFC-4719-92F8-583193382E49}"/>
                 </a:ext>
               </a:extLst>
             </p:cNvPr>
@@ -7275,63 +9588,8 @@
           </p:nvSpPr>
           <p:spPr>
             <a:xfrm>
-              <a:off x="847458" y="3818335"/>
-              <a:ext cx="5068869" cy="205028"/>
-            </a:xfrm>
-            <a:prstGeom prst="rect">
-              <a:avLst/>
-            </a:prstGeom>
-          </p:spPr>
-          <p:style>
-            <a:lnRef idx="2">
-              <a:schemeClr val="accent1">
-                <a:shade val="50000"/>
-              </a:schemeClr>
-            </a:lnRef>
-            <a:fillRef idx="1">
-              <a:schemeClr val="accent1"/>
-            </a:fillRef>
-            <a:effectRef idx="0">
-              <a:schemeClr val="accent1"/>
-            </a:effectRef>
-            <a:fontRef idx="minor">
-              <a:schemeClr val="lt1"/>
-            </a:fontRef>
-          </p:style>
-          <p:txBody>
-            <a:bodyPr rtlCol="0" anchor="ctr"/>
-            <a:lstStyle/>
-            <a:p>
-              <a:pPr algn="ctr"/>
-              <a:r>
-                <a:rPr lang="en-US" sz="800">
-                  <a:solidFill>
-                    <a:schemeClr val="bg1"/>
-                  </a:solidFill>
-                  <a:latin typeface="Segoe UI" panose="020B0502040204020203" pitchFamily="34" charset="0"/>
-                  <a:cs typeface="Segoe UI" panose="020B0502040204020203" pitchFamily="34" charset="0"/>
-                </a:rPr>
-                <a:t>Telco Common CDM</a:t>
-              </a:r>
-            </a:p>
-          </p:txBody>
-        </p:sp>
-        <p:sp>
-          <p:nvSpPr>
-            <p:cNvPr id="14" name="Rectangle 13">
-              <a:extLst>
-                <a:ext uri="{FF2B5EF4-FFF2-40B4-BE49-F238E27FC236}">
-                  <a16:creationId xmlns:a16="http://schemas.microsoft.com/office/drawing/2014/main" id="{A9B66EC4-FC3F-48BB-A591-DB8FA7B08DB8}"/>
-                </a:ext>
-              </a:extLst>
-            </p:cNvPr>
-            <p:cNvSpPr/>
-            <p:nvPr/>
-          </p:nvSpPr>
-          <p:spPr>
-            <a:xfrm>
-              <a:off x="847454" y="3525285"/>
-              <a:ext cx="2536272" cy="205028"/>
+              <a:off x="1277957" y="3923086"/>
+              <a:ext cx="9383525" cy="514549"/>
             </a:xfrm>
             <a:prstGeom prst="rect">
               <a:avLst/>
@@ -7362,7 +9620,117 @@
             <a:p>
               <a:pPr algn="ctr"/>
               <a:r>
-                <a:rPr lang="en-US" sz="800">
+                <a:rPr lang="en-US" sz="1200" dirty="0">
+                  <a:solidFill>
+                    <a:schemeClr val="tx1"/>
+                  </a:solidFill>
+                  <a:latin typeface="Segoe UI" panose="020B0502040204020203" pitchFamily="34" charset="0"/>
+                  <a:cs typeface="Segoe UI" panose="020B0502040204020203" pitchFamily="34" charset="0"/>
+                </a:rPr>
+                <a:t>Telco Common CDM</a:t>
+              </a:r>
+            </a:p>
+          </p:txBody>
+        </p:sp>
+        <p:sp>
+          <p:nvSpPr>
+            <p:cNvPr id="24" name="Rectangle 23">
+              <a:extLst>
+                <a:ext uri="{FF2B5EF4-FFF2-40B4-BE49-F238E27FC236}">
+                  <a16:creationId xmlns:a16="http://schemas.microsoft.com/office/drawing/2014/main" id="{6BF717F2-D3E4-4DF2-B575-6E0144C3946B}"/>
+                </a:ext>
+              </a:extLst>
+            </p:cNvPr>
+            <p:cNvSpPr/>
+            <p:nvPr/>
+          </p:nvSpPr>
+          <p:spPr>
+            <a:xfrm>
+              <a:off x="7447401" y="2628370"/>
+              <a:ext cx="3206040" cy="533641"/>
+            </a:xfrm>
+            <a:prstGeom prst="rect">
+              <a:avLst/>
+            </a:prstGeom>
+          </p:spPr>
+          <p:style>
+            <a:lnRef idx="2">
+              <a:schemeClr val="accent1">
+                <a:shade val="50000"/>
+              </a:schemeClr>
+            </a:lnRef>
+            <a:fillRef idx="1">
+              <a:schemeClr val="accent1"/>
+            </a:fillRef>
+            <a:effectRef idx="0">
+              <a:schemeClr val="accent1"/>
+            </a:effectRef>
+            <a:fontRef idx="minor">
+              <a:schemeClr val="lt1"/>
+            </a:fontRef>
+          </p:style>
+          <p:txBody>
+            <a:bodyPr rtlCol="0" anchor="ctr"/>
+            <a:lstStyle/>
+            <a:p>
+              <a:pPr algn="ctr"/>
+              <a:r>
+                <a:rPr lang="en-US" sz="1200" dirty="0">
+                  <a:latin typeface="Segoe UI" panose="020B0502040204020203" pitchFamily="34" charset="0"/>
+                  <a:cs typeface="Segoe UI" panose="020B0502040204020203" pitchFamily="34" charset="0"/>
+                </a:rPr>
+                <a:t>Telco Sales CDM</a:t>
+              </a:r>
+            </a:p>
+          </p:txBody>
+        </p:sp>
+        <p:sp>
+          <p:nvSpPr>
+            <p:cNvPr id="25" name="Rectangle 24">
+              <a:extLst>
+                <a:ext uri="{FF2B5EF4-FFF2-40B4-BE49-F238E27FC236}">
+                  <a16:creationId xmlns:a16="http://schemas.microsoft.com/office/drawing/2014/main" id="{F910E73C-25A1-430C-A81D-E8C1DF6BF0B0}"/>
+                </a:ext>
+              </a:extLst>
+            </p:cNvPr>
+            <p:cNvSpPr/>
+            <p:nvPr/>
+          </p:nvSpPr>
+          <p:spPr>
+            <a:xfrm>
+              <a:off x="5133860" y="3262080"/>
+              <a:ext cx="2206180" cy="542566"/>
+            </a:xfrm>
+            <a:prstGeom prst="rect">
+              <a:avLst/>
+            </a:prstGeom>
+            <a:solidFill>
+              <a:srgbClr val="CFDBF0"/>
+            </a:solidFill>
+          </p:spPr>
+          <p:style>
+            <a:lnRef idx="2">
+              <a:schemeClr val="accent1">
+                <a:shade val="50000"/>
+              </a:schemeClr>
+            </a:lnRef>
+            <a:fillRef idx="1">
+              <a:schemeClr val="accent1"/>
+            </a:fillRef>
+            <a:effectRef idx="0">
+              <a:schemeClr val="accent1"/>
+            </a:effectRef>
+            <a:fontRef idx="minor">
+              <a:schemeClr val="lt1"/>
+            </a:fontRef>
+          </p:style>
+          <p:txBody>
+            <a:bodyPr rtlCol="0" anchor="ctr"/>
+            <a:lstStyle/>
+            <a:p>
+              <a:pPr algn="ctr"/>
+              <a:r>
+                <a:rPr lang="en-US" sz="1200" dirty="0">
                   <a:solidFill>
                     <a:schemeClr val="tx1"/>
                   </a:solidFill>
@@ -7376,10 +9744,10 @@
         </p:sp>
         <p:sp>
           <p:nvSpPr>
-            <p:cNvPr id="15" name="Rectangle 14">
+            <p:cNvPr id="26" name="Rectangle 25">
               <a:extLst>
                 <a:ext uri="{FF2B5EF4-FFF2-40B4-BE49-F238E27FC236}">
-                  <a16:creationId xmlns:a16="http://schemas.microsoft.com/office/drawing/2014/main" id="{D7D31452-8F7C-41E1-A356-D8D231AE813C}"/>
+                  <a16:creationId xmlns:a16="http://schemas.microsoft.com/office/drawing/2014/main" id="{EDA993B6-50D9-40C5-A346-935846CC60D7}"/>
                 </a:ext>
               </a:extLst>
             </p:cNvPr>
@@ -7388,8 +9756,66 @@
           </p:nvSpPr>
           <p:spPr>
             <a:xfrm>
-              <a:off x="3405161" y="3525285"/>
-              <a:ext cx="2511160" cy="205028"/>
+              <a:off x="7447401" y="1969379"/>
+              <a:ext cx="3206041" cy="585859"/>
+            </a:xfrm>
+            <a:prstGeom prst="rect">
+              <a:avLst/>
+            </a:prstGeom>
+            <a:solidFill>
+              <a:srgbClr val="CFDBF0"/>
+            </a:solidFill>
+          </p:spPr>
+          <p:style>
+            <a:lnRef idx="2">
+              <a:schemeClr val="accent1">
+                <a:shade val="50000"/>
+              </a:schemeClr>
+            </a:lnRef>
+            <a:fillRef idx="1">
+              <a:schemeClr val="accent1"/>
+            </a:fillRef>
+            <a:effectRef idx="0">
+              <a:schemeClr val="accent1"/>
+            </a:effectRef>
+            <a:fontRef idx="minor">
+              <a:schemeClr val="lt1"/>
+            </a:fontRef>
+          </p:style>
+          <p:txBody>
+            <a:bodyPr rtlCol="0" anchor="ctr"/>
+            <a:lstStyle/>
+            <a:p>
+              <a:pPr algn="ctr"/>
+              <a:r>
+                <a:rPr lang="en-US" sz="1200" dirty="0">
+                  <a:solidFill>
+                    <a:schemeClr val="tx1"/>
+                  </a:solidFill>
+                  <a:latin typeface="Segoe UI" panose="020B0502040204020203" pitchFamily="34" charset="0"/>
+                  <a:cs typeface="Segoe UI" panose="020B0502040204020203" pitchFamily="34" charset="0"/>
+                </a:rPr>
+                <a:t>Telco Sales Apps</a:t>
+              </a:r>
+            </a:p>
+          </p:txBody>
+        </p:sp>
+        <p:sp>
+          <p:nvSpPr>
+            <p:cNvPr id="27" name="Rectangle 26">
+              <a:extLst>
+                <a:ext uri="{FF2B5EF4-FFF2-40B4-BE49-F238E27FC236}">
+                  <a16:creationId xmlns:a16="http://schemas.microsoft.com/office/drawing/2014/main" id="{12671928-EB19-4428-96FF-2CE683A1F878}"/>
+                </a:ext>
+              </a:extLst>
+            </p:cNvPr>
+            <p:cNvSpPr/>
+            <p:nvPr/>
+          </p:nvSpPr>
+          <p:spPr>
+            <a:xfrm>
+              <a:off x="7447401" y="3262079"/>
+              <a:ext cx="3230121" cy="533641"/>
             </a:xfrm>
             <a:prstGeom prst="rect">
               <a:avLst/>
@@ -7420,7 +9846,7 @@
             <a:p>
               <a:pPr algn="ctr"/>
               <a:r>
-                <a:rPr lang="en-US" sz="800">
+                <a:rPr lang="en-US" sz="1400" dirty="0">
                   <a:solidFill>
                     <a:schemeClr val="tx1"/>
                   </a:solidFill>
@@ -7434,10 +9860,10 @@
         </p:sp>
         <p:sp>
           <p:nvSpPr>
-            <p:cNvPr id="16" name="Rectangle 15">
+            <p:cNvPr id="28" name="Rectangle 27">
               <a:extLst>
                 <a:ext uri="{FF2B5EF4-FFF2-40B4-BE49-F238E27FC236}">
-                  <a16:creationId xmlns:a16="http://schemas.microsoft.com/office/drawing/2014/main" id="{8881FDA8-D354-4758-9370-3EF1AF9DC0CD}"/>
+                  <a16:creationId xmlns:a16="http://schemas.microsoft.com/office/drawing/2014/main" id="{B69398D7-93B0-488F-8A99-CBEFD5DEF1A0}"/>
                 </a:ext>
               </a:extLst>
             </p:cNvPr>
@@ -7446,8 +9872,8 @@
           </p:nvSpPr>
           <p:spPr>
             <a:xfrm>
-              <a:off x="3381887" y="2939185"/>
-              <a:ext cx="2536272" cy="205028"/>
+              <a:off x="1277943" y="3280452"/>
+              <a:ext cx="3761241" cy="528222"/>
             </a:xfrm>
             <a:prstGeom prst="rect">
               <a:avLst/>
@@ -7478,24 +9904,24 @@
             <a:p>
               <a:pPr algn="ctr"/>
               <a:r>
-                <a:rPr lang="en-US" sz="800">
+                <a:rPr lang="en-US" sz="1200" dirty="0">
                   <a:solidFill>
                     <a:schemeClr val="tx1"/>
                   </a:solidFill>
                   <a:latin typeface="Segoe UI" panose="020B0502040204020203" pitchFamily="34" charset="0"/>
                   <a:cs typeface="Segoe UI" panose="020B0502040204020203" pitchFamily="34" charset="0"/>
                 </a:rPr>
-                <a:t>Telco Sales Apps</a:t>
+                <a:t>Telco Plant Maintenance  CDM</a:t>
               </a:r>
             </a:p>
           </p:txBody>
         </p:sp>
         <p:sp>
           <p:nvSpPr>
-            <p:cNvPr id="17" name="Rectangle 16">
+            <p:cNvPr id="29" name="Rectangle 28">
               <a:extLst>
                 <a:ext uri="{FF2B5EF4-FFF2-40B4-BE49-F238E27FC236}">
-                  <a16:creationId xmlns:a16="http://schemas.microsoft.com/office/drawing/2014/main" id="{D2626065-3948-4A61-A48A-47DE8419C71A}"/>
+                  <a16:creationId xmlns:a16="http://schemas.microsoft.com/office/drawing/2014/main" id="{CA357263-3DB2-4895-A6F2-1375E30896EE}"/>
                 </a:ext>
               </a:extLst>
             </p:cNvPr>
@@ -7504,8 +9930,8 @@
           </p:nvSpPr>
           <p:spPr>
             <a:xfrm>
-              <a:off x="3381887" y="3232235"/>
-              <a:ext cx="2536272" cy="205028"/>
+              <a:off x="1277942" y="2628370"/>
+              <a:ext cx="3761241" cy="533641"/>
             </a:xfrm>
             <a:prstGeom prst="rect">
               <a:avLst/>
@@ -7536,14 +9962,14 @@
             <a:p>
               <a:pPr algn="ctr"/>
               <a:r>
-                <a:rPr lang="en-US" sz="800">
+                <a:rPr lang="en-US" sz="1200" dirty="0">
                   <a:solidFill>
                     <a:schemeClr val="tx1"/>
                   </a:solidFill>
                   <a:latin typeface="Segoe UI" panose="020B0502040204020203" pitchFamily="34" charset="0"/>
                   <a:cs typeface="Segoe UI" panose="020B0502040204020203" pitchFamily="34" charset="0"/>
                 </a:rPr>
-                <a:t>Telco Sales CDM</a:t>
+                <a:t>Telco Plant Maintenance Apps</a:t>
               </a:r>
             </a:p>
           </p:txBody>
@@ -7608,7 +10034,7 @@
           <a:lstStyle/>
           <a:p>
             <a:r>
-              <a:rPr lang="en-US" sz="2800">
+              <a:rPr lang="en-US" sz="2800" dirty="0">
                 <a:latin typeface="Segoe UI" panose="020B0502040204020203" pitchFamily="34" charset="0"/>
                 <a:cs typeface="Segoe UI" panose="020B0502040204020203" pitchFamily="34" charset="0"/>
               </a:rPr>
@@ -7632,14 +10058,14 @@
           <p:nvPr>
             <p:extLst>
               <p:ext uri="{D42A27DB-BD31-4B8C-83A1-F6EECF244321}">
-                <p14:modId xmlns:p14="http://schemas.microsoft.com/office/powerpoint/2010/main" val="2119490506"/>
+                <p14:modId xmlns:p14="http://schemas.microsoft.com/office/powerpoint/2010/main" val="1624137155"/>
               </p:ext>
             </p:extLst>
           </p:nvPr>
         </p:nvGraphicFramePr>
         <p:xfrm>
-          <a:off x="6824698" y="2238633"/>
-          <a:ext cx="4106653" cy="1232302"/>
+          <a:off x="7756769" y="1844732"/>
+          <a:ext cx="3601621" cy="1271156"/>
         </p:xfrm>
         <a:graphic>
           <a:graphicData uri="http://schemas.openxmlformats.org/drawingml/2006/table">
@@ -7648,7 +10074,7 @@
                 <a:tableStyleId>{B301B821-A1FF-4177-AEE7-76D212191A09}</a:tableStyleId>
               </a:tblPr>
               <a:tblGrid>
-                <a:gridCol w="4106653">
+                <a:gridCol w="3601621">
                   <a:extLst>
                     <a:ext uri="{9D8B030D-6E8A-4147-A177-3AD203B41FA5}">
                       <a16:colId xmlns:a16="http://schemas.microsoft.com/office/drawing/2014/main" val="832068167"/>
@@ -7656,14 +10082,14 @@
                   </a:extLst>
                 </a:gridCol>
               </a:tblGrid>
-              <a:tr h="437923">
+              <a:tr h="445512">
                 <a:tc>
                   <a:txBody>
                     <a:bodyPr/>
                     <a:lstStyle/>
                     <a:p>
                       <a:r>
-                        <a:rPr lang="en-US" sz="1400"/>
+                        <a:rPr lang="en-US" sz="1400" dirty="0"/>
                         <a:t>Entity Name</a:t>
                       </a:r>
                     </a:p>
@@ -7676,14 +10102,14 @@
                   </a:ext>
                 </a:extLst>
               </a:tr>
-              <a:tr h="356456">
+              <a:tr h="370485">
                 <a:tc>
                   <a:txBody>
                     <a:bodyPr/>
                     <a:lstStyle/>
                     <a:p>
                       <a:r>
-                        <a:rPr lang="en-US" sz="1400"/>
+                        <a:rPr lang="en-US" sz="1400" dirty="0"/>
                         <a:t>Lead</a:t>
                       </a:r>
                     </a:p>
@@ -7696,14 +10122,14 @@
                   </a:ext>
                 </a:extLst>
               </a:tr>
-              <a:tr h="437923">
+              <a:tr h="455159">
                 <a:tc>
                   <a:txBody>
                     <a:bodyPr/>
                     <a:lstStyle/>
                     <a:p>
                       <a:r>
-                        <a:rPr lang="en-US" sz="1400"/>
+                        <a:rPr lang="en-US" sz="1400" dirty="0"/>
                         <a:t>Lead Serviceability Flow</a:t>
                       </a:r>
                     </a:p>
@@ -7720,372 +10146,6 @@
           </a:graphicData>
         </a:graphic>
       </p:graphicFrame>
-      <p:grpSp>
-        <p:nvGrpSpPr>
-          <p:cNvPr id="11" name="Group 10">
-            <a:extLst>
-              <a:ext uri="{FF2B5EF4-FFF2-40B4-BE49-F238E27FC236}">
-                <a16:creationId xmlns:a16="http://schemas.microsoft.com/office/drawing/2014/main" id="{02DD77C4-52FA-4D72-82BD-06409486E298}"/>
-              </a:ext>
-            </a:extLst>
-          </p:cNvPr>
-          <p:cNvGrpSpPr/>
-          <p:nvPr/>
-        </p:nvGrpSpPr>
-        <p:grpSpPr>
-          <a:xfrm>
-            <a:off x="456261" y="2378435"/>
-            <a:ext cx="5070705" cy="1377229"/>
-            <a:chOff x="847454" y="2939185"/>
-            <a:chExt cx="5070705" cy="1377229"/>
-          </a:xfrm>
-        </p:grpSpPr>
-        <p:sp>
-          <p:nvSpPr>
-            <p:cNvPr id="20" name="Rectangle 19">
-              <a:extLst>
-                <a:ext uri="{FF2B5EF4-FFF2-40B4-BE49-F238E27FC236}">
-                  <a16:creationId xmlns:a16="http://schemas.microsoft.com/office/drawing/2014/main" id="{48E61E59-36FA-4769-8193-766BAFB7C26A}"/>
-                </a:ext>
-              </a:extLst>
-            </p:cNvPr>
-            <p:cNvSpPr/>
-            <p:nvPr/>
-          </p:nvSpPr>
-          <p:spPr>
-            <a:xfrm>
-              <a:off x="847454" y="4111386"/>
-              <a:ext cx="5068867" cy="205028"/>
-            </a:xfrm>
-            <a:prstGeom prst="rect">
-              <a:avLst/>
-            </a:prstGeom>
-            <a:solidFill>
-              <a:srgbClr val="FFEFBD"/>
-            </a:solidFill>
-          </p:spPr>
-          <p:style>
-            <a:lnRef idx="2">
-              <a:schemeClr val="accent4">
-                <a:shade val="50000"/>
-              </a:schemeClr>
-            </a:lnRef>
-            <a:fillRef idx="1">
-              <a:schemeClr val="accent4"/>
-            </a:fillRef>
-            <a:effectRef idx="0">
-              <a:schemeClr val="accent4"/>
-            </a:effectRef>
-            <a:fontRef idx="minor">
-              <a:schemeClr val="lt1"/>
-            </a:fontRef>
-          </p:style>
-          <p:txBody>
-            <a:bodyPr rtlCol="0" anchor="ctr"/>
-            <a:lstStyle/>
-            <a:p>
-              <a:pPr algn="ctr"/>
-              <a:r>
-                <a:rPr lang="en-US" sz="800">
-                  <a:solidFill>
-                    <a:schemeClr val="tx1"/>
-                  </a:solidFill>
-                  <a:latin typeface="Segoe UI" panose="020B0502040204020203" pitchFamily="34" charset="0"/>
-                  <a:cs typeface="Segoe UI" panose="020B0502040204020203" pitchFamily="34" charset="0"/>
-                </a:rPr>
-                <a:t>Microsoft Dataverse</a:t>
-              </a:r>
-            </a:p>
-          </p:txBody>
-        </p:sp>
-        <p:sp>
-          <p:nvSpPr>
-            <p:cNvPr id="21" name="Rectangle 20">
-              <a:extLst>
-                <a:ext uri="{FF2B5EF4-FFF2-40B4-BE49-F238E27FC236}">
-                  <a16:creationId xmlns:a16="http://schemas.microsoft.com/office/drawing/2014/main" id="{5388A231-44D4-4EF8-B4CA-9138D99A1FD8}"/>
-                </a:ext>
-              </a:extLst>
-            </p:cNvPr>
-            <p:cNvSpPr/>
-            <p:nvPr/>
-          </p:nvSpPr>
-          <p:spPr>
-            <a:xfrm>
-              <a:off x="847458" y="3818335"/>
-              <a:ext cx="5068869" cy="205028"/>
-            </a:xfrm>
-            <a:prstGeom prst="rect">
-              <a:avLst/>
-            </a:prstGeom>
-          </p:spPr>
-          <p:style>
-            <a:lnRef idx="2">
-              <a:schemeClr val="accent1">
-                <a:shade val="50000"/>
-              </a:schemeClr>
-            </a:lnRef>
-            <a:fillRef idx="1">
-              <a:schemeClr val="accent1"/>
-            </a:fillRef>
-            <a:effectRef idx="0">
-              <a:schemeClr val="accent1"/>
-            </a:effectRef>
-            <a:fontRef idx="minor">
-              <a:schemeClr val="lt1"/>
-            </a:fontRef>
-          </p:style>
-          <p:txBody>
-            <a:bodyPr rtlCol="0" anchor="ctr"/>
-            <a:lstStyle/>
-            <a:p>
-              <a:pPr algn="ctr"/>
-              <a:r>
-                <a:rPr lang="en-US" sz="800">
-                  <a:solidFill>
-                    <a:schemeClr val="bg1"/>
-                  </a:solidFill>
-                  <a:latin typeface="Segoe UI" panose="020B0502040204020203" pitchFamily="34" charset="0"/>
-                  <a:cs typeface="Segoe UI" panose="020B0502040204020203" pitchFamily="34" charset="0"/>
-                </a:rPr>
-                <a:t>Telco Common CDM</a:t>
-              </a:r>
-            </a:p>
-          </p:txBody>
-        </p:sp>
-        <p:sp>
-          <p:nvSpPr>
-            <p:cNvPr id="22" name="Rectangle 21">
-              <a:extLst>
-                <a:ext uri="{FF2B5EF4-FFF2-40B4-BE49-F238E27FC236}">
-                  <a16:creationId xmlns:a16="http://schemas.microsoft.com/office/drawing/2014/main" id="{5243CAEC-3DEF-4B23-80BA-905E884C7F84}"/>
-                </a:ext>
-              </a:extLst>
-            </p:cNvPr>
-            <p:cNvSpPr/>
-            <p:nvPr/>
-          </p:nvSpPr>
-          <p:spPr>
-            <a:xfrm>
-              <a:off x="847454" y="3525285"/>
-              <a:ext cx="2536272" cy="205028"/>
-            </a:xfrm>
-            <a:prstGeom prst="rect">
-              <a:avLst/>
-            </a:prstGeom>
-            <a:solidFill>
-              <a:srgbClr val="CFDBF0"/>
-            </a:solidFill>
-          </p:spPr>
-          <p:style>
-            <a:lnRef idx="2">
-              <a:schemeClr val="accent1">
-                <a:shade val="50000"/>
-              </a:schemeClr>
-            </a:lnRef>
-            <a:fillRef idx="1">
-              <a:schemeClr val="accent1"/>
-            </a:fillRef>
-            <a:effectRef idx="0">
-              <a:schemeClr val="accent1"/>
-            </a:effectRef>
-            <a:fontRef idx="minor">
-              <a:schemeClr val="lt1"/>
-            </a:fontRef>
-          </p:style>
-          <p:txBody>
-            <a:bodyPr rtlCol="0" anchor="ctr"/>
-            <a:lstStyle/>
-            <a:p>
-              <a:pPr algn="ctr"/>
-              <a:r>
-                <a:rPr lang="en-US" sz="800">
-                  <a:solidFill>
-                    <a:schemeClr val="tx1"/>
-                  </a:solidFill>
-                  <a:latin typeface="Segoe UI" panose="020B0502040204020203" pitchFamily="34" charset="0"/>
-                  <a:cs typeface="Segoe UI" panose="020B0502040204020203" pitchFamily="34" charset="0"/>
-                </a:rPr>
-                <a:t>Telco Apps</a:t>
-              </a:r>
-            </a:p>
-          </p:txBody>
-        </p:sp>
-        <p:sp>
-          <p:nvSpPr>
-            <p:cNvPr id="23" name="Rectangle 22">
-              <a:extLst>
-                <a:ext uri="{FF2B5EF4-FFF2-40B4-BE49-F238E27FC236}">
-                  <a16:creationId xmlns:a16="http://schemas.microsoft.com/office/drawing/2014/main" id="{2B261EA5-E360-4B00-90D1-6F940C126A58}"/>
-                </a:ext>
-              </a:extLst>
-            </p:cNvPr>
-            <p:cNvSpPr/>
-            <p:nvPr/>
-          </p:nvSpPr>
-          <p:spPr>
-            <a:xfrm>
-              <a:off x="3405161" y="3525285"/>
-              <a:ext cx="2511160" cy="205028"/>
-            </a:xfrm>
-            <a:prstGeom prst="rect">
-              <a:avLst/>
-            </a:prstGeom>
-            <a:solidFill>
-              <a:srgbClr val="FFEFBD"/>
-            </a:solidFill>
-          </p:spPr>
-          <p:style>
-            <a:lnRef idx="2">
-              <a:schemeClr val="accent4">
-                <a:shade val="50000"/>
-              </a:schemeClr>
-            </a:lnRef>
-            <a:fillRef idx="1">
-              <a:schemeClr val="accent4"/>
-            </a:fillRef>
-            <a:effectRef idx="0">
-              <a:schemeClr val="accent4"/>
-            </a:effectRef>
-            <a:fontRef idx="minor">
-              <a:schemeClr val="lt1"/>
-            </a:fontRef>
-          </p:style>
-          <p:txBody>
-            <a:bodyPr rtlCol="0" anchor="ctr"/>
-            <a:lstStyle/>
-            <a:p>
-              <a:pPr algn="ctr"/>
-              <a:r>
-                <a:rPr lang="en-US" sz="800">
-                  <a:solidFill>
-                    <a:schemeClr val="tx1"/>
-                  </a:solidFill>
-                  <a:latin typeface="Segoe UI" panose="020B0502040204020203" pitchFamily="34" charset="0"/>
-                  <a:cs typeface="Segoe UI" panose="020B0502040204020203" pitchFamily="34" charset="0"/>
-                </a:rPr>
-                <a:t>Dynamics 365 Sales</a:t>
-              </a:r>
-            </a:p>
-          </p:txBody>
-        </p:sp>
-        <p:sp>
-          <p:nvSpPr>
-            <p:cNvPr id="24" name="Rectangle 23">
-              <a:extLst>
-                <a:ext uri="{FF2B5EF4-FFF2-40B4-BE49-F238E27FC236}">
-                  <a16:creationId xmlns:a16="http://schemas.microsoft.com/office/drawing/2014/main" id="{F158F648-367D-4F95-9FC1-638DD8A347AE}"/>
-                </a:ext>
-              </a:extLst>
-            </p:cNvPr>
-            <p:cNvSpPr/>
-            <p:nvPr/>
-          </p:nvSpPr>
-          <p:spPr>
-            <a:xfrm>
-              <a:off x="3381887" y="2939185"/>
-              <a:ext cx="2536272" cy="205028"/>
-            </a:xfrm>
-            <a:prstGeom prst="rect">
-              <a:avLst/>
-            </a:prstGeom>
-            <a:solidFill>
-              <a:srgbClr val="CFDBF0"/>
-            </a:solidFill>
-          </p:spPr>
-          <p:style>
-            <a:lnRef idx="2">
-              <a:schemeClr val="accent1">
-                <a:shade val="50000"/>
-              </a:schemeClr>
-            </a:lnRef>
-            <a:fillRef idx="1">
-              <a:schemeClr val="accent1"/>
-            </a:fillRef>
-            <a:effectRef idx="0">
-              <a:schemeClr val="accent1"/>
-            </a:effectRef>
-            <a:fontRef idx="minor">
-              <a:schemeClr val="lt1"/>
-            </a:fontRef>
-          </p:style>
-          <p:txBody>
-            <a:bodyPr rtlCol="0" anchor="ctr"/>
-            <a:lstStyle/>
-            <a:p>
-              <a:pPr algn="ctr"/>
-              <a:r>
-                <a:rPr lang="en-US" sz="800">
-                  <a:solidFill>
-                    <a:schemeClr val="tx1"/>
-                  </a:solidFill>
-                  <a:latin typeface="Segoe UI" panose="020B0502040204020203" pitchFamily="34" charset="0"/>
-                  <a:cs typeface="Segoe UI" panose="020B0502040204020203" pitchFamily="34" charset="0"/>
-                </a:rPr>
-                <a:t>Telco Sales Apps</a:t>
-              </a:r>
-            </a:p>
-          </p:txBody>
-        </p:sp>
-        <p:sp>
-          <p:nvSpPr>
-            <p:cNvPr id="25" name="Rectangle 24">
-              <a:extLst>
-                <a:ext uri="{FF2B5EF4-FFF2-40B4-BE49-F238E27FC236}">
-                  <a16:creationId xmlns:a16="http://schemas.microsoft.com/office/drawing/2014/main" id="{3C15F5ED-E669-4813-A5C1-0BD8635CB0DD}"/>
-                </a:ext>
-              </a:extLst>
-            </p:cNvPr>
-            <p:cNvSpPr/>
-            <p:nvPr/>
-          </p:nvSpPr>
-          <p:spPr>
-            <a:xfrm>
-              <a:off x="3381887" y="3232235"/>
-              <a:ext cx="2536272" cy="205028"/>
-            </a:xfrm>
-            <a:prstGeom prst="rect">
-              <a:avLst/>
-            </a:prstGeom>
-            <a:solidFill>
-              <a:srgbClr val="CFDBF0"/>
-            </a:solidFill>
-          </p:spPr>
-          <p:style>
-            <a:lnRef idx="2">
-              <a:schemeClr val="accent1">
-                <a:shade val="50000"/>
-              </a:schemeClr>
-            </a:lnRef>
-            <a:fillRef idx="1">
-              <a:schemeClr val="accent1"/>
-            </a:fillRef>
-            <a:effectRef idx="0">
-              <a:schemeClr val="accent1"/>
-            </a:effectRef>
-            <a:fontRef idx="minor">
-              <a:schemeClr val="lt1"/>
-            </a:fontRef>
-          </p:style>
-          <p:txBody>
-            <a:bodyPr rtlCol="0" anchor="ctr"/>
-            <a:lstStyle/>
-            <a:p>
-              <a:pPr algn="ctr"/>
-              <a:r>
-                <a:rPr lang="en-US" sz="800">
-                  <a:solidFill>
-                    <a:schemeClr val="tx1"/>
-                  </a:solidFill>
-                  <a:latin typeface="Segoe UI" panose="020B0502040204020203" pitchFamily="34" charset="0"/>
-                  <a:cs typeface="Segoe UI" panose="020B0502040204020203" pitchFamily="34" charset="0"/>
-                </a:rPr>
-                <a:t>Telco Sales CDM</a:t>
-              </a:r>
-            </a:p>
-          </p:txBody>
-        </p:sp>
-      </p:grpSp>
       <p:sp>
         <p:nvSpPr>
           <p:cNvPr id="3" name="Arrow: Right 2">
@@ -8100,7 +10160,7 @@
         </p:nvSpPr>
         <p:spPr>
           <a:xfrm>
-            <a:off x="5686628" y="2238633"/>
+            <a:off x="6248297" y="2127758"/>
             <a:ext cx="978408" cy="484632"/>
           </a:xfrm>
           <a:prstGeom prst="rightArrow">
@@ -8133,10 +10193,489 @@
           <a:lstStyle/>
           <a:p>
             <a:pPr algn="ctr"/>
-            <a:endParaRPr lang="en-US"/>
+            <a:endParaRPr lang="en-US" dirty="0"/>
           </a:p>
         </p:txBody>
       </p:sp>
+      <p:grpSp>
+        <p:nvGrpSpPr>
+          <p:cNvPr id="13" name="Group 12">
+            <a:extLst>
+              <a:ext uri="{FF2B5EF4-FFF2-40B4-BE49-F238E27FC236}">
+                <a16:creationId xmlns:a16="http://schemas.microsoft.com/office/drawing/2014/main" id="{D4A95A0E-DADA-4430-8C82-CC0AB7EB5032}"/>
+              </a:ext>
+            </a:extLst>
+          </p:cNvPr>
+          <p:cNvGrpSpPr/>
+          <p:nvPr/>
+        </p:nvGrpSpPr>
+        <p:grpSpPr>
+          <a:xfrm>
+            <a:off x="317518" y="2026531"/>
+            <a:ext cx="5640637" cy="3101067"/>
+            <a:chOff x="1277942" y="1969379"/>
+            <a:chExt cx="9399580" cy="3101067"/>
+          </a:xfrm>
+        </p:grpSpPr>
+        <p:sp>
+          <p:nvSpPr>
+            <p:cNvPr id="14" name="Rectangle 13">
+              <a:extLst>
+                <a:ext uri="{FF2B5EF4-FFF2-40B4-BE49-F238E27FC236}">
+                  <a16:creationId xmlns:a16="http://schemas.microsoft.com/office/drawing/2014/main" id="{2F267B6D-BDB8-4647-AC04-26C3E07A95CA}"/>
+                </a:ext>
+              </a:extLst>
+            </p:cNvPr>
+            <p:cNvSpPr/>
+            <p:nvPr/>
+          </p:nvSpPr>
+          <p:spPr>
+            <a:xfrm>
+              <a:off x="1277945" y="4565001"/>
+              <a:ext cx="9383525" cy="505445"/>
+            </a:xfrm>
+            <a:prstGeom prst="rect">
+              <a:avLst/>
+            </a:prstGeom>
+            <a:solidFill>
+              <a:srgbClr val="FFEFBD"/>
+            </a:solidFill>
+          </p:spPr>
+          <p:style>
+            <a:lnRef idx="2">
+              <a:schemeClr val="accent4">
+                <a:shade val="50000"/>
+              </a:schemeClr>
+            </a:lnRef>
+            <a:fillRef idx="1">
+              <a:schemeClr val="accent4"/>
+            </a:fillRef>
+            <a:effectRef idx="0">
+              <a:schemeClr val="accent4"/>
+            </a:effectRef>
+            <a:fontRef idx="minor">
+              <a:schemeClr val="lt1"/>
+            </a:fontRef>
+          </p:style>
+          <p:txBody>
+            <a:bodyPr rtlCol="0" anchor="ctr"/>
+            <a:lstStyle/>
+            <a:p>
+              <a:pPr algn="ctr"/>
+              <a:r>
+                <a:rPr lang="en-US" sz="1200" dirty="0">
+                  <a:solidFill>
+                    <a:schemeClr val="tx1"/>
+                  </a:solidFill>
+                  <a:latin typeface="Segoe UI" panose="020B0502040204020203" pitchFamily="34" charset="0"/>
+                  <a:cs typeface="Segoe UI" panose="020B0502040204020203" pitchFamily="34" charset="0"/>
+                </a:rPr>
+                <a:t>Microsoft Dataverse</a:t>
+              </a:r>
+            </a:p>
+          </p:txBody>
+        </p:sp>
+        <p:sp>
+          <p:nvSpPr>
+            <p:cNvPr id="15" name="Rectangle 14">
+              <a:extLst>
+                <a:ext uri="{FF2B5EF4-FFF2-40B4-BE49-F238E27FC236}">
+                  <a16:creationId xmlns:a16="http://schemas.microsoft.com/office/drawing/2014/main" id="{E2ED6A62-91EE-46D4-8821-4F6969C9541E}"/>
+                </a:ext>
+              </a:extLst>
+            </p:cNvPr>
+            <p:cNvSpPr/>
+            <p:nvPr/>
+          </p:nvSpPr>
+          <p:spPr>
+            <a:xfrm>
+              <a:off x="1277957" y="3923086"/>
+              <a:ext cx="9383525" cy="514549"/>
+            </a:xfrm>
+            <a:prstGeom prst="rect">
+              <a:avLst/>
+            </a:prstGeom>
+            <a:solidFill>
+              <a:srgbClr val="CFDBF0"/>
+            </a:solidFill>
+          </p:spPr>
+          <p:style>
+            <a:lnRef idx="2">
+              <a:schemeClr val="accent1">
+                <a:shade val="50000"/>
+              </a:schemeClr>
+            </a:lnRef>
+            <a:fillRef idx="1">
+              <a:schemeClr val="accent1"/>
+            </a:fillRef>
+            <a:effectRef idx="0">
+              <a:schemeClr val="accent1"/>
+            </a:effectRef>
+            <a:fontRef idx="minor">
+              <a:schemeClr val="lt1"/>
+            </a:fontRef>
+          </p:style>
+          <p:txBody>
+            <a:bodyPr rtlCol="0" anchor="ctr"/>
+            <a:lstStyle/>
+            <a:p>
+              <a:pPr algn="ctr"/>
+              <a:r>
+                <a:rPr lang="en-US" sz="1200" dirty="0">
+                  <a:solidFill>
+                    <a:schemeClr val="tx1"/>
+                  </a:solidFill>
+                  <a:latin typeface="Segoe UI" panose="020B0502040204020203" pitchFamily="34" charset="0"/>
+                  <a:cs typeface="Segoe UI" panose="020B0502040204020203" pitchFamily="34" charset="0"/>
+                </a:rPr>
+                <a:t>Telco Common CDM</a:t>
+              </a:r>
+            </a:p>
+          </p:txBody>
+        </p:sp>
+        <p:sp>
+          <p:nvSpPr>
+            <p:cNvPr id="16" name="Rectangle 15">
+              <a:extLst>
+                <a:ext uri="{FF2B5EF4-FFF2-40B4-BE49-F238E27FC236}">
+                  <a16:creationId xmlns:a16="http://schemas.microsoft.com/office/drawing/2014/main" id="{015B3475-3975-488A-8554-04046AB14F87}"/>
+                </a:ext>
+              </a:extLst>
+            </p:cNvPr>
+            <p:cNvSpPr/>
+            <p:nvPr/>
+          </p:nvSpPr>
+          <p:spPr>
+            <a:xfrm>
+              <a:off x="7447401" y="2628370"/>
+              <a:ext cx="3206040" cy="533641"/>
+            </a:xfrm>
+            <a:prstGeom prst="rect">
+              <a:avLst/>
+            </a:prstGeom>
+            <a:solidFill>
+              <a:srgbClr val="CFDBF0"/>
+            </a:solidFill>
+          </p:spPr>
+          <p:style>
+            <a:lnRef idx="2">
+              <a:schemeClr val="accent1">
+                <a:shade val="50000"/>
+              </a:schemeClr>
+            </a:lnRef>
+            <a:fillRef idx="1">
+              <a:schemeClr val="accent1"/>
+            </a:fillRef>
+            <a:effectRef idx="0">
+              <a:schemeClr val="accent1"/>
+            </a:effectRef>
+            <a:fontRef idx="minor">
+              <a:schemeClr val="lt1"/>
+            </a:fontRef>
+          </p:style>
+          <p:txBody>
+            <a:bodyPr rtlCol="0" anchor="ctr"/>
+            <a:lstStyle/>
+            <a:p>
+              <a:pPr algn="ctr"/>
+              <a:r>
+                <a:rPr lang="en-US" sz="1200" dirty="0">
+                  <a:solidFill>
+                    <a:schemeClr val="tx1"/>
+                  </a:solidFill>
+                  <a:latin typeface="Segoe UI" panose="020B0502040204020203" pitchFamily="34" charset="0"/>
+                  <a:cs typeface="Segoe UI" panose="020B0502040204020203" pitchFamily="34" charset="0"/>
+                </a:rPr>
+                <a:t>Telco Sales CDM</a:t>
+              </a:r>
+            </a:p>
+          </p:txBody>
+        </p:sp>
+        <p:sp>
+          <p:nvSpPr>
+            <p:cNvPr id="17" name="Rectangle 16">
+              <a:extLst>
+                <a:ext uri="{FF2B5EF4-FFF2-40B4-BE49-F238E27FC236}">
+                  <a16:creationId xmlns:a16="http://schemas.microsoft.com/office/drawing/2014/main" id="{331E4B4F-BE2C-4BCD-BBB1-8D247A7EB8D5}"/>
+                </a:ext>
+              </a:extLst>
+            </p:cNvPr>
+            <p:cNvSpPr/>
+            <p:nvPr/>
+          </p:nvSpPr>
+          <p:spPr>
+            <a:xfrm>
+              <a:off x="5133860" y="3262080"/>
+              <a:ext cx="2206180" cy="542566"/>
+            </a:xfrm>
+            <a:prstGeom prst="rect">
+              <a:avLst/>
+            </a:prstGeom>
+            <a:solidFill>
+              <a:srgbClr val="CFDBF0"/>
+            </a:solidFill>
+          </p:spPr>
+          <p:style>
+            <a:lnRef idx="2">
+              <a:schemeClr val="accent1">
+                <a:shade val="50000"/>
+              </a:schemeClr>
+            </a:lnRef>
+            <a:fillRef idx="1">
+              <a:schemeClr val="accent1"/>
+            </a:fillRef>
+            <a:effectRef idx="0">
+              <a:schemeClr val="accent1"/>
+            </a:effectRef>
+            <a:fontRef idx="minor">
+              <a:schemeClr val="lt1"/>
+            </a:fontRef>
+          </p:style>
+          <p:txBody>
+            <a:bodyPr rtlCol="0" anchor="ctr"/>
+            <a:lstStyle/>
+            <a:p>
+              <a:pPr algn="ctr"/>
+              <a:r>
+                <a:rPr lang="en-US" sz="1200" dirty="0">
+                  <a:solidFill>
+                    <a:schemeClr val="tx1"/>
+                  </a:solidFill>
+                  <a:latin typeface="Segoe UI" panose="020B0502040204020203" pitchFamily="34" charset="0"/>
+                  <a:cs typeface="Segoe UI" panose="020B0502040204020203" pitchFamily="34" charset="0"/>
+                </a:rPr>
+                <a:t>Telco Apps</a:t>
+              </a:r>
+            </a:p>
+          </p:txBody>
+        </p:sp>
+        <p:sp>
+          <p:nvSpPr>
+            <p:cNvPr id="18" name="Rectangle 17">
+              <a:extLst>
+                <a:ext uri="{FF2B5EF4-FFF2-40B4-BE49-F238E27FC236}">
+                  <a16:creationId xmlns:a16="http://schemas.microsoft.com/office/drawing/2014/main" id="{20F27A92-1410-4289-9692-064A9D2E4B9A}"/>
+                </a:ext>
+              </a:extLst>
+            </p:cNvPr>
+            <p:cNvSpPr/>
+            <p:nvPr/>
+          </p:nvSpPr>
+          <p:spPr>
+            <a:xfrm>
+              <a:off x="7447401" y="1969379"/>
+              <a:ext cx="3206041" cy="585859"/>
+            </a:xfrm>
+            <a:prstGeom prst="rect">
+              <a:avLst/>
+            </a:prstGeom>
+          </p:spPr>
+          <p:style>
+            <a:lnRef idx="2">
+              <a:schemeClr val="accent1">
+                <a:shade val="50000"/>
+              </a:schemeClr>
+            </a:lnRef>
+            <a:fillRef idx="1">
+              <a:schemeClr val="accent1"/>
+            </a:fillRef>
+            <a:effectRef idx="0">
+              <a:schemeClr val="accent1"/>
+            </a:effectRef>
+            <a:fontRef idx="minor">
+              <a:schemeClr val="lt1"/>
+            </a:fontRef>
+          </p:style>
+          <p:txBody>
+            <a:bodyPr rtlCol="0" anchor="ctr"/>
+            <a:lstStyle/>
+            <a:p>
+              <a:pPr algn="ctr"/>
+              <a:r>
+                <a:rPr lang="en-US" sz="1200" dirty="0">
+                  <a:latin typeface="Segoe UI" panose="020B0502040204020203" pitchFamily="34" charset="0"/>
+                  <a:cs typeface="Segoe UI" panose="020B0502040204020203" pitchFamily="34" charset="0"/>
+                </a:rPr>
+                <a:t>Telco Sales Apps</a:t>
+              </a:r>
+            </a:p>
+          </p:txBody>
+        </p:sp>
+        <p:sp>
+          <p:nvSpPr>
+            <p:cNvPr id="19" name="Rectangle 18">
+              <a:extLst>
+                <a:ext uri="{FF2B5EF4-FFF2-40B4-BE49-F238E27FC236}">
+                  <a16:creationId xmlns:a16="http://schemas.microsoft.com/office/drawing/2014/main" id="{18572DC2-25A9-4E30-9827-B11FF1FF2D6B}"/>
+                </a:ext>
+              </a:extLst>
+            </p:cNvPr>
+            <p:cNvSpPr/>
+            <p:nvPr/>
+          </p:nvSpPr>
+          <p:spPr>
+            <a:xfrm>
+              <a:off x="7447401" y="3262079"/>
+              <a:ext cx="3230121" cy="533641"/>
+            </a:xfrm>
+            <a:prstGeom prst="rect">
+              <a:avLst/>
+            </a:prstGeom>
+            <a:solidFill>
+              <a:srgbClr val="FFEFBD"/>
+            </a:solidFill>
+          </p:spPr>
+          <p:style>
+            <a:lnRef idx="2">
+              <a:schemeClr val="accent4">
+                <a:shade val="50000"/>
+              </a:schemeClr>
+            </a:lnRef>
+            <a:fillRef idx="1">
+              <a:schemeClr val="accent4"/>
+            </a:fillRef>
+            <a:effectRef idx="0">
+              <a:schemeClr val="accent4"/>
+            </a:effectRef>
+            <a:fontRef idx="minor">
+              <a:schemeClr val="lt1"/>
+            </a:fontRef>
+          </p:style>
+          <p:txBody>
+            <a:bodyPr rtlCol="0" anchor="ctr"/>
+            <a:lstStyle/>
+            <a:p>
+              <a:pPr algn="ctr"/>
+              <a:r>
+                <a:rPr lang="en-US" sz="1400" dirty="0">
+                  <a:solidFill>
+                    <a:schemeClr val="tx1"/>
+                  </a:solidFill>
+                  <a:latin typeface="Segoe UI" panose="020B0502040204020203" pitchFamily="34" charset="0"/>
+                  <a:cs typeface="Segoe UI" panose="020B0502040204020203" pitchFamily="34" charset="0"/>
+                </a:rPr>
+                <a:t>Dynamics 365 Sales</a:t>
+              </a:r>
+            </a:p>
+          </p:txBody>
+        </p:sp>
+        <p:sp>
+          <p:nvSpPr>
+            <p:cNvPr id="26" name="Rectangle 25">
+              <a:extLst>
+                <a:ext uri="{FF2B5EF4-FFF2-40B4-BE49-F238E27FC236}">
+                  <a16:creationId xmlns:a16="http://schemas.microsoft.com/office/drawing/2014/main" id="{CCF84F5F-FFC8-4F43-A1DD-DE30EE695537}"/>
+                </a:ext>
+              </a:extLst>
+            </p:cNvPr>
+            <p:cNvSpPr/>
+            <p:nvPr/>
+          </p:nvSpPr>
+          <p:spPr>
+            <a:xfrm>
+              <a:off x="1277943" y="3280452"/>
+              <a:ext cx="3761241" cy="528222"/>
+            </a:xfrm>
+            <a:prstGeom prst="rect">
+              <a:avLst/>
+            </a:prstGeom>
+            <a:solidFill>
+              <a:srgbClr val="CFDBF0"/>
+            </a:solidFill>
+          </p:spPr>
+          <p:style>
+            <a:lnRef idx="2">
+              <a:schemeClr val="accent1">
+                <a:shade val="50000"/>
+              </a:schemeClr>
+            </a:lnRef>
+            <a:fillRef idx="1">
+              <a:schemeClr val="accent1"/>
+            </a:fillRef>
+            <a:effectRef idx="0">
+              <a:schemeClr val="accent1"/>
+            </a:effectRef>
+            <a:fontRef idx="minor">
+              <a:schemeClr val="lt1"/>
+            </a:fontRef>
+          </p:style>
+          <p:txBody>
+            <a:bodyPr rtlCol="0" anchor="ctr"/>
+            <a:lstStyle/>
+            <a:p>
+              <a:pPr algn="ctr"/>
+              <a:r>
+                <a:rPr lang="en-US" sz="1200" dirty="0">
+                  <a:solidFill>
+                    <a:schemeClr val="tx1"/>
+                  </a:solidFill>
+                  <a:latin typeface="Segoe UI" panose="020B0502040204020203" pitchFamily="34" charset="0"/>
+                  <a:cs typeface="Segoe UI" panose="020B0502040204020203" pitchFamily="34" charset="0"/>
+                </a:rPr>
+                <a:t>Telco Plant Maintenance  CDM</a:t>
+              </a:r>
+            </a:p>
+          </p:txBody>
+        </p:sp>
+        <p:sp>
+          <p:nvSpPr>
+            <p:cNvPr id="27" name="Rectangle 26">
+              <a:extLst>
+                <a:ext uri="{FF2B5EF4-FFF2-40B4-BE49-F238E27FC236}">
+                  <a16:creationId xmlns:a16="http://schemas.microsoft.com/office/drawing/2014/main" id="{D481FF26-2EFA-43B5-A0DE-621A78290B3A}"/>
+                </a:ext>
+              </a:extLst>
+            </p:cNvPr>
+            <p:cNvSpPr/>
+            <p:nvPr/>
+          </p:nvSpPr>
+          <p:spPr>
+            <a:xfrm>
+              <a:off x="1277942" y="2628370"/>
+              <a:ext cx="3761241" cy="533641"/>
+            </a:xfrm>
+            <a:prstGeom prst="rect">
+              <a:avLst/>
+            </a:prstGeom>
+            <a:solidFill>
+              <a:srgbClr val="CFDBF0"/>
+            </a:solidFill>
+          </p:spPr>
+          <p:style>
+            <a:lnRef idx="2">
+              <a:schemeClr val="accent1">
+                <a:shade val="50000"/>
+              </a:schemeClr>
+            </a:lnRef>
+            <a:fillRef idx="1">
+              <a:schemeClr val="accent1"/>
+            </a:fillRef>
+            <a:effectRef idx="0">
+              <a:schemeClr val="accent1"/>
+            </a:effectRef>
+            <a:fontRef idx="minor">
+              <a:schemeClr val="lt1"/>
+            </a:fontRef>
+          </p:style>
+          <p:txBody>
+            <a:bodyPr rtlCol="0" anchor="ctr"/>
+            <a:lstStyle/>
+            <a:p>
+              <a:pPr algn="ctr"/>
+              <a:r>
+                <a:rPr lang="en-US" sz="1200" dirty="0">
+                  <a:solidFill>
+                    <a:schemeClr val="tx1"/>
+                  </a:solidFill>
+                  <a:latin typeface="Segoe UI" panose="020B0502040204020203" pitchFamily="34" charset="0"/>
+                  <a:cs typeface="Segoe UI" panose="020B0502040204020203" pitchFamily="34" charset="0"/>
+                </a:rPr>
+                <a:t>Telco Plant Maintenance Apps</a:t>
+              </a:r>
+            </a:p>
+          </p:txBody>
+        </p:sp>
+      </p:grpSp>
     </p:spTree>
     <p:extLst>
       <p:ext uri="{BB962C8B-B14F-4D97-AF65-F5344CB8AC3E}">
@@ -8196,7 +10735,7 @@
           <a:lstStyle/>
           <a:p>
             <a:r>
-              <a:rPr lang="en-US" sz="2800">
+              <a:rPr lang="en-US" sz="2800" dirty="0">
                 <a:latin typeface="Segoe UI" panose="020B0502040204020203" pitchFamily="34" charset="0"/>
                 <a:cs typeface="Segoe UI" panose="020B0502040204020203" pitchFamily="34" charset="0"/>
               </a:rPr>
@@ -8205,372 +10744,6 @@
           </a:p>
         </p:txBody>
       </p:sp>
-      <p:grpSp>
-        <p:nvGrpSpPr>
-          <p:cNvPr id="11" name="Group 10">
-            <a:extLst>
-              <a:ext uri="{FF2B5EF4-FFF2-40B4-BE49-F238E27FC236}">
-                <a16:creationId xmlns:a16="http://schemas.microsoft.com/office/drawing/2014/main" id="{6D33A083-9B3E-402B-8EC4-20F4E277EFD7}"/>
-              </a:ext>
-            </a:extLst>
-          </p:cNvPr>
-          <p:cNvGrpSpPr/>
-          <p:nvPr/>
-        </p:nvGrpSpPr>
-        <p:grpSpPr>
-          <a:xfrm>
-            <a:off x="456261" y="2349860"/>
-            <a:ext cx="5070705" cy="1377229"/>
-            <a:chOff x="847454" y="2939185"/>
-            <a:chExt cx="5070705" cy="1377229"/>
-          </a:xfrm>
-        </p:grpSpPr>
-        <p:sp>
-          <p:nvSpPr>
-            <p:cNvPr id="21" name="Rectangle 20">
-              <a:extLst>
-                <a:ext uri="{FF2B5EF4-FFF2-40B4-BE49-F238E27FC236}">
-                  <a16:creationId xmlns:a16="http://schemas.microsoft.com/office/drawing/2014/main" id="{3AEA5EA2-0593-49A7-B122-AEAEEECAAB85}"/>
-                </a:ext>
-              </a:extLst>
-            </p:cNvPr>
-            <p:cNvSpPr/>
-            <p:nvPr/>
-          </p:nvSpPr>
-          <p:spPr>
-            <a:xfrm>
-              <a:off x="847454" y="4111386"/>
-              <a:ext cx="5068867" cy="205028"/>
-            </a:xfrm>
-            <a:prstGeom prst="rect">
-              <a:avLst/>
-            </a:prstGeom>
-            <a:solidFill>
-              <a:srgbClr val="FFEFBD"/>
-            </a:solidFill>
-          </p:spPr>
-          <p:style>
-            <a:lnRef idx="2">
-              <a:schemeClr val="accent4">
-                <a:shade val="50000"/>
-              </a:schemeClr>
-            </a:lnRef>
-            <a:fillRef idx="1">
-              <a:schemeClr val="accent4"/>
-            </a:fillRef>
-            <a:effectRef idx="0">
-              <a:schemeClr val="accent4"/>
-            </a:effectRef>
-            <a:fontRef idx="minor">
-              <a:schemeClr val="lt1"/>
-            </a:fontRef>
-          </p:style>
-          <p:txBody>
-            <a:bodyPr rtlCol="0" anchor="ctr"/>
-            <a:lstStyle/>
-            <a:p>
-              <a:pPr algn="ctr"/>
-              <a:r>
-                <a:rPr lang="en-US" sz="800">
-                  <a:solidFill>
-                    <a:schemeClr val="tx1"/>
-                  </a:solidFill>
-                  <a:latin typeface="Segoe UI" panose="020B0502040204020203" pitchFamily="34" charset="0"/>
-                  <a:cs typeface="Segoe UI" panose="020B0502040204020203" pitchFamily="34" charset="0"/>
-                </a:rPr>
-                <a:t>Microsoft Dataverse</a:t>
-              </a:r>
-            </a:p>
-          </p:txBody>
-        </p:sp>
-        <p:sp>
-          <p:nvSpPr>
-            <p:cNvPr id="22" name="Rectangle 21">
-              <a:extLst>
-                <a:ext uri="{FF2B5EF4-FFF2-40B4-BE49-F238E27FC236}">
-                  <a16:creationId xmlns:a16="http://schemas.microsoft.com/office/drawing/2014/main" id="{BF58FAAD-8429-4FC1-A15B-54523074FD81}"/>
-                </a:ext>
-              </a:extLst>
-            </p:cNvPr>
-            <p:cNvSpPr/>
-            <p:nvPr/>
-          </p:nvSpPr>
-          <p:spPr>
-            <a:xfrm>
-              <a:off x="847458" y="3818335"/>
-              <a:ext cx="5068869" cy="205028"/>
-            </a:xfrm>
-            <a:prstGeom prst="rect">
-              <a:avLst/>
-            </a:prstGeom>
-          </p:spPr>
-          <p:style>
-            <a:lnRef idx="2">
-              <a:schemeClr val="accent1">
-                <a:shade val="50000"/>
-              </a:schemeClr>
-            </a:lnRef>
-            <a:fillRef idx="1">
-              <a:schemeClr val="accent1"/>
-            </a:fillRef>
-            <a:effectRef idx="0">
-              <a:schemeClr val="accent1"/>
-            </a:effectRef>
-            <a:fontRef idx="minor">
-              <a:schemeClr val="lt1"/>
-            </a:fontRef>
-          </p:style>
-          <p:txBody>
-            <a:bodyPr rtlCol="0" anchor="ctr"/>
-            <a:lstStyle/>
-            <a:p>
-              <a:pPr algn="ctr"/>
-              <a:r>
-                <a:rPr lang="en-US" sz="800">
-                  <a:solidFill>
-                    <a:schemeClr val="bg1"/>
-                  </a:solidFill>
-                  <a:latin typeface="Segoe UI" panose="020B0502040204020203" pitchFamily="34" charset="0"/>
-                  <a:cs typeface="Segoe UI" panose="020B0502040204020203" pitchFamily="34" charset="0"/>
-                </a:rPr>
-                <a:t>Telco Common CDM</a:t>
-              </a:r>
-            </a:p>
-          </p:txBody>
-        </p:sp>
-        <p:sp>
-          <p:nvSpPr>
-            <p:cNvPr id="23" name="Rectangle 22">
-              <a:extLst>
-                <a:ext uri="{FF2B5EF4-FFF2-40B4-BE49-F238E27FC236}">
-                  <a16:creationId xmlns:a16="http://schemas.microsoft.com/office/drawing/2014/main" id="{ED82AEFA-7EAF-440B-9E47-4F63E367DBEF}"/>
-                </a:ext>
-              </a:extLst>
-            </p:cNvPr>
-            <p:cNvSpPr/>
-            <p:nvPr/>
-          </p:nvSpPr>
-          <p:spPr>
-            <a:xfrm>
-              <a:off x="847454" y="3525285"/>
-              <a:ext cx="2536272" cy="205028"/>
-            </a:xfrm>
-            <a:prstGeom prst="rect">
-              <a:avLst/>
-            </a:prstGeom>
-            <a:solidFill>
-              <a:srgbClr val="CFDBF0"/>
-            </a:solidFill>
-          </p:spPr>
-          <p:style>
-            <a:lnRef idx="2">
-              <a:schemeClr val="accent1">
-                <a:shade val="50000"/>
-              </a:schemeClr>
-            </a:lnRef>
-            <a:fillRef idx="1">
-              <a:schemeClr val="accent1"/>
-            </a:fillRef>
-            <a:effectRef idx="0">
-              <a:schemeClr val="accent1"/>
-            </a:effectRef>
-            <a:fontRef idx="minor">
-              <a:schemeClr val="lt1"/>
-            </a:fontRef>
-          </p:style>
-          <p:txBody>
-            <a:bodyPr rtlCol="0" anchor="ctr"/>
-            <a:lstStyle/>
-            <a:p>
-              <a:pPr algn="ctr"/>
-              <a:r>
-                <a:rPr lang="en-US" sz="800">
-                  <a:solidFill>
-                    <a:schemeClr val="tx1"/>
-                  </a:solidFill>
-                  <a:latin typeface="Segoe UI" panose="020B0502040204020203" pitchFamily="34" charset="0"/>
-                  <a:cs typeface="Segoe UI" panose="020B0502040204020203" pitchFamily="34" charset="0"/>
-                </a:rPr>
-                <a:t>Telco Apps</a:t>
-              </a:r>
-            </a:p>
-          </p:txBody>
-        </p:sp>
-        <p:sp>
-          <p:nvSpPr>
-            <p:cNvPr id="24" name="Rectangle 23">
-              <a:extLst>
-                <a:ext uri="{FF2B5EF4-FFF2-40B4-BE49-F238E27FC236}">
-                  <a16:creationId xmlns:a16="http://schemas.microsoft.com/office/drawing/2014/main" id="{8009B9C0-C80E-470C-930D-191260154492}"/>
-                </a:ext>
-              </a:extLst>
-            </p:cNvPr>
-            <p:cNvSpPr/>
-            <p:nvPr/>
-          </p:nvSpPr>
-          <p:spPr>
-            <a:xfrm>
-              <a:off x="3405161" y="3525285"/>
-              <a:ext cx="2511160" cy="205028"/>
-            </a:xfrm>
-            <a:prstGeom prst="rect">
-              <a:avLst/>
-            </a:prstGeom>
-            <a:solidFill>
-              <a:srgbClr val="FFEFBD"/>
-            </a:solidFill>
-          </p:spPr>
-          <p:style>
-            <a:lnRef idx="2">
-              <a:schemeClr val="accent4">
-                <a:shade val="50000"/>
-              </a:schemeClr>
-            </a:lnRef>
-            <a:fillRef idx="1">
-              <a:schemeClr val="accent4"/>
-            </a:fillRef>
-            <a:effectRef idx="0">
-              <a:schemeClr val="accent4"/>
-            </a:effectRef>
-            <a:fontRef idx="minor">
-              <a:schemeClr val="lt1"/>
-            </a:fontRef>
-          </p:style>
-          <p:txBody>
-            <a:bodyPr rtlCol="0" anchor="ctr"/>
-            <a:lstStyle/>
-            <a:p>
-              <a:pPr algn="ctr"/>
-              <a:r>
-                <a:rPr lang="en-US" sz="800">
-                  <a:solidFill>
-                    <a:schemeClr val="tx1"/>
-                  </a:solidFill>
-                  <a:latin typeface="Segoe UI" panose="020B0502040204020203" pitchFamily="34" charset="0"/>
-                  <a:cs typeface="Segoe UI" panose="020B0502040204020203" pitchFamily="34" charset="0"/>
-                </a:rPr>
-                <a:t>Dynamics 365 Sales</a:t>
-              </a:r>
-            </a:p>
-          </p:txBody>
-        </p:sp>
-        <p:sp>
-          <p:nvSpPr>
-            <p:cNvPr id="25" name="Rectangle 24">
-              <a:extLst>
-                <a:ext uri="{FF2B5EF4-FFF2-40B4-BE49-F238E27FC236}">
-                  <a16:creationId xmlns:a16="http://schemas.microsoft.com/office/drawing/2014/main" id="{D4BC9BF0-B098-4395-9D8B-4C71D47A07F0}"/>
-                </a:ext>
-              </a:extLst>
-            </p:cNvPr>
-            <p:cNvSpPr/>
-            <p:nvPr/>
-          </p:nvSpPr>
-          <p:spPr>
-            <a:xfrm>
-              <a:off x="3381887" y="2939185"/>
-              <a:ext cx="2536272" cy="205028"/>
-            </a:xfrm>
-            <a:prstGeom prst="rect">
-              <a:avLst/>
-            </a:prstGeom>
-            <a:solidFill>
-              <a:srgbClr val="CFDBF0"/>
-            </a:solidFill>
-          </p:spPr>
-          <p:style>
-            <a:lnRef idx="2">
-              <a:schemeClr val="accent1">
-                <a:shade val="50000"/>
-              </a:schemeClr>
-            </a:lnRef>
-            <a:fillRef idx="1">
-              <a:schemeClr val="accent1"/>
-            </a:fillRef>
-            <a:effectRef idx="0">
-              <a:schemeClr val="accent1"/>
-            </a:effectRef>
-            <a:fontRef idx="minor">
-              <a:schemeClr val="lt1"/>
-            </a:fontRef>
-          </p:style>
-          <p:txBody>
-            <a:bodyPr rtlCol="0" anchor="ctr"/>
-            <a:lstStyle/>
-            <a:p>
-              <a:pPr algn="ctr"/>
-              <a:r>
-                <a:rPr lang="en-US" sz="800">
-                  <a:solidFill>
-                    <a:schemeClr val="tx1"/>
-                  </a:solidFill>
-                  <a:latin typeface="Segoe UI" panose="020B0502040204020203" pitchFamily="34" charset="0"/>
-                  <a:cs typeface="Segoe UI" panose="020B0502040204020203" pitchFamily="34" charset="0"/>
-                </a:rPr>
-                <a:t>Telco Sales Apps</a:t>
-              </a:r>
-            </a:p>
-          </p:txBody>
-        </p:sp>
-        <p:sp>
-          <p:nvSpPr>
-            <p:cNvPr id="26" name="Rectangle 25">
-              <a:extLst>
-                <a:ext uri="{FF2B5EF4-FFF2-40B4-BE49-F238E27FC236}">
-                  <a16:creationId xmlns:a16="http://schemas.microsoft.com/office/drawing/2014/main" id="{D3D15368-8194-43BB-8EC0-E25DEE6C5077}"/>
-                </a:ext>
-              </a:extLst>
-            </p:cNvPr>
-            <p:cNvSpPr/>
-            <p:nvPr/>
-          </p:nvSpPr>
-          <p:spPr>
-            <a:xfrm>
-              <a:off x="3381887" y="3232235"/>
-              <a:ext cx="2536272" cy="205028"/>
-            </a:xfrm>
-            <a:prstGeom prst="rect">
-              <a:avLst/>
-            </a:prstGeom>
-            <a:solidFill>
-              <a:srgbClr val="CFDBF0"/>
-            </a:solidFill>
-          </p:spPr>
-          <p:style>
-            <a:lnRef idx="2">
-              <a:schemeClr val="accent1">
-                <a:shade val="50000"/>
-              </a:schemeClr>
-            </a:lnRef>
-            <a:fillRef idx="1">
-              <a:schemeClr val="accent1"/>
-            </a:fillRef>
-            <a:effectRef idx="0">
-              <a:schemeClr val="accent1"/>
-            </a:effectRef>
-            <a:fontRef idx="minor">
-              <a:schemeClr val="lt1"/>
-            </a:fontRef>
-          </p:style>
-          <p:txBody>
-            <a:bodyPr rtlCol="0" anchor="ctr"/>
-            <a:lstStyle/>
-            <a:p>
-              <a:pPr algn="ctr"/>
-              <a:r>
-                <a:rPr lang="en-US" sz="800">
-                  <a:solidFill>
-                    <a:schemeClr val="tx1"/>
-                  </a:solidFill>
-                  <a:latin typeface="Segoe UI" panose="020B0502040204020203" pitchFamily="34" charset="0"/>
-                  <a:cs typeface="Segoe UI" panose="020B0502040204020203" pitchFamily="34" charset="0"/>
-                </a:rPr>
-                <a:t>Telco Sales CDM</a:t>
-              </a:r>
-            </a:p>
-          </p:txBody>
-        </p:sp>
-      </p:grpSp>
       <p:sp>
         <p:nvSpPr>
           <p:cNvPr id="2" name="Arrow: Right 1">
@@ -8585,7 +10758,7 @@
         </p:nvSpPr>
         <p:spPr>
           <a:xfrm>
-            <a:off x="5686628" y="2210058"/>
+            <a:off x="6244907" y="2077144"/>
             <a:ext cx="978408" cy="484632"/>
           </a:xfrm>
           <a:prstGeom prst="rightArrow">
@@ -8618,7 +10791,7 @@
           <a:lstStyle/>
           <a:p>
             <a:pPr algn="ctr"/>
-            <a:endParaRPr lang="en-US"/>
+            <a:endParaRPr lang="en-US" dirty="0"/>
           </a:p>
         </p:txBody>
       </p:sp>
@@ -8637,14 +10810,14 @@
           <p:nvPr>
             <p:extLst>
               <p:ext uri="{D42A27DB-BD31-4B8C-83A1-F6EECF244321}">
-                <p14:modId xmlns:p14="http://schemas.microsoft.com/office/powerpoint/2010/main" val="1334615192"/>
+                <p14:modId xmlns:p14="http://schemas.microsoft.com/office/powerpoint/2010/main" val="1615703206"/>
               </p:ext>
             </p:extLst>
           </p:nvPr>
         </p:nvGraphicFramePr>
         <p:xfrm>
-          <a:off x="6824698" y="2277495"/>
-          <a:ext cx="4852660" cy="1244566"/>
+          <a:off x="7524517" y="1939493"/>
+          <a:ext cx="3657603" cy="1244566"/>
         </p:xfrm>
         <a:graphic>
           <a:graphicData uri="http://schemas.openxmlformats.org/drawingml/2006/table">
@@ -8653,14 +10826,14 @@
                 <a:tableStyleId>{B301B821-A1FF-4177-AEE7-76D212191A09}</a:tableStyleId>
               </a:tblPr>
               <a:tblGrid>
-                <a:gridCol w="2254603">
+                <a:gridCol w="2115242">
                   <a:extLst>
                     <a:ext uri="{9D8B030D-6E8A-4147-A177-3AD203B41FA5}">
                       <a16:colId xmlns:a16="http://schemas.microsoft.com/office/drawing/2014/main" val="832068167"/>
                     </a:ext>
                   </a:extLst>
                 </a:gridCol>
-                <a:gridCol w="2598057">
+                <a:gridCol w="1542361">
                   <a:extLst>
                     <a:ext uri="{9D8B030D-6E8A-4147-A177-3AD203B41FA5}">
                       <a16:colId xmlns:a16="http://schemas.microsoft.com/office/drawing/2014/main" val="2702330717"/>
@@ -8675,7 +10848,7 @@
                     <a:lstStyle/>
                     <a:p>
                       <a:r>
-                        <a:rPr lang="en-US" sz="1400"/>
+                        <a:rPr lang="en-US" sz="1400" dirty="0"/>
                         <a:t>App Name</a:t>
                       </a:r>
                     </a:p>
@@ -8688,7 +10861,7 @@
                     <a:lstStyle/>
                     <a:p>
                       <a:r>
-                        <a:rPr lang="en-US" sz="1400"/>
+                        <a:rPr lang="en-US" sz="1400" dirty="0"/>
                         <a:t>Type</a:t>
                       </a:r>
                     </a:p>
@@ -8708,7 +10881,7 @@
                     <a:lstStyle/>
                     <a:p>
                       <a:r>
-                        <a:rPr lang="en-US" sz="1400"/>
+                        <a:rPr lang="en-US" sz="1400" dirty="0"/>
                         <a:t>Lead Serviceability Check</a:t>
                       </a:r>
                     </a:p>
@@ -8738,7 +10911,7 @@
                         <a:defRPr/>
                       </a:pPr>
                       <a:r>
-                        <a:rPr lang="en-US" sz="1400"/>
+                        <a:rPr lang="en-US" sz="1400" dirty="0"/>
                         <a:t>Canvas</a:t>
                       </a:r>
                     </a:p>
@@ -8758,7 +10931,7 @@
                     <a:lstStyle/>
                     <a:p>
                       <a:r>
-                        <a:rPr lang="en-US" sz="1400"/>
+                        <a:rPr lang="en-US" sz="1400" dirty="0"/>
                         <a:t>Telco Sales</a:t>
                       </a:r>
                     </a:p>
@@ -8788,8 +10961,8 @@
                         <a:defRPr/>
                       </a:pPr>
                       <a:r>
-                        <a:rPr lang="en-US" sz="1400"/>
-                        <a:t>Model-Driven</a:t>
+                        <a:rPr lang="en-US" sz="1400" dirty="0"/>
+                        <a:t>Model-driven</a:t>
                       </a:r>
                     </a:p>
                   </a:txBody>
@@ -8805,6 +10978,485 @@
           </a:graphicData>
         </a:graphic>
       </p:graphicFrame>
+      <p:grpSp>
+        <p:nvGrpSpPr>
+          <p:cNvPr id="13" name="Group 12">
+            <a:extLst>
+              <a:ext uri="{FF2B5EF4-FFF2-40B4-BE49-F238E27FC236}">
+                <a16:creationId xmlns:a16="http://schemas.microsoft.com/office/drawing/2014/main" id="{6EA12BF3-84F2-4220-B659-1A57017C3783}"/>
+              </a:ext>
+            </a:extLst>
+          </p:cNvPr>
+          <p:cNvGrpSpPr/>
+          <p:nvPr/>
+        </p:nvGrpSpPr>
+        <p:grpSpPr>
+          <a:xfrm>
+            <a:off x="317518" y="2026531"/>
+            <a:ext cx="5640637" cy="3101067"/>
+            <a:chOff x="1277942" y="1969379"/>
+            <a:chExt cx="9399580" cy="3101067"/>
+          </a:xfrm>
+        </p:grpSpPr>
+        <p:sp>
+          <p:nvSpPr>
+            <p:cNvPr id="14" name="Rectangle 13">
+              <a:extLst>
+                <a:ext uri="{FF2B5EF4-FFF2-40B4-BE49-F238E27FC236}">
+                  <a16:creationId xmlns:a16="http://schemas.microsoft.com/office/drawing/2014/main" id="{A2DDD340-541D-40D8-8C16-AFE5B81869A1}"/>
+                </a:ext>
+              </a:extLst>
+            </p:cNvPr>
+            <p:cNvSpPr/>
+            <p:nvPr/>
+          </p:nvSpPr>
+          <p:spPr>
+            <a:xfrm>
+              <a:off x="1277945" y="4565001"/>
+              <a:ext cx="9383525" cy="505445"/>
+            </a:xfrm>
+            <a:prstGeom prst="rect">
+              <a:avLst/>
+            </a:prstGeom>
+            <a:solidFill>
+              <a:srgbClr val="FFEFBD"/>
+            </a:solidFill>
+          </p:spPr>
+          <p:style>
+            <a:lnRef idx="2">
+              <a:schemeClr val="accent4">
+                <a:shade val="50000"/>
+              </a:schemeClr>
+            </a:lnRef>
+            <a:fillRef idx="1">
+              <a:schemeClr val="accent4"/>
+            </a:fillRef>
+            <a:effectRef idx="0">
+              <a:schemeClr val="accent4"/>
+            </a:effectRef>
+            <a:fontRef idx="minor">
+              <a:schemeClr val="lt1"/>
+            </a:fontRef>
+          </p:style>
+          <p:txBody>
+            <a:bodyPr rtlCol="0" anchor="ctr"/>
+            <a:lstStyle/>
+            <a:p>
+              <a:pPr algn="ctr"/>
+              <a:r>
+                <a:rPr lang="en-US" sz="1200" dirty="0">
+                  <a:solidFill>
+                    <a:schemeClr val="tx1"/>
+                  </a:solidFill>
+                  <a:latin typeface="Segoe UI" panose="020B0502040204020203" pitchFamily="34" charset="0"/>
+                  <a:cs typeface="Segoe UI" panose="020B0502040204020203" pitchFamily="34" charset="0"/>
+                </a:rPr>
+                <a:t>Microsoft Dataverse</a:t>
+              </a:r>
+            </a:p>
+          </p:txBody>
+        </p:sp>
+        <p:sp>
+          <p:nvSpPr>
+            <p:cNvPr id="15" name="Rectangle 14">
+              <a:extLst>
+                <a:ext uri="{FF2B5EF4-FFF2-40B4-BE49-F238E27FC236}">
+                  <a16:creationId xmlns:a16="http://schemas.microsoft.com/office/drawing/2014/main" id="{D185120F-0C3B-4C70-9D3D-23EB8D056BD7}"/>
+                </a:ext>
+              </a:extLst>
+            </p:cNvPr>
+            <p:cNvSpPr/>
+            <p:nvPr/>
+          </p:nvSpPr>
+          <p:spPr>
+            <a:xfrm>
+              <a:off x="1277957" y="3923086"/>
+              <a:ext cx="9383525" cy="514549"/>
+            </a:xfrm>
+            <a:prstGeom prst="rect">
+              <a:avLst/>
+            </a:prstGeom>
+            <a:solidFill>
+              <a:srgbClr val="CFDBF0"/>
+            </a:solidFill>
+          </p:spPr>
+          <p:style>
+            <a:lnRef idx="2">
+              <a:schemeClr val="accent1">
+                <a:shade val="50000"/>
+              </a:schemeClr>
+            </a:lnRef>
+            <a:fillRef idx="1">
+              <a:schemeClr val="accent1"/>
+            </a:fillRef>
+            <a:effectRef idx="0">
+              <a:schemeClr val="accent1"/>
+            </a:effectRef>
+            <a:fontRef idx="minor">
+              <a:schemeClr val="lt1"/>
+            </a:fontRef>
+          </p:style>
+          <p:txBody>
+            <a:bodyPr rtlCol="0" anchor="ctr"/>
+            <a:lstStyle/>
+            <a:p>
+              <a:pPr algn="ctr"/>
+              <a:r>
+                <a:rPr lang="en-US" sz="1200" dirty="0">
+                  <a:solidFill>
+                    <a:schemeClr val="tx1"/>
+                  </a:solidFill>
+                  <a:latin typeface="Segoe UI" panose="020B0502040204020203" pitchFamily="34" charset="0"/>
+                  <a:cs typeface="Segoe UI" panose="020B0502040204020203" pitchFamily="34" charset="0"/>
+                </a:rPr>
+                <a:t>Telco Common CDM</a:t>
+              </a:r>
+            </a:p>
+          </p:txBody>
+        </p:sp>
+        <p:sp>
+          <p:nvSpPr>
+            <p:cNvPr id="16" name="Rectangle 15">
+              <a:extLst>
+                <a:ext uri="{FF2B5EF4-FFF2-40B4-BE49-F238E27FC236}">
+                  <a16:creationId xmlns:a16="http://schemas.microsoft.com/office/drawing/2014/main" id="{FA127816-2877-486A-A4AA-BD2622202BF4}"/>
+                </a:ext>
+              </a:extLst>
+            </p:cNvPr>
+            <p:cNvSpPr/>
+            <p:nvPr/>
+          </p:nvSpPr>
+          <p:spPr>
+            <a:xfrm>
+              <a:off x="7447401" y="2628370"/>
+              <a:ext cx="3206040" cy="533641"/>
+            </a:xfrm>
+            <a:prstGeom prst="rect">
+              <a:avLst/>
+            </a:prstGeom>
+            <a:solidFill>
+              <a:srgbClr val="CFDBF0"/>
+            </a:solidFill>
+          </p:spPr>
+          <p:style>
+            <a:lnRef idx="2">
+              <a:schemeClr val="accent1">
+                <a:shade val="50000"/>
+              </a:schemeClr>
+            </a:lnRef>
+            <a:fillRef idx="1">
+              <a:schemeClr val="accent1"/>
+            </a:fillRef>
+            <a:effectRef idx="0">
+              <a:schemeClr val="accent1"/>
+            </a:effectRef>
+            <a:fontRef idx="minor">
+              <a:schemeClr val="lt1"/>
+            </a:fontRef>
+          </p:style>
+          <p:txBody>
+            <a:bodyPr rtlCol="0" anchor="ctr"/>
+            <a:lstStyle/>
+            <a:p>
+              <a:pPr algn="ctr"/>
+              <a:r>
+                <a:rPr lang="en-US" sz="1200" dirty="0">
+                  <a:solidFill>
+                    <a:schemeClr val="tx1"/>
+                  </a:solidFill>
+                  <a:latin typeface="Segoe UI" panose="020B0502040204020203" pitchFamily="34" charset="0"/>
+                  <a:cs typeface="Segoe UI" panose="020B0502040204020203" pitchFamily="34" charset="0"/>
+                </a:rPr>
+                <a:t>Telco Sales CDM</a:t>
+              </a:r>
+            </a:p>
+          </p:txBody>
+        </p:sp>
+        <p:sp>
+          <p:nvSpPr>
+            <p:cNvPr id="17" name="Rectangle 16">
+              <a:extLst>
+                <a:ext uri="{FF2B5EF4-FFF2-40B4-BE49-F238E27FC236}">
+                  <a16:creationId xmlns:a16="http://schemas.microsoft.com/office/drawing/2014/main" id="{0F3CFD1A-D4B6-4E74-BD62-186B6E09589C}"/>
+                </a:ext>
+              </a:extLst>
+            </p:cNvPr>
+            <p:cNvSpPr/>
+            <p:nvPr/>
+          </p:nvSpPr>
+          <p:spPr>
+            <a:xfrm>
+              <a:off x="5133860" y="3262080"/>
+              <a:ext cx="2206180" cy="542566"/>
+            </a:xfrm>
+            <a:prstGeom prst="rect">
+              <a:avLst/>
+            </a:prstGeom>
+            <a:solidFill>
+              <a:srgbClr val="CFDBF0"/>
+            </a:solidFill>
+          </p:spPr>
+          <p:style>
+            <a:lnRef idx="2">
+              <a:schemeClr val="accent1">
+                <a:shade val="50000"/>
+              </a:schemeClr>
+            </a:lnRef>
+            <a:fillRef idx="1">
+              <a:schemeClr val="accent1"/>
+            </a:fillRef>
+            <a:effectRef idx="0">
+              <a:schemeClr val="accent1"/>
+            </a:effectRef>
+            <a:fontRef idx="minor">
+              <a:schemeClr val="lt1"/>
+            </a:fontRef>
+          </p:style>
+          <p:txBody>
+            <a:bodyPr rtlCol="0" anchor="ctr"/>
+            <a:lstStyle/>
+            <a:p>
+              <a:pPr algn="ctr"/>
+              <a:r>
+                <a:rPr lang="en-US" sz="1200" dirty="0">
+                  <a:solidFill>
+                    <a:schemeClr val="tx1"/>
+                  </a:solidFill>
+                  <a:latin typeface="Segoe UI" panose="020B0502040204020203" pitchFamily="34" charset="0"/>
+                  <a:cs typeface="Segoe UI" panose="020B0502040204020203" pitchFamily="34" charset="0"/>
+                </a:rPr>
+                <a:t>Telco Apps</a:t>
+              </a:r>
+            </a:p>
+          </p:txBody>
+        </p:sp>
+        <p:sp>
+          <p:nvSpPr>
+            <p:cNvPr id="18" name="Rectangle 17">
+              <a:extLst>
+                <a:ext uri="{FF2B5EF4-FFF2-40B4-BE49-F238E27FC236}">
+                  <a16:creationId xmlns:a16="http://schemas.microsoft.com/office/drawing/2014/main" id="{4C7DACFF-E17B-468F-AE29-CBB259B46C85}"/>
+                </a:ext>
+              </a:extLst>
+            </p:cNvPr>
+            <p:cNvSpPr/>
+            <p:nvPr/>
+          </p:nvSpPr>
+          <p:spPr>
+            <a:xfrm>
+              <a:off x="7447401" y="1969379"/>
+              <a:ext cx="3206041" cy="585859"/>
+            </a:xfrm>
+            <a:prstGeom prst="rect">
+              <a:avLst/>
+            </a:prstGeom>
+          </p:spPr>
+          <p:style>
+            <a:lnRef idx="2">
+              <a:schemeClr val="accent1">
+                <a:shade val="50000"/>
+              </a:schemeClr>
+            </a:lnRef>
+            <a:fillRef idx="1">
+              <a:schemeClr val="accent1"/>
+            </a:fillRef>
+            <a:effectRef idx="0">
+              <a:schemeClr val="accent1"/>
+            </a:effectRef>
+            <a:fontRef idx="minor">
+              <a:schemeClr val="lt1"/>
+            </a:fontRef>
+          </p:style>
+          <p:txBody>
+            <a:bodyPr rtlCol="0" anchor="ctr"/>
+            <a:lstStyle/>
+            <a:p>
+              <a:pPr algn="ctr"/>
+              <a:r>
+                <a:rPr lang="en-US" sz="1200" dirty="0">
+                  <a:latin typeface="Segoe UI" panose="020B0502040204020203" pitchFamily="34" charset="0"/>
+                  <a:cs typeface="Segoe UI" panose="020B0502040204020203" pitchFamily="34" charset="0"/>
+                </a:rPr>
+                <a:t>Telco Sales Apps</a:t>
+              </a:r>
+            </a:p>
+          </p:txBody>
+        </p:sp>
+        <p:sp>
+          <p:nvSpPr>
+            <p:cNvPr id="19" name="Rectangle 18">
+              <a:extLst>
+                <a:ext uri="{FF2B5EF4-FFF2-40B4-BE49-F238E27FC236}">
+                  <a16:creationId xmlns:a16="http://schemas.microsoft.com/office/drawing/2014/main" id="{9C314162-95F4-44B5-8B2B-F307ED0D0267}"/>
+                </a:ext>
+              </a:extLst>
+            </p:cNvPr>
+            <p:cNvSpPr/>
+            <p:nvPr/>
+          </p:nvSpPr>
+          <p:spPr>
+            <a:xfrm>
+              <a:off x="7447401" y="3262079"/>
+              <a:ext cx="3230121" cy="533641"/>
+            </a:xfrm>
+            <a:prstGeom prst="rect">
+              <a:avLst/>
+            </a:prstGeom>
+            <a:solidFill>
+              <a:srgbClr val="FFEFBD"/>
+            </a:solidFill>
+          </p:spPr>
+          <p:style>
+            <a:lnRef idx="2">
+              <a:schemeClr val="accent4">
+                <a:shade val="50000"/>
+              </a:schemeClr>
+            </a:lnRef>
+            <a:fillRef idx="1">
+              <a:schemeClr val="accent4"/>
+            </a:fillRef>
+            <a:effectRef idx="0">
+              <a:schemeClr val="accent4"/>
+            </a:effectRef>
+            <a:fontRef idx="minor">
+              <a:schemeClr val="lt1"/>
+            </a:fontRef>
+          </p:style>
+          <p:txBody>
+            <a:bodyPr rtlCol="0" anchor="ctr"/>
+            <a:lstStyle/>
+            <a:p>
+              <a:pPr algn="ctr"/>
+              <a:r>
+                <a:rPr lang="en-US" sz="1400" dirty="0">
+                  <a:solidFill>
+                    <a:schemeClr val="tx1"/>
+                  </a:solidFill>
+                  <a:latin typeface="Segoe UI" panose="020B0502040204020203" pitchFamily="34" charset="0"/>
+                  <a:cs typeface="Segoe UI" panose="020B0502040204020203" pitchFamily="34" charset="0"/>
+                </a:rPr>
+                <a:t>Dynamics 365 Sales</a:t>
+              </a:r>
+            </a:p>
+          </p:txBody>
+        </p:sp>
+        <p:sp>
+          <p:nvSpPr>
+            <p:cNvPr id="20" name="Rectangle 19">
+              <a:extLst>
+                <a:ext uri="{FF2B5EF4-FFF2-40B4-BE49-F238E27FC236}">
+                  <a16:creationId xmlns:a16="http://schemas.microsoft.com/office/drawing/2014/main" id="{6166E248-A3E5-4268-B7A7-C2AB529DE102}"/>
+                </a:ext>
+              </a:extLst>
+            </p:cNvPr>
+            <p:cNvSpPr/>
+            <p:nvPr/>
+          </p:nvSpPr>
+          <p:spPr>
+            <a:xfrm>
+              <a:off x="1277943" y="3280452"/>
+              <a:ext cx="3761241" cy="528222"/>
+            </a:xfrm>
+            <a:prstGeom prst="rect">
+              <a:avLst/>
+            </a:prstGeom>
+            <a:solidFill>
+              <a:srgbClr val="CFDBF0"/>
+            </a:solidFill>
+          </p:spPr>
+          <p:style>
+            <a:lnRef idx="2">
+              <a:schemeClr val="accent1">
+                <a:shade val="50000"/>
+              </a:schemeClr>
+            </a:lnRef>
+            <a:fillRef idx="1">
+              <a:schemeClr val="accent1"/>
+            </a:fillRef>
+            <a:effectRef idx="0">
+              <a:schemeClr val="accent1"/>
+            </a:effectRef>
+            <a:fontRef idx="minor">
+              <a:schemeClr val="lt1"/>
+            </a:fontRef>
+          </p:style>
+          <p:txBody>
+            <a:bodyPr rtlCol="0" anchor="ctr"/>
+            <a:lstStyle/>
+            <a:p>
+              <a:pPr algn="ctr"/>
+              <a:r>
+                <a:rPr lang="en-US" sz="1200" dirty="0">
+                  <a:solidFill>
+                    <a:schemeClr val="tx1"/>
+                  </a:solidFill>
+                  <a:latin typeface="Segoe UI" panose="020B0502040204020203" pitchFamily="34" charset="0"/>
+                  <a:cs typeface="Segoe UI" panose="020B0502040204020203" pitchFamily="34" charset="0"/>
+                </a:rPr>
+                <a:t>Telco Plant Maintenance  CDM</a:t>
+              </a:r>
+            </a:p>
+          </p:txBody>
+        </p:sp>
+        <p:sp>
+          <p:nvSpPr>
+            <p:cNvPr id="27" name="Rectangle 26">
+              <a:extLst>
+                <a:ext uri="{FF2B5EF4-FFF2-40B4-BE49-F238E27FC236}">
+                  <a16:creationId xmlns:a16="http://schemas.microsoft.com/office/drawing/2014/main" id="{E0DD45E8-2A89-403E-9E64-DEE43CAC7C6A}"/>
+                </a:ext>
+              </a:extLst>
+            </p:cNvPr>
+            <p:cNvSpPr/>
+            <p:nvPr/>
+          </p:nvSpPr>
+          <p:spPr>
+            <a:xfrm>
+              <a:off x="1277942" y="2628370"/>
+              <a:ext cx="3761241" cy="533641"/>
+            </a:xfrm>
+            <a:prstGeom prst="rect">
+              <a:avLst/>
+            </a:prstGeom>
+            <a:solidFill>
+              <a:srgbClr val="CFDBF0"/>
+            </a:solidFill>
+          </p:spPr>
+          <p:style>
+            <a:lnRef idx="2">
+              <a:schemeClr val="accent1">
+                <a:shade val="50000"/>
+              </a:schemeClr>
+            </a:lnRef>
+            <a:fillRef idx="1">
+              <a:schemeClr val="accent1"/>
+            </a:fillRef>
+            <a:effectRef idx="0">
+              <a:schemeClr val="accent1"/>
+            </a:effectRef>
+            <a:fontRef idx="minor">
+              <a:schemeClr val="lt1"/>
+            </a:fontRef>
+          </p:style>
+          <p:txBody>
+            <a:bodyPr rtlCol="0" anchor="ctr"/>
+            <a:lstStyle/>
+            <a:p>
+              <a:pPr algn="ctr"/>
+              <a:r>
+                <a:rPr lang="en-US" sz="1200" dirty="0">
+                  <a:solidFill>
+                    <a:schemeClr val="tx1"/>
+                  </a:solidFill>
+                  <a:latin typeface="Segoe UI" panose="020B0502040204020203" pitchFamily="34" charset="0"/>
+                  <a:cs typeface="Segoe UI" panose="020B0502040204020203" pitchFamily="34" charset="0"/>
+                </a:rPr>
+                <a:t>Telco Plant Maintenance Apps</a:t>
+              </a:r>
+            </a:p>
+          </p:txBody>
+        </p:sp>
+      </p:grpSp>
     </p:spTree>
     <p:extLst>
       <p:ext uri="{BB962C8B-B14F-4D97-AF65-F5344CB8AC3E}">
@@ -8837,10 +11489,10 @@
       </p:grpSpPr>
       <p:sp>
         <p:nvSpPr>
-          <p:cNvPr id="4" name="TextBox 3">
+          <p:cNvPr id="12" name="TextBox 11">
             <a:extLst>
               <a:ext uri="{FF2B5EF4-FFF2-40B4-BE49-F238E27FC236}">
-                <a16:creationId xmlns:a16="http://schemas.microsoft.com/office/drawing/2014/main" id="{C07C45B8-4983-4FFB-BD8B-B2F43686E476}"/>
+                <a16:creationId xmlns:a16="http://schemas.microsoft.com/office/drawing/2014/main" id="{5F4E341C-37B9-485A-9613-FDFAC096289D}"/>
               </a:ext>
             </a:extLst>
           </p:cNvPr>
@@ -8849,8 +11501,8 @@
         </p:nvSpPr>
         <p:spPr>
           <a:xfrm flipH="1">
-            <a:off x="348340" y="457163"/>
-            <a:ext cx="9783950" cy="523220"/>
+            <a:off x="348341" y="457163"/>
+            <a:ext cx="8325395" cy="523220"/>
           </a:xfrm>
           <a:prstGeom prst="rect">
             <a:avLst/>
@@ -8858,55 +11510,698 @@
           <a:noFill/>
         </p:spPr>
         <p:txBody>
-          <a:bodyPr wrap="square" lIns="91440" tIns="45720" rIns="91440" bIns="45720" rtlCol="0" anchor="t">
+          <a:bodyPr wrap="square" rtlCol="0">
             <a:spAutoFit/>
           </a:bodyPr>
           <a:lstStyle/>
           <a:p>
             <a:r>
               <a:rPr lang="en-US" sz="2800" dirty="0">
-                <a:latin typeface="Segoe UI"/>
-                <a:cs typeface="Segoe UI"/>
+                <a:latin typeface="Segoe UI" panose="020B0502040204020203" pitchFamily="34" charset="0"/>
+                <a:cs typeface="Segoe UI" panose="020B0502040204020203" pitchFamily="34" charset="0"/>
               </a:rPr>
-              <a:t>Telecommunications CDM – Place Management - ERD</a:t>
+              <a:t>Telco Plant Maintenance CDM -&gt; Primary Entities</a:t>
             </a:r>
           </a:p>
         </p:txBody>
       </p:sp>
-      <p:pic>
-        <p:nvPicPr>
-          <p:cNvPr id="9" name="Picture 8">
+      <p:sp>
+        <p:nvSpPr>
+          <p:cNvPr id="2" name="Arrow: Right 1">
             <a:extLst>
               <a:ext uri="{FF2B5EF4-FFF2-40B4-BE49-F238E27FC236}">
-                <a16:creationId xmlns:a16="http://schemas.microsoft.com/office/drawing/2014/main" id="{71D6DFDE-B670-46AE-8E77-88B794255D60}"/>
+                <a16:creationId xmlns:a16="http://schemas.microsoft.com/office/drawing/2014/main" id="{11CAD756-FF84-42FB-AFE7-5E426A63ABF0}"/>
               </a:ext>
             </a:extLst>
           </p:cNvPr>
-          <p:cNvPicPr>
-            <a:picLocks noChangeAspect="1"/>
-          </p:cNvPicPr>
+          <p:cNvSpPr/>
           <p:nvPr/>
-        </p:nvPicPr>
-        <p:blipFill>
-          <a:blip r:embed="rId2"/>
-          <a:stretch>
-            <a:fillRect/>
-          </a:stretch>
-        </p:blipFill>
+        </p:nvSpPr>
         <p:spPr>
-          <a:xfrm>
-            <a:off x="1638017" y="980383"/>
-            <a:ext cx="6515665" cy="4938188"/>
+          <a:xfrm rot="10800000">
+            <a:off x="4525213" y="3074022"/>
+            <a:ext cx="978408" cy="484632"/>
           </a:xfrm>
-          <a:prstGeom prst="rect">
+          <a:prstGeom prst="rightArrow">
             <a:avLst/>
           </a:prstGeom>
+          <a:ln w="28575">
+            <a:solidFill>
+              <a:srgbClr val="FFC000"/>
+            </a:solidFill>
+          </a:ln>
         </p:spPr>
-      </p:pic>
+        <p:style>
+          <a:lnRef idx="2">
+            <a:schemeClr val="accent1">
+              <a:shade val="50000"/>
+            </a:schemeClr>
+          </a:lnRef>
+          <a:fillRef idx="1">
+            <a:schemeClr val="accent1"/>
+          </a:fillRef>
+          <a:effectRef idx="0">
+            <a:schemeClr val="accent1"/>
+          </a:effectRef>
+          <a:fontRef idx="minor">
+            <a:schemeClr val="lt1"/>
+          </a:fontRef>
+        </p:style>
+        <p:txBody>
+          <a:bodyPr rtlCol="0" anchor="ctr"/>
+          <a:lstStyle/>
+          <a:p>
+            <a:pPr algn="ctr"/>
+            <a:endParaRPr lang="en-US" dirty="0"/>
+          </a:p>
+        </p:txBody>
+      </p:sp>
+      <p:grpSp>
+        <p:nvGrpSpPr>
+          <p:cNvPr id="13" name="Group 12">
+            <a:extLst>
+              <a:ext uri="{FF2B5EF4-FFF2-40B4-BE49-F238E27FC236}">
+                <a16:creationId xmlns:a16="http://schemas.microsoft.com/office/drawing/2014/main" id="{6EA12BF3-84F2-4220-B659-1A57017C3783}"/>
+              </a:ext>
+            </a:extLst>
+          </p:cNvPr>
+          <p:cNvGrpSpPr/>
+          <p:nvPr/>
+        </p:nvGrpSpPr>
+        <p:grpSpPr>
+          <a:xfrm>
+            <a:off x="5853417" y="1723387"/>
+            <a:ext cx="5640637" cy="3101067"/>
+            <a:chOff x="1277942" y="1969379"/>
+            <a:chExt cx="9399580" cy="3101067"/>
+          </a:xfrm>
+        </p:grpSpPr>
+        <p:sp>
+          <p:nvSpPr>
+            <p:cNvPr id="14" name="Rectangle 13">
+              <a:extLst>
+                <a:ext uri="{FF2B5EF4-FFF2-40B4-BE49-F238E27FC236}">
+                  <a16:creationId xmlns:a16="http://schemas.microsoft.com/office/drawing/2014/main" id="{A2DDD340-541D-40D8-8C16-AFE5B81869A1}"/>
+                </a:ext>
+              </a:extLst>
+            </p:cNvPr>
+            <p:cNvSpPr/>
+            <p:nvPr/>
+          </p:nvSpPr>
+          <p:spPr>
+            <a:xfrm>
+              <a:off x="1277945" y="4565001"/>
+              <a:ext cx="9383525" cy="505445"/>
+            </a:xfrm>
+            <a:prstGeom prst="rect">
+              <a:avLst/>
+            </a:prstGeom>
+            <a:solidFill>
+              <a:srgbClr val="FFEFBD"/>
+            </a:solidFill>
+          </p:spPr>
+          <p:style>
+            <a:lnRef idx="2">
+              <a:schemeClr val="accent4">
+                <a:shade val="50000"/>
+              </a:schemeClr>
+            </a:lnRef>
+            <a:fillRef idx="1">
+              <a:schemeClr val="accent4"/>
+            </a:fillRef>
+            <a:effectRef idx="0">
+              <a:schemeClr val="accent4"/>
+            </a:effectRef>
+            <a:fontRef idx="minor">
+              <a:schemeClr val="lt1"/>
+            </a:fontRef>
+          </p:style>
+          <p:txBody>
+            <a:bodyPr rtlCol="0" anchor="ctr"/>
+            <a:lstStyle/>
+            <a:p>
+              <a:pPr algn="ctr"/>
+              <a:r>
+                <a:rPr lang="en-US" sz="1200" dirty="0">
+                  <a:solidFill>
+                    <a:schemeClr val="tx1"/>
+                  </a:solidFill>
+                  <a:latin typeface="Segoe UI" panose="020B0502040204020203" pitchFamily="34" charset="0"/>
+                  <a:cs typeface="Segoe UI" panose="020B0502040204020203" pitchFamily="34" charset="0"/>
+                </a:rPr>
+                <a:t>Microsoft Dataverse</a:t>
+              </a:r>
+            </a:p>
+          </p:txBody>
+        </p:sp>
+        <p:sp>
+          <p:nvSpPr>
+            <p:cNvPr id="15" name="Rectangle 14">
+              <a:extLst>
+                <a:ext uri="{FF2B5EF4-FFF2-40B4-BE49-F238E27FC236}">
+                  <a16:creationId xmlns:a16="http://schemas.microsoft.com/office/drawing/2014/main" id="{D185120F-0C3B-4C70-9D3D-23EB8D056BD7}"/>
+                </a:ext>
+              </a:extLst>
+            </p:cNvPr>
+            <p:cNvSpPr/>
+            <p:nvPr/>
+          </p:nvSpPr>
+          <p:spPr>
+            <a:xfrm>
+              <a:off x="1277957" y="3923086"/>
+              <a:ext cx="9383525" cy="514549"/>
+            </a:xfrm>
+            <a:prstGeom prst="rect">
+              <a:avLst/>
+            </a:prstGeom>
+            <a:solidFill>
+              <a:srgbClr val="CFDBF0"/>
+            </a:solidFill>
+          </p:spPr>
+          <p:style>
+            <a:lnRef idx="2">
+              <a:schemeClr val="accent1">
+                <a:shade val="50000"/>
+              </a:schemeClr>
+            </a:lnRef>
+            <a:fillRef idx="1">
+              <a:schemeClr val="accent1"/>
+            </a:fillRef>
+            <a:effectRef idx="0">
+              <a:schemeClr val="accent1"/>
+            </a:effectRef>
+            <a:fontRef idx="minor">
+              <a:schemeClr val="lt1"/>
+            </a:fontRef>
+          </p:style>
+          <p:txBody>
+            <a:bodyPr rtlCol="0" anchor="ctr"/>
+            <a:lstStyle/>
+            <a:p>
+              <a:pPr algn="ctr"/>
+              <a:r>
+                <a:rPr lang="en-US" sz="1200" dirty="0">
+                  <a:solidFill>
+                    <a:schemeClr val="tx1"/>
+                  </a:solidFill>
+                  <a:latin typeface="Segoe UI" panose="020B0502040204020203" pitchFamily="34" charset="0"/>
+                  <a:cs typeface="Segoe UI" panose="020B0502040204020203" pitchFamily="34" charset="0"/>
+                </a:rPr>
+                <a:t>Telco Common CDM</a:t>
+              </a:r>
+            </a:p>
+          </p:txBody>
+        </p:sp>
+        <p:sp>
+          <p:nvSpPr>
+            <p:cNvPr id="16" name="Rectangle 15">
+              <a:extLst>
+                <a:ext uri="{FF2B5EF4-FFF2-40B4-BE49-F238E27FC236}">
+                  <a16:creationId xmlns:a16="http://schemas.microsoft.com/office/drawing/2014/main" id="{FA127816-2877-486A-A4AA-BD2622202BF4}"/>
+                </a:ext>
+              </a:extLst>
+            </p:cNvPr>
+            <p:cNvSpPr/>
+            <p:nvPr/>
+          </p:nvSpPr>
+          <p:spPr>
+            <a:xfrm>
+              <a:off x="7447401" y="2628370"/>
+              <a:ext cx="3206040" cy="533641"/>
+            </a:xfrm>
+            <a:prstGeom prst="rect">
+              <a:avLst/>
+            </a:prstGeom>
+            <a:solidFill>
+              <a:srgbClr val="CFDBF0"/>
+            </a:solidFill>
+          </p:spPr>
+          <p:style>
+            <a:lnRef idx="2">
+              <a:schemeClr val="accent1">
+                <a:shade val="50000"/>
+              </a:schemeClr>
+            </a:lnRef>
+            <a:fillRef idx="1">
+              <a:schemeClr val="accent1"/>
+            </a:fillRef>
+            <a:effectRef idx="0">
+              <a:schemeClr val="accent1"/>
+            </a:effectRef>
+            <a:fontRef idx="minor">
+              <a:schemeClr val="lt1"/>
+            </a:fontRef>
+          </p:style>
+          <p:txBody>
+            <a:bodyPr rtlCol="0" anchor="ctr"/>
+            <a:lstStyle/>
+            <a:p>
+              <a:pPr algn="ctr"/>
+              <a:r>
+                <a:rPr lang="en-US" sz="1200" dirty="0">
+                  <a:solidFill>
+                    <a:schemeClr val="tx1"/>
+                  </a:solidFill>
+                  <a:latin typeface="Segoe UI" panose="020B0502040204020203" pitchFamily="34" charset="0"/>
+                  <a:cs typeface="Segoe UI" panose="020B0502040204020203" pitchFamily="34" charset="0"/>
+                </a:rPr>
+                <a:t>Telco Sales CDM</a:t>
+              </a:r>
+            </a:p>
+          </p:txBody>
+        </p:sp>
+        <p:sp>
+          <p:nvSpPr>
+            <p:cNvPr id="17" name="Rectangle 16">
+              <a:extLst>
+                <a:ext uri="{FF2B5EF4-FFF2-40B4-BE49-F238E27FC236}">
+                  <a16:creationId xmlns:a16="http://schemas.microsoft.com/office/drawing/2014/main" id="{0F3CFD1A-D4B6-4E74-BD62-186B6E09589C}"/>
+                </a:ext>
+              </a:extLst>
+            </p:cNvPr>
+            <p:cNvSpPr/>
+            <p:nvPr/>
+          </p:nvSpPr>
+          <p:spPr>
+            <a:xfrm>
+              <a:off x="5133860" y="3262080"/>
+              <a:ext cx="2206180" cy="542566"/>
+            </a:xfrm>
+            <a:prstGeom prst="rect">
+              <a:avLst/>
+            </a:prstGeom>
+            <a:solidFill>
+              <a:srgbClr val="CFDBF0"/>
+            </a:solidFill>
+          </p:spPr>
+          <p:style>
+            <a:lnRef idx="2">
+              <a:schemeClr val="accent1">
+                <a:shade val="50000"/>
+              </a:schemeClr>
+            </a:lnRef>
+            <a:fillRef idx="1">
+              <a:schemeClr val="accent1"/>
+            </a:fillRef>
+            <a:effectRef idx="0">
+              <a:schemeClr val="accent1"/>
+            </a:effectRef>
+            <a:fontRef idx="minor">
+              <a:schemeClr val="lt1"/>
+            </a:fontRef>
+          </p:style>
+          <p:txBody>
+            <a:bodyPr rtlCol="0" anchor="ctr"/>
+            <a:lstStyle/>
+            <a:p>
+              <a:pPr algn="ctr"/>
+              <a:r>
+                <a:rPr lang="en-US" sz="1200" dirty="0">
+                  <a:solidFill>
+                    <a:schemeClr val="tx1"/>
+                  </a:solidFill>
+                  <a:latin typeface="Segoe UI" panose="020B0502040204020203" pitchFamily="34" charset="0"/>
+                  <a:cs typeface="Segoe UI" panose="020B0502040204020203" pitchFamily="34" charset="0"/>
+                </a:rPr>
+                <a:t>Telco Apps</a:t>
+              </a:r>
+            </a:p>
+          </p:txBody>
+        </p:sp>
+        <p:sp>
+          <p:nvSpPr>
+            <p:cNvPr id="18" name="Rectangle 17">
+              <a:extLst>
+                <a:ext uri="{FF2B5EF4-FFF2-40B4-BE49-F238E27FC236}">
+                  <a16:creationId xmlns:a16="http://schemas.microsoft.com/office/drawing/2014/main" id="{4C7DACFF-E17B-468F-AE29-CBB259B46C85}"/>
+                </a:ext>
+              </a:extLst>
+            </p:cNvPr>
+            <p:cNvSpPr/>
+            <p:nvPr/>
+          </p:nvSpPr>
+          <p:spPr>
+            <a:xfrm>
+              <a:off x="7447401" y="1969379"/>
+              <a:ext cx="3206041" cy="585859"/>
+            </a:xfrm>
+            <a:prstGeom prst="rect">
+              <a:avLst/>
+            </a:prstGeom>
+            <a:solidFill>
+              <a:srgbClr val="CFDBF0"/>
+            </a:solidFill>
+          </p:spPr>
+          <p:style>
+            <a:lnRef idx="2">
+              <a:schemeClr val="accent1">
+                <a:shade val="50000"/>
+              </a:schemeClr>
+            </a:lnRef>
+            <a:fillRef idx="1">
+              <a:schemeClr val="accent1"/>
+            </a:fillRef>
+            <a:effectRef idx="0">
+              <a:schemeClr val="accent1"/>
+            </a:effectRef>
+            <a:fontRef idx="minor">
+              <a:schemeClr val="lt1"/>
+            </a:fontRef>
+          </p:style>
+          <p:txBody>
+            <a:bodyPr rtlCol="0" anchor="ctr"/>
+            <a:lstStyle/>
+            <a:p>
+              <a:pPr algn="ctr"/>
+              <a:r>
+                <a:rPr lang="en-US" sz="1200" dirty="0">
+                  <a:solidFill>
+                    <a:schemeClr val="tx1"/>
+                  </a:solidFill>
+                  <a:latin typeface="Segoe UI" panose="020B0502040204020203" pitchFamily="34" charset="0"/>
+                  <a:cs typeface="Segoe UI" panose="020B0502040204020203" pitchFamily="34" charset="0"/>
+                </a:rPr>
+                <a:t>Telco Sales Apps</a:t>
+              </a:r>
+            </a:p>
+          </p:txBody>
+        </p:sp>
+        <p:sp>
+          <p:nvSpPr>
+            <p:cNvPr id="19" name="Rectangle 18">
+              <a:extLst>
+                <a:ext uri="{FF2B5EF4-FFF2-40B4-BE49-F238E27FC236}">
+                  <a16:creationId xmlns:a16="http://schemas.microsoft.com/office/drawing/2014/main" id="{9C314162-95F4-44B5-8B2B-F307ED0D0267}"/>
+                </a:ext>
+              </a:extLst>
+            </p:cNvPr>
+            <p:cNvSpPr/>
+            <p:nvPr/>
+          </p:nvSpPr>
+          <p:spPr>
+            <a:xfrm>
+              <a:off x="7447401" y="3262079"/>
+              <a:ext cx="3230121" cy="533641"/>
+            </a:xfrm>
+            <a:prstGeom prst="rect">
+              <a:avLst/>
+            </a:prstGeom>
+            <a:solidFill>
+              <a:srgbClr val="FFEFBD"/>
+            </a:solidFill>
+          </p:spPr>
+          <p:style>
+            <a:lnRef idx="2">
+              <a:schemeClr val="accent4">
+                <a:shade val="50000"/>
+              </a:schemeClr>
+            </a:lnRef>
+            <a:fillRef idx="1">
+              <a:schemeClr val="accent4"/>
+            </a:fillRef>
+            <a:effectRef idx="0">
+              <a:schemeClr val="accent4"/>
+            </a:effectRef>
+            <a:fontRef idx="minor">
+              <a:schemeClr val="lt1"/>
+            </a:fontRef>
+          </p:style>
+          <p:txBody>
+            <a:bodyPr rtlCol="0" anchor="ctr"/>
+            <a:lstStyle/>
+            <a:p>
+              <a:pPr algn="ctr"/>
+              <a:r>
+                <a:rPr lang="en-US" sz="1400" dirty="0">
+                  <a:solidFill>
+                    <a:schemeClr val="tx1"/>
+                  </a:solidFill>
+                  <a:latin typeface="Segoe UI" panose="020B0502040204020203" pitchFamily="34" charset="0"/>
+                  <a:cs typeface="Segoe UI" panose="020B0502040204020203" pitchFamily="34" charset="0"/>
+                </a:rPr>
+                <a:t>Dynamics 365 Sales</a:t>
+              </a:r>
+            </a:p>
+          </p:txBody>
+        </p:sp>
+        <p:sp>
+          <p:nvSpPr>
+            <p:cNvPr id="20" name="Rectangle 19">
+              <a:extLst>
+                <a:ext uri="{FF2B5EF4-FFF2-40B4-BE49-F238E27FC236}">
+                  <a16:creationId xmlns:a16="http://schemas.microsoft.com/office/drawing/2014/main" id="{6166E248-A3E5-4268-B7A7-C2AB529DE102}"/>
+                </a:ext>
+              </a:extLst>
+            </p:cNvPr>
+            <p:cNvSpPr/>
+            <p:nvPr/>
+          </p:nvSpPr>
+          <p:spPr>
+            <a:xfrm>
+              <a:off x="1277943" y="3280452"/>
+              <a:ext cx="3761241" cy="528222"/>
+            </a:xfrm>
+            <a:prstGeom prst="rect">
+              <a:avLst/>
+            </a:prstGeom>
+          </p:spPr>
+          <p:style>
+            <a:lnRef idx="2">
+              <a:schemeClr val="accent1">
+                <a:shade val="50000"/>
+              </a:schemeClr>
+            </a:lnRef>
+            <a:fillRef idx="1">
+              <a:schemeClr val="accent1"/>
+            </a:fillRef>
+            <a:effectRef idx="0">
+              <a:schemeClr val="accent1"/>
+            </a:effectRef>
+            <a:fontRef idx="minor">
+              <a:schemeClr val="lt1"/>
+            </a:fontRef>
+          </p:style>
+          <p:txBody>
+            <a:bodyPr rtlCol="0" anchor="ctr"/>
+            <a:lstStyle/>
+            <a:p>
+              <a:pPr algn="ctr"/>
+              <a:r>
+                <a:rPr lang="en-US" sz="1200" dirty="0">
+                  <a:latin typeface="Segoe UI" panose="020B0502040204020203" pitchFamily="34" charset="0"/>
+                  <a:cs typeface="Segoe UI" panose="020B0502040204020203" pitchFamily="34" charset="0"/>
+                </a:rPr>
+                <a:t>Telco Plant Maintenance  CDM</a:t>
+              </a:r>
+            </a:p>
+          </p:txBody>
+        </p:sp>
+        <p:sp>
+          <p:nvSpPr>
+            <p:cNvPr id="27" name="Rectangle 26">
+              <a:extLst>
+                <a:ext uri="{FF2B5EF4-FFF2-40B4-BE49-F238E27FC236}">
+                  <a16:creationId xmlns:a16="http://schemas.microsoft.com/office/drawing/2014/main" id="{E0DD45E8-2A89-403E-9E64-DEE43CAC7C6A}"/>
+                </a:ext>
+              </a:extLst>
+            </p:cNvPr>
+            <p:cNvSpPr/>
+            <p:nvPr/>
+          </p:nvSpPr>
+          <p:spPr>
+            <a:xfrm>
+              <a:off x="1277942" y="2628370"/>
+              <a:ext cx="3761241" cy="533641"/>
+            </a:xfrm>
+            <a:prstGeom prst="rect">
+              <a:avLst/>
+            </a:prstGeom>
+            <a:solidFill>
+              <a:srgbClr val="CFDBF0"/>
+            </a:solidFill>
+          </p:spPr>
+          <p:style>
+            <a:lnRef idx="2">
+              <a:schemeClr val="accent1">
+                <a:shade val="50000"/>
+              </a:schemeClr>
+            </a:lnRef>
+            <a:fillRef idx="1">
+              <a:schemeClr val="accent1"/>
+            </a:fillRef>
+            <a:effectRef idx="0">
+              <a:schemeClr val="accent1"/>
+            </a:effectRef>
+            <a:fontRef idx="minor">
+              <a:schemeClr val="lt1"/>
+            </a:fontRef>
+          </p:style>
+          <p:txBody>
+            <a:bodyPr rtlCol="0" anchor="ctr"/>
+            <a:lstStyle/>
+            <a:p>
+              <a:pPr algn="ctr"/>
+              <a:r>
+                <a:rPr lang="en-US" sz="1200" dirty="0">
+                  <a:solidFill>
+                    <a:schemeClr val="tx1"/>
+                  </a:solidFill>
+                  <a:latin typeface="Segoe UI" panose="020B0502040204020203" pitchFamily="34" charset="0"/>
+                  <a:cs typeface="Segoe UI" panose="020B0502040204020203" pitchFamily="34" charset="0"/>
+                </a:rPr>
+                <a:t>Telco Plant Maintenance Apps</a:t>
+              </a:r>
+            </a:p>
+          </p:txBody>
+        </p:sp>
+      </p:grpSp>
+      <p:graphicFrame>
+        <p:nvGraphicFramePr>
+          <p:cNvPr id="3" name="Table 2">
+            <a:extLst>
+              <a:ext uri="{FF2B5EF4-FFF2-40B4-BE49-F238E27FC236}">
+                <a16:creationId xmlns:a16="http://schemas.microsoft.com/office/drawing/2014/main" id="{063DBFEE-ECF2-4937-98FD-FF5A7C2C44BD}"/>
+              </a:ext>
+            </a:extLst>
+          </p:cNvPr>
+          <p:cNvGraphicFramePr>
+            <a:graphicFrameLocks noGrp="1"/>
+          </p:cNvGraphicFramePr>
+          <p:nvPr>
+            <p:extLst>
+              <p:ext uri="{D42A27DB-BD31-4B8C-83A1-F6EECF244321}">
+                <p14:modId xmlns:p14="http://schemas.microsoft.com/office/powerpoint/2010/main" val="4200179397"/>
+              </p:ext>
+            </p:extLst>
+          </p:nvPr>
+        </p:nvGraphicFramePr>
+        <p:xfrm>
+          <a:off x="573796" y="2368511"/>
+          <a:ext cx="3293124" cy="2181474"/>
+        </p:xfrm>
+        <a:graphic>
+          <a:graphicData uri="http://schemas.openxmlformats.org/drawingml/2006/table">
+            <a:tbl>
+              <a:tblPr firstRow="1" bandRow="1">
+                <a:tableStyleId>{B301B821-A1FF-4177-AEE7-76D212191A09}</a:tableStyleId>
+              </a:tblPr>
+              <a:tblGrid>
+                <a:gridCol w="3293124">
+                  <a:extLst>
+                    <a:ext uri="{9D8B030D-6E8A-4147-A177-3AD203B41FA5}">
+                      <a16:colId xmlns:a16="http://schemas.microsoft.com/office/drawing/2014/main" val="2982091153"/>
+                    </a:ext>
+                  </a:extLst>
+                </a:gridCol>
+              </a:tblGrid>
+              <a:tr h="445512">
+                <a:tc>
+                  <a:txBody>
+                    <a:bodyPr/>
+                    <a:lstStyle/>
+                    <a:p>
+                      <a:r>
+                        <a:rPr lang="en-US" sz="1400" dirty="0"/>
+                        <a:t>Entity Name</a:t>
+                      </a:r>
+                    </a:p>
+                  </a:txBody>
+                  <a:tcPr/>
+                </a:tc>
+                <a:extLst>
+                  <a:ext uri="{0D108BD9-81ED-4DB2-BD59-A6C34878D82A}">
+                    <a16:rowId xmlns:a16="http://schemas.microsoft.com/office/drawing/2014/main" val="3897208415"/>
+                  </a:ext>
+                </a:extLst>
+              </a:tr>
+              <a:tr h="370485">
+                <a:tc>
+                  <a:txBody>
+                    <a:bodyPr/>
+                    <a:lstStyle/>
+                    <a:p>
+                      <a:r>
+                        <a:rPr lang="en-US" sz="1400" dirty="0"/>
+                        <a:t>Maintenance Activity </a:t>
+                      </a:r>
+                    </a:p>
+                  </a:txBody>
+                  <a:tcPr/>
+                </a:tc>
+                <a:extLst>
+                  <a:ext uri="{0D108BD9-81ED-4DB2-BD59-A6C34878D82A}">
+                    <a16:rowId xmlns:a16="http://schemas.microsoft.com/office/drawing/2014/main" val="1006695924"/>
+                  </a:ext>
+                </a:extLst>
+              </a:tr>
+              <a:tr h="455159">
+                <a:tc>
+                  <a:txBody>
+                    <a:bodyPr/>
+                    <a:lstStyle/>
+                    <a:p>
+                      <a:r>
+                        <a:rPr lang="en-US" sz="1400" dirty="0"/>
+                        <a:t>Maintenance Plan</a:t>
+                      </a:r>
+                    </a:p>
+                  </a:txBody>
+                  <a:tcPr/>
+                </a:tc>
+                <a:extLst>
+                  <a:ext uri="{0D108BD9-81ED-4DB2-BD59-A6C34878D82A}">
+                    <a16:rowId xmlns:a16="http://schemas.microsoft.com/office/drawing/2014/main" val="2067485940"/>
+                  </a:ext>
+                </a:extLst>
+              </a:tr>
+              <a:tr h="455159">
+                <a:tc>
+                  <a:txBody>
+                    <a:bodyPr/>
+                    <a:lstStyle/>
+                    <a:p>
+                      <a:r>
+                        <a:rPr lang="en-US" sz="1400" dirty="0"/>
+                        <a:t>Maintenance Plan Network Resource</a:t>
+                      </a:r>
+                    </a:p>
+                  </a:txBody>
+                  <a:tcPr/>
+                </a:tc>
+                <a:extLst>
+                  <a:ext uri="{0D108BD9-81ED-4DB2-BD59-A6C34878D82A}">
+                    <a16:rowId xmlns:a16="http://schemas.microsoft.com/office/drawing/2014/main" val="2462599077"/>
+                  </a:ext>
+                </a:extLst>
+              </a:tr>
+              <a:tr h="455159">
+                <a:tc>
+                  <a:txBody>
+                    <a:bodyPr/>
+                    <a:lstStyle/>
+                    <a:p>
+                      <a:r>
+                        <a:rPr lang="en-US" sz="1400" dirty="0"/>
+                        <a:t>Maintenance Type</a:t>
+                      </a:r>
+                    </a:p>
+                  </a:txBody>
+                  <a:tcPr/>
+                </a:tc>
+                <a:extLst>
+                  <a:ext uri="{0D108BD9-81ED-4DB2-BD59-A6C34878D82A}">
+                    <a16:rowId xmlns:a16="http://schemas.microsoft.com/office/drawing/2014/main" val="2932127047"/>
+                  </a:ext>
+                </a:extLst>
+              </a:tr>
+            </a:tbl>
+          </a:graphicData>
+        </a:graphic>
+      </p:graphicFrame>
     </p:spTree>
     <p:extLst>
       <p:ext uri="{BB962C8B-B14F-4D97-AF65-F5344CB8AC3E}">
-        <p14:creationId xmlns:p14="http://schemas.microsoft.com/office/powerpoint/2010/main" val="279768030"/>
+        <p14:creationId xmlns:p14="http://schemas.microsoft.com/office/powerpoint/2010/main" val="3340015771"/>
       </p:ext>
     </p:extLst>
   </p:cSld>
@@ -8935,10 +12230,10 @@
       </p:grpSpPr>
       <p:sp>
         <p:nvSpPr>
-          <p:cNvPr id="4" name="TextBox 3">
+          <p:cNvPr id="12" name="TextBox 11">
             <a:extLst>
               <a:ext uri="{FF2B5EF4-FFF2-40B4-BE49-F238E27FC236}">
-                <a16:creationId xmlns:a16="http://schemas.microsoft.com/office/drawing/2014/main" id="{C07C45B8-4983-4FFB-BD8B-B2F43686E476}"/>
+                <a16:creationId xmlns:a16="http://schemas.microsoft.com/office/drawing/2014/main" id="{5F4E341C-37B9-485A-9613-FDFAC096289D}"/>
               </a:ext>
             </a:extLst>
           </p:cNvPr>
@@ -8947,8 +12242,8 @@
         </p:nvSpPr>
         <p:spPr>
           <a:xfrm flipH="1">
-            <a:off x="348340" y="457163"/>
-            <a:ext cx="9783950" cy="523220"/>
+            <a:off x="348341" y="457163"/>
+            <a:ext cx="8325395" cy="523220"/>
           </a:xfrm>
           <a:prstGeom prst="rect">
             <a:avLst/>
@@ -8956,55 +12251,638 @@
           <a:noFill/>
         </p:spPr>
         <p:txBody>
-          <a:bodyPr wrap="square" lIns="91440" tIns="45720" rIns="91440" bIns="45720" rtlCol="0" anchor="t">
+          <a:bodyPr wrap="square" rtlCol="0">
             <a:spAutoFit/>
           </a:bodyPr>
           <a:lstStyle/>
           <a:p>
             <a:r>
               <a:rPr lang="en-US" sz="2800" dirty="0">
-                <a:latin typeface="Segoe UI"/>
-                <a:cs typeface="Segoe UI"/>
+                <a:latin typeface="Segoe UI" panose="020B0502040204020203" pitchFamily="34" charset="0"/>
+                <a:cs typeface="Segoe UI" panose="020B0502040204020203" pitchFamily="34" charset="0"/>
               </a:rPr>
-              <a:t>Telecommunications CDM – Network Management - ERD</a:t>
+              <a:t>Telco Plant Maintenance CDM -&gt; Enriched Entities</a:t>
             </a:r>
           </a:p>
         </p:txBody>
       </p:sp>
-      <p:pic>
-        <p:nvPicPr>
-          <p:cNvPr id="3" name="Picture 2">
+      <p:sp>
+        <p:nvSpPr>
+          <p:cNvPr id="2" name="Arrow: Right 1">
             <a:extLst>
               <a:ext uri="{FF2B5EF4-FFF2-40B4-BE49-F238E27FC236}">
-                <a16:creationId xmlns:a16="http://schemas.microsoft.com/office/drawing/2014/main" id="{E0404613-CF51-4577-B4D8-9B030B05B8C0}"/>
+                <a16:creationId xmlns:a16="http://schemas.microsoft.com/office/drawing/2014/main" id="{11CAD756-FF84-42FB-AFE7-5E426A63ABF0}"/>
               </a:ext>
             </a:extLst>
           </p:cNvPr>
-          <p:cNvPicPr>
-            <a:picLocks noChangeAspect="1"/>
-          </p:cNvPicPr>
+          <p:cNvSpPr/>
           <p:nvPr/>
-        </p:nvPicPr>
-        <p:blipFill>
-          <a:blip r:embed="rId2"/>
-          <a:stretch>
-            <a:fillRect/>
-          </a:stretch>
-        </p:blipFill>
+        </p:nvSpPr>
         <p:spPr>
-          <a:xfrm>
-            <a:off x="1466850" y="1076980"/>
-            <a:ext cx="7877530" cy="5554575"/>
+          <a:xfrm rot="10800000">
+            <a:off x="4525213" y="3074022"/>
+            <a:ext cx="978408" cy="484632"/>
           </a:xfrm>
-          <a:prstGeom prst="rect">
+          <a:prstGeom prst="rightArrow">
             <a:avLst/>
           </a:prstGeom>
+          <a:ln w="28575">
+            <a:solidFill>
+              <a:srgbClr val="FFC000"/>
+            </a:solidFill>
+          </a:ln>
         </p:spPr>
-      </p:pic>
+        <p:style>
+          <a:lnRef idx="2">
+            <a:schemeClr val="accent1">
+              <a:shade val="50000"/>
+            </a:schemeClr>
+          </a:lnRef>
+          <a:fillRef idx="1">
+            <a:schemeClr val="accent1"/>
+          </a:fillRef>
+          <a:effectRef idx="0">
+            <a:schemeClr val="accent1"/>
+          </a:effectRef>
+          <a:fontRef idx="minor">
+            <a:schemeClr val="lt1"/>
+          </a:fontRef>
+        </p:style>
+        <p:txBody>
+          <a:bodyPr rtlCol="0" anchor="ctr"/>
+          <a:lstStyle/>
+          <a:p>
+            <a:pPr algn="ctr"/>
+            <a:endParaRPr lang="en-US" dirty="0"/>
+          </a:p>
+        </p:txBody>
+      </p:sp>
+      <p:grpSp>
+        <p:nvGrpSpPr>
+          <p:cNvPr id="13" name="Group 12">
+            <a:extLst>
+              <a:ext uri="{FF2B5EF4-FFF2-40B4-BE49-F238E27FC236}">
+                <a16:creationId xmlns:a16="http://schemas.microsoft.com/office/drawing/2014/main" id="{6EA12BF3-84F2-4220-B659-1A57017C3783}"/>
+              </a:ext>
+            </a:extLst>
+          </p:cNvPr>
+          <p:cNvGrpSpPr/>
+          <p:nvPr/>
+        </p:nvGrpSpPr>
+        <p:grpSpPr>
+          <a:xfrm>
+            <a:off x="5853417" y="1723387"/>
+            <a:ext cx="5640637" cy="3101067"/>
+            <a:chOff x="1277942" y="1969379"/>
+            <a:chExt cx="9399580" cy="3101067"/>
+          </a:xfrm>
+        </p:grpSpPr>
+        <p:sp>
+          <p:nvSpPr>
+            <p:cNvPr id="14" name="Rectangle 13">
+              <a:extLst>
+                <a:ext uri="{FF2B5EF4-FFF2-40B4-BE49-F238E27FC236}">
+                  <a16:creationId xmlns:a16="http://schemas.microsoft.com/office/drawing/2014/main" id="{A2DDD340-541D-40D8-8C16-AFE5B81869A1}"/>
+                </a:ext>
+              </a:extLst>
+            </p:cNvPr>
+            <p:cNvSpPr/>
+            <p:nvPr/>
+          </p:nvSpPr>
+          <p:spPr>
+            <a:xfrm>
+              <a:off x="1277945" y="4565001"/>
+              <a:ext cx="9383525" cy="505445"/>
+            </a:xfrm>
+            <a:prstGeom prst="rect">
+              <a:avLst/>
+            </a:prstGeom>
+            <a:solidFill>
+              <a:srgbClr val="FFEFBD"/>
+            </a:solidFill>
+          </p:spPr>
+          <p:style>
+            <a:lnRef idx="2">
+              <a:schemeClr val="accent4">
+                <a:shade val="50000"/>
+              </a:schemeClr>
+            </a:lnRef>
+            <a:fillRef idx="1">
+              <a:schemeClr val="accent4"/>
+            </a:fillRef>
+            <a:effectRef idx="0">
+              <a:schemeClr val="accent4"/>
+            </a:effectRef>
+            <a:fontRef idx="minor">
+              <a:schemeClr val="lt1"/>
+            </a:fontRef>
+          </p:style>
+          <p:txBody>
+            <a:bodyPr rtlCol="0" anchor="ctr"/>
+            <a:lstStyle/>
+            <a:p>
+              <a:pPr algn="ctr"/>
+              <a:r>
+                <a:rPr lang="en-US" sz="1200" dirty="0">
+                  <a:solidFill>
+                    <a:schemeClr val="tx1"/>
+                  </a:solidFill>
+                  <a:latin typeface="Segoe UI" panose="020B0502040204020203" pitchFamily="34" charset="0"/>
+                  <a:cs typeface="Segoe UI" panose="020B0502040204020203" pitchFamily="34" charset="0"/>
+                </a:rPr>
+                <a:t>Microsoft Dataverse</a:t>
+              </a:r>
+            </a:p>
+          </p:txBody>
+        </p:sp>
+        <p:sp>
+          <p:nvSpPr>
+            <p:cNvPr id="15" name="Rectangle 14">
+              <a:extLst>
+                <a:ext uri="{FF2B5EF4-FFF2-40B4-BE49-F238E27FC236}">
+                  <a16:creationId xmlns:a16="http://schemas.microsoft.com/office/drawing/2014/main" id="{D185120F-0C3B-4C70-9D3D-23EB8D056BD7}"/>
+                </a:ext>
+              </a:extLst>
+            </p:cNvPr>
+            <p:cNvSpPr/>
+            <p:nvPr/>
+          </p:nvSpPr>
+          <p:spPr>
+            <a:xfrm>
+              <a:off x="1277957" y="3923086"/>
+              <a:ext cx="9383525" cy="514549"/>
+            </a:xfrm>
+            <a:prstGeom prst="rect">
+              <a:avLst/>
+            </a:prstGeom>
+            <a:solidFill>
+              <a:srgbClr val="CFDBF0"/>
+            </a:solidFill>
+          </p:spPr>
+          <p:style>
+            <a:lnRef idx="2">
+              <a:schemeClr val="accent1">
+                <a:shade val="50000"/>
+              </a:schemeClr>
+            </a:lnRef>
+            <a:fillRef idx="1">
+              <a:schemeClr val="accent1"/>
+            </a:fillRef>
+            <a:effectRef idx="0">
+              <a:schemeClr val="accent1"/>
+            </a:effectRef>
+            <a:fontRef idx="minor">
+              <a:schemeClr val="lt1"/>
+            </a:fontRef>
+          </p:style>
+          <p:txBody>
+            <a:bodyPr rtlCol="0" anchor="ctr"/>
+            <a:lstStyle/>
+            <a:p>
+              <a:pPr algn="ctr"/>
+              <a:r>
+                <a:rPr lang="en-US" sz="1200" dirty="0">
+                  <a:solidFill>
+                    <a:schemeClr val="tx1"/>
+                  </a:solidFill>
+                  <a:latin typeface="Segoe UI" panose="020B0502040204020203" pitchFamily="34" charset="0"/>
+                  <a:cs typeface="Segoe UI" panose="020B0502040204020203" pitchFamily="34" charset="0"/>
+                </a:rPr>
+                <a:t>Telco Common CDM</a:t>
+              </a:r>
+            </a:p>
+          </p:txBody>
+        </p:sp>
+        <p:sp>
+          <p:nvSpPr>
+            <p:cNvPr id="16" name="Rectangle 15">
+              <a:extLst>
+                <a:ext uri="{FF2B5EF4-FFF2-40B4-BE49-F238E27FC236}">
+                  <a16:creationId xmlns:a16="http://schemas.microsoft.com/office/drawing/2014/main" id="{FA127816-2877-486A-A4AA-BD2622202BF4}"/>
+                </a:ext>
+              </a:extLst>
+            </p:cNvPr>
+            <p:cNvSpPr/>
+            <p:nvPr/>
+          </p:nvSpPr>
+          <p:spPr>
+            <a:xfrm>
+              <a:off x="7447401" y="2628370"/>
+              <a:ext cx="3206040" cy="533641"/>
+            </a:xfrm>
+            <a:prstGeom prst="rect">
+              <a:avLst/>
+            </a:prstGeom>
+            <a:solidFill>
+              <a:srgbClr val="CFDBF0"/>
+            </a:solidFill>
+          </p:spPr>
+          <p:style>
+            <a:lnRef idx="2">
+              <a:schemeClr val="accent1">
+                <a:shade val="50000"/>
+              </a:schemeClr>
+            </a:lnRef>
+            <a:fillRef idx="1">
+              <a:schemeClr val="accent1"/>
+            </a:fillRef>
+            <a:effectRef idx="0">
+              <a:schemeClr val="accent1"/>
+            </a:effectRef>
+            <a:fontRef idx="minor">
+              <a:schemeClr val="lt1"/>
+            </a:fontRef>
+          </p:style>
+          <p:txBody>
+            <a:bodyPr rtlCol="0" anchor="ctr"/>
+            <a:lstStyle/>
+            <a:p>
+              <a:pPr algn="ctr"/>
+              <a:r>
+                <a:rPr lang="en-US" sz="1200" dirty="0">
+                  <a:solidFill>
+                    <a:schemeClr val="tx1"/>
+                  </a:solidFill>
+                  <a:latin typeface="Segoe UI" panose="020B0502040204020203" pitchFamily="34" charset="0"/>
+                  <a:cs typeface="Segoe UI" panose="020B0502040204020203" pitchFamily="34" charset="0"/>
+                </a:rPr>
+                <a:t>Telco Sales CDM</a:t>
+              </a:r>
+            </a:p>
+          </p:txBody>
+        </p:sp>
+        <p:sp>
+          <p:nvSpPr>
+            <p:cNvPr id="17" name="Rectangle 16">
+              <a:extLst>
+                <a:ext uri="{FF2B5EF4-FFF2-40B4-BE49-F238E27FC236}">
+                  <a16:creationId xmlns:a16="http://schemas.microsoft.com/office/drawing/2014/main" id="{0F3CFD1A-D4B6-4E74-BD62-186B6E09589C}"/>
+                </a:ext>
+              </a:extLst>
+            </p:cNvPr>
+            <p:cNvSpPr/>
+            <p:nvPr/>
+          </p:nvSpPr>
+          <p:spPr>
+            <a:xfrm>
+              <a:off x="5133860" y="3262080"/>
+              <a:ext cx="2206180" cy="542566"/>
+            </a:xfrm>
+            <a:prstGeom prst="rect">
+              <a:avLst/>
+            </a:prstGeom>
+            <a:solidFill>
+              <a:srgbClr val="CFDBF0"/>
+            </a:solidFill>
+          </p:spPr>
+          <p:style>
+            <a:lnRef idx="2">
+              <a:schemeClr val="accent1">
+                <a:shade val="50000"/>
+              </a:schemeClr>
+            </a:lnRef>
+            <a:fillRef idx="1">
+              <a:schemeClr val="accent1"/>
+            </a:fillRef>
+            <a:effectRef idx="0">
+              <a:schemeClr val="accent1"/>
+            </a:effectRef>
+            <a:fontRef idx="minor">
+              <a:schemeClr val="lt1"/>
+            </a:fontRef>
+          </p:style>
+          <p:txBody>
+            <a:bodyPr rtlCol="0" anchor="ctr"/>
+            <a:lstStyle/>
+            <a:p>
+              <a:pPr algn="ctr"/>
+              <a:r>
+                <a:rPr lang="en-US" sz="1200" dirty="0">
+                  <a:solidFill>
+                    <a:schemeClr val="tx1"/>
+                  </a:solidFill>
+                  <a:latin typeface="Segoe UI" panose="020B0502040204020203" pitchFamily="34" charset="0"/>
+                  <a:cs typeface="Segoe UI" panose="020B0502040204020203" pitchFamily="34" charset="0"/>
+                </a:rPr>
+                <a:t>Telco Apps</a:t>
+              </a:r>
+            </a:p>
+          </p:txBody>
+        </p:sp>
+        <p:sp>
+          <p:nvSpPr>
+            <p:cNvPr id="18" name="Rectangle 17">
+              <a:extLst>
+                <a:ext uri="{FF2B5EF4-FFF2-40B4-BE49-F238E27FC236}">
+                  <a16:creationId xmlns:a16="http://schemas.microsoft.com/office/drawing/2014/main" id="{4C7DACFF-E17B-468F-AE29-CBB259B46C85}"/>
+                </a:ext>
+              </a:extLst>
+            </p:cNvPr>
+            <p:cNvSpPr/>
+            <p:nvPr/>
+          </p:nvSpPr>
+          <p:spPr>
+            <a:xfrm>
+              <a:off x="7447401" y="1969379"/>
+              <a:ext cx="3206041" cy="585859"/>
+            </a:xfrm>
+            <a:prstGeom prst="rect">
+              <a:avLst/>
+            </a:prstGeom>
+            <a:solidFill>
+              <a:srgbClr val="CFDBF0"/>
+            </a:solidFill>
+          </p:spPr>
+          <p:style>
+            <a:lnRef idx="2">
+              <a:schemeClr val="accent1">
+                <a:shade val="50000"/>
+              </a:schemeClr>
+            </a:lnRef>
+            <a:fillRef idx="1">
+              <a:schemeClr val="accent1"/>
+            </a:fillRef>
+            <a:effectRef idx="0">
+              <a:schemeClr val="accent1"/>
+            </a:effectRef>
+            <a:fontRef idx="minor">
+              <a:schemeClr val="lt1"/>
+            </a:fontRef>
+          </p:style>
+          <p:txBody>
+            <a:bodyPr rtlCol="0" anchor="ctr"/>
+            <a:lstStyle/>
+            <a:p>
+              <a:pPr algn="ctr"/>
+              <a:r>
+                <a:rPr lang="en-US" sz="1200" dirty="0">
+                  <a:solidFill>
+                    <a:schemeClr val="tx1"/>
+                  </a:solidFill>
+                  <a:latin typeface="Segoe UI" panose="020B0502040204020203" pitchFamily="34" charset="0"/>
+                  <a:cs typeface="Segoe UI" panose="020B0502040204020203" pitchFamily="34" charset="0"/>
+                </a:rPr>
+                <a:t>Telco Sales Apps</a:t>
+              </a:r>
+            </a:p>
+          </p:txBody>
+        </p:sp>
+        <p:sp>
+          <p:nvSpPr>
+            <p:cNvPr id="19" name="Rectangle 18">
+              <a:extLst>
+                <a:ext uri="{FF2B5EF4-FFF2-40B4-BE49-F238E27FC236}">
+                  <a16:creationId xmlns:a16="http://schemas.microsoft.com/office/drawing/2014/main" id="{9C314162-95F4-44B5-8B2B-F307ED0D0267}"/>
+                </a:ext>
+              </a:extLst>
+            </p:cNvPr>
+            <p:cNvSpPr/>
+            <p:nvPr/>
+          </p:nvSpPr>
+          <p:spPr>
+            <a:xfrm>
+              <a:off x="7447401" y="3262079"/>
+              <a:ext cx="3230121" cy="533641"/>
+            </a:xfrm>
+            <a:prstGeom prst="rect">
+              <a:avLst/>
+            </a:prstGeom>
+            <a:solidFill>
+              <a:srgbClr val="FFEFBD"/>
+            </a:solidFill>
+          </p:spPr>
+          <p:style>
+            <a:lnRef idx="2">
+              <a:schemeClr val="accent4">
+                <a:shade val="50000"/>
+              </a:schemeClr>
+            </a:lnRef>
+            <a:fillRef idx="1">
+              <a:schemeClr val="accent4"/>
+            </a:fillRef>
+            <a:effectRef idx="0">
+              <a:schemeClr val="accent4"/>
+            </a:effectRef>
+            <a:fontRef idx="minor">
+              <a:schemeClr val="lt1"/>
+            </a:fontRef>
+          </p:style>
+          <p:txBody>
+            <a:bodyPr rtlCol="0" anchor="ctr"/>
+            <a:lstStyle/>
+            <a:p>
+              <a:pPr algn="ctr"/>
+              <a:r>
+                <a:rPr lang="en-US" sz="1400" dirty="0">
+                  <a:solidFill>
+                    <a:schemeClr val="tx1"/>
+                  </a:solidFill>
+                  <a:latin typeface="Segoe UI" panose="020B0502040204020203" pitchFamily="34" charset="0"/>
+                  <a:cs typeface="Segoe UI" panose="020B0502040204020203" pitchFamily="34" charset="0"/>
+                </a:rPr>
+                <a:t>Dynamics 365 Sales</a:t>
+              </a:r>
+            </a:p>
+          </p:txBody>
+        </p:sp>
+        <p:sp>
+          <p:nvSpPr>
+            <p:cNvPr id="20" name="Rectangle 19">
+              <a:extLst>
+                <a:ext uri="{FF2B5EF4-FFF2-40B4-BE49-F238E27FC236}">
+                  <a16:creationId xmlns:a16="http://schemas.microsoft.com/office/drawing/2014/main" id="{6166E248-A3E5-4268-B7A7-C2AB529DE102}"/>
+                </a:ext>
+              </a:extLst>
+            </p:cNvPr>
+            <p:cNvSpPr/>
+            <p:nvPr/>
+          </p:nvSpPr>
+          <p:spPr>
+            <a:xfrm>
+              <a:off x="1277943" y="3280452"/>
+              <a:ext cx="3761241" cy="528222"/>
+            </a:xfrm>
+            <a:prstGeom prst="rect">
+              <a:avLst/>
+            </a:prstGeom>
+          </p:spPr>
+          <p:style>
+            <a:lnRef idx="2">
+              <a:schemeClr val="accent1">
+                <a:shade val="50000"/>
+              </a:schemeClr>
+            </a:lnRef>
+            <a:fillRef idx="1">
+              <a:schemeClr val="accent1"/>
+            </a:fillRef>
+            <a:effectRef idx="0">
+              <a:schemeClr val="accent1"/>
+            </a:effectRef>
+            <a:fontRef idx="minor">
+              <a:schemeClr val="lt1"/>
+            </a:fontRef>
+          </p:style>
+          <p:txBody>
+            <a:bodyPr rtlCol="0" anchor="ctr"/>
+            <a:lstStyle/>
+            <a:p>
+              <a:pPr algn="ctr"/>
+              <a:r>
+                <a:rPr lang="en-US" sz="1200" dirty="0">
+                  <a:latin typeface="Segoe UI" panose="020B0502040204020203" pitchFamily="34" charset="0"/>
+                  <a:cs typeface="Segoe UI" panose="020B0502040204020203" pitchFamily="34" charset="0"/>
+                </a:rPr>
+                <a:t>Telco Plant Maintenance  CDM</a:t>
+              </a:r>
+            </a:p>
+          </p:txBody>
+        </p:sp>
+        <p:sp>
+          <p:nvSpPr>
+            <p:cNvPr id="27" name="Rectangle 26">
+              <a:extLst>
+                <a:ext uri="{FF2B5EF4-FFF2-40B4-BE49-F238E27FC236}">
+                  <a16:creationId xmlns:a16="http://schemas.microsoft.com/office/drawing/2014/main" id="{E0DD45E8-2A89-403E-9E64-DEE43CAC7C6A}"/>
+                </a:ext>
+              </a:extLst>
+            </p:cNvPr>
+            <p:cNvSpPr/>
+            <p:nvPr/>
+          </p:nvSpPr>
+          <p:spPr>
+            <a:xfrm>
+              <a:off x="1277942" y="2628370"/>
+              <a:ext cx="3761241" cy="533641"/>
+            </a:xfrm>
+            <a:prstGeom prst="rect">
+              <a:avLst/>
+            </a:prstGeom>
+            <a:solidFill>
+              <a:srgbClr val="CFDBF0"/>
+            </a:solidFill>
+          </p:spPr>
+          <p:style>
+            <a:lnRef idx="2">
+              <a:schemeClr val="accent1">
+                <a:shade val="50000"/>
+              </a:schemeClr>
+            </a:lnRef>
+            <a:fillRef idx="1">
+              <a:schemeClr val="accent1"/>
+            </a:fillRef>
+            <a:effectRef idx="0">
+              <a:schemeClr val="accent1"/>
+            </a:effectRef>
+            <a:fontRef idx="minor">
+              <a:schemeClr val="lt1"/>
+            </a:fontRef>
+          </p:style>
+          <p:txBody>
+            <a:bodyPr rtlCol="0" anchor="ctr"/>
+            <a:lstStyle/>
+            <a:p>
+              <a:pPr algn="ctr"/>
+              <a:r>
+                <a:rPr lang="en-US" sz="1200" dirty="0">
+                  <a:solidFill>
+                    <a:schemeClr val="tx1"/>
+                  </a:solidFill>
+                  <a:latin typeface="Segoe UI" panose="020B0502040204020203" pitchFamily="34" charset="0"/>
+                  <a:cs typeface="Segoe UI" panose="020B0502040204020203" pitchFamily="34" charset="0"/>
+                </a:rPr>
+                <a:t>Telco Plant Maintenance Apps</a:t>
+              </a:r>
+            </a:p>
+          </p:txBody>
+        </p:sp>
+      </p:grpSp>
+      <p:graphicFrame>
+        <p:nvGraphicFramePr>
+          <p:cNvPr id="3" name="Table 2">
+            <a:extLst>
+              <a:ext uri="{FF2B5EF4-FFF2-40B4-BE49-F238E27FC236}">
+                <a16:creationId xmlns:a16="http://schemas.microsoft.com/office/drawing/2014/main" id="{063DBFEE-ECF2-4937-98FD-FF5A7C2C44BD}"/>
+              </a:ext>
+            </a:extLst>
+          </p:cNvPr>
+          <p:cNvGraphicFramePr>
+            <a:graphicFrameLocks noGrp="1"/>
+          </p:cNvGraphicFramePr>
+          <p:nvPr>
+            <p:extLst>
+              <p:ext uri="{D42A27DB-BD31-4B8C-83A1-F6EECF244321}">
+                <p14:modId xmlns:p14="http://schemas.microsoft.com/office/powerpoint/2010/main" val="1674407735"/>
+              </p:ext>
+            </p:extLst>
+          </p:nvPr>
+        </p:nvGraphicFramePr>
+        <p:xfrm>
+          <a:off x="697946" y="2793422"/>
+          <a:ext cx="3293124" cy="900671"/>
+        </p:xfrm>
+        <a:graphic>
+          <a:graphicData uri="http://schemas.openxmlformats.org/drawingml/2006/table">
+            <a:tbl>
+              <a:tblPr firstRow="1" bandRow="1">
+                <a:tableStyleId>{B301B821-A1FF-4177-AEE7-76D212191A09}</a:tableStyleId>
+              </a:tblPr>
+              <a:tblGrid>
+                <a:gridCol w="3293124">
+                  <a:extLst>
+                    <a:ext uri="{9D8B030D-6E8A-4147-A177-3AD203B41FA5}">
+                      <a16:colId xmlns:a16="http://schemas.microsoft.com/office/drawing/2014/main" val="2982091153"/>
+                    </a:ext>
+                  </a:extLst>
+                </a:gridCol>
+              </a:tblGrid>
+              <a:tr h="445512">
+                <a:tc>
+                  <a:txBody>
+                    <a:bodyPr/>
+                    <a:lstStyle/>
+                    <a:p>
+                      <a:r>
+                        <a:rPr lang="en-US" sz="1400" dirty="0"/>
+                        <a:t>Entity Name</a:t>
+                      </a:r>
+                    </a:p>
+                  </a:txBody>
+                  <a:tcPr/>
+                </a:tc>
+                <a:extLst>
+                  <a:ext uri="{0D108BD9-81ED-4DB2-BD59-A6C34878D82A}">
+                    <a16:rowId xmlns:a16="http://schemas.microsoft.com/office/drawing/2014/main" val="3897208415"/>
+                  </a:ext>
+                </a:extLst>
+              </a:tr>
+              <a:tr h="455159">
+                <a:tc>
+                  <a:txBody>
+                    <a:bodyPr/>
+                    <a:lstStyle/>
+                    <a:p>
+                      <a:r>
+                        <a:rPr lang="en-US" sz="1400" dirty="0"/>
+                        <a:t>Network Resource</a:t>
+                      </a:r>
+                    </a:p>
+                  </a:txBody>
+                  <a:tcPr/>
+                </a:tc>
+                <a:extLst>
+                  <a:ext uri="{0D108BD9-81ED-4DB2-BD59-A6C34878D82A}">
+                    <a16:rowId xmlns:a16="http://schemas.microsoft.com/office/drawing/2014/main" val="2067485940"/>
+                  </a:ext>
+                </a:extLst>
+              </a:tr>
+            </a:tbl>
+          </a:graphicData>
+        </a:graphic>
+      </p:graphicFrame>
     </p:spTree>
     <p:extLst>
       <p:ext uri="{BB962C8B-B14F-4D97-AF65-F5344CB8AC3E}">
-        <p14:creationId xmlns:p14="http://schemas.microsoft.com/office/powerpoint/2010/main" val="4032754434"/>
+        <p14:creationId xmlns:p14="http://schemas.microsoft.com/office/powerpoint/2010/main" val="1082602046"/>
       </p:ext>
     </p:extLst>
   </p:cSld>
@@ -9943,4 +13821,10 @@
     <ds:schemaRef ds:uri="http://www.w3.org/XML/1998/namespace"/>
   </ds:schemaRefs>
 </ds:datastoreItem>
+</file>
+
+<file path=docMetadata/LabelInfo.xml><?xml version="1.0" encoding="utf-8"?>
+<clbl:labelList xmlns:clbl="http://schemas.microsoft.com/office/2020/mipLabelMetadata">
+  <clbl:label id="{f42aa342-8706-4288-bd11-ebb85995028c}" enabled="1" method="Standard" siteId="{72f988bf-86f1-41af-91ab-2d7cd011db47}" removed="0"/>
+</clbl:labelList>
 </file>